--- a/slides/lec5.pptx
+++ b/slides/lec5.pptx
@@ -21,51 +21,51 @@
     <p:sldId id="309" r:id="rId12"/>
     <p:sldId id="302" r:id="rId13"/>
     <p:sldId id="311" r:id="rId14"/>
-    <p:sldId id="312" r:id="rId15"/>
-    <p:sldId id="313" r:id="rId16"/>
-    <p:sldId id="314" r:id="rId17"/>
-    <p:sldId id="315" r:id="rId18"/>
-    <p:sldId id="316" r:id="rId19"/>
-    <p:sldId id="317" r:id="rId20"/>
-    <p:sldId id="318" r:id="rId21"/>
-    <p:sldId id="319" r:id="rId22"/>
-    <p:sldId id="320" r:id="rId23"/>
-    <p:sldId id="321" r:id="rId24"/>
-    <p:sldId id="322" r:id="rId25"/>
-    <p:sldId id="323" r:id="rId26"/>
-    <p:sldId id="324" r:id="rId27"/>
-    <p:sldId id="325" r:id="rId28"/>
-    <p:sldId id="326" r:id="rId29"/>
-    <p:sldId id="327" r:id="rId30"/>
-    <p:sldId id="328" r:id="rId31"/>
-    <p:sldId id="330" r:id="rId32"/>
-    <p:sldId id="331" r:id="rId33"/>
-    <p:sldId id="333" r:id="rId34"/>
-    <p:sldId id="332" r:id="rId35"/>
-    <p:sldId id="329" r:id="rId36"/>
-    <p:sldId id="336" r:id="rId37"/>
-    <p:sldId id="337" r:id="rId38"/>
-    <p:sldId id="338" r:id="rId39"/>
-    <p:sldId id="339" r:id="rId40"/>
-    <p:sldId id="341" r:id="rId41"/>
-    <p:sldId id="342" r:id="rId42"/>
-    <p:sldId id="343" r:id="rId43"/>
-    <p:sldId id="344" r:id="rId44"/>
-    <p:sldId id="345" r:id="rId45"/>
-    <p:sldId id="346" r:id="rId46"/>
-    <p:sldId id="347" r:id="rId47"/>
-    <p:sldId id="348" r:id="rId48"/>
-    <p:sldId id="340" r:id="rId49"/>
-    <p:sldId id="350" r:id="rId50"/>
-    <p:sldId id="351" r:id="rId51"/>
-    <p:sldId id="349" r:id="rId52"/>
-    <p:sldId id="352" r:id="rId53"/>
-    <p:sldId id="354" r:id="rId54"/>
-    <p:sldId id="355" r:id="rId55"/>
-    <p:sldId id="353" r:id="rId56"/>
-    <p:sldId id="356" r:id="rId57"/>
-    <p:sldId id="357" r:id="rId58"/>
-    <p:sldId id="358" r:id="rId59"/>
+    <p:sldId id="313" r:id="rId15"/>
+    <p:sldId id="314" r:id="rId16"/>
+    <p:sldId id="315" r:id="rId17"/>
+    <p:sldId id="316" r:id="rId18"/>
+    <p:sldId id="317" r:id="rId19"/>
+    <p:sldId id="318" r:id="rId20"/>
+    <p:sldId id="319" r:id="rId21"/>
+    <p:sldId id="320" r:id="rId22"/>
+    <p:sldId id="321" r:id="rId23"/>
+    <p:sldId id="322" r:id="rId24"/>
+    <p:sldId id="323" r:id="rId25"/>
+    <p:sldId id="324" r:id="rId26"/>
+    <p:sldId id="325" r:id="rId27"/>
+    <p:sldId id="326" r:id="rId28"/>
+    <p:sldId id="327" r:id="rId29"/>
+    <p:sldId id="328" r:id="rId30"/>
+    <p:sldId id="330" r:id="rId31"/>
+    <p:sldId id="331" r:id="rId32"/>
+    <p:sldId id="333" r:id="rId33"/>
+    <p:sldId id="332" r:id="rId34"/>
+    <p:sldId id="329" r:id="rId35"/>
+    <p:sldId id="336" r:id="rId36"/>
+    <p:sldId id="337" r:id="rId37"/>
+    <p:sldId id="338" r:id="rId38"/>
+    <p:sldId id="339" r:id="rId39"/>
+    <p:sldId id="341" r:id="rId40"/>
+    <p:sldId id="342" r:id="rId41"/>
+    <p:sldId id="343" r:id="rId42"/>
+    <p:sldId id="344" r:id="rId43"/>
+    <p:sldId id="345" r:id="rId44"/>
+    <p:sldId id="346" r:id="rId45"/>
+    <p:sldId id="347" r:id="rId46"/>
+    <p:sldId id="348" r:id="rId47"/>
+    <p:sldId id="340" r:id="rId48"/>
+    <p:sldId id="350" r:id="rId49"/>
+    <p:sldId id="351" r:id="rId50"/>
+    <p:sldId id="349" r:id="rId51"/>
+    <p:sldId id="352" r:id="rId52"/>
+    <p:sldId id="354" r:id="rId53"/>
+    <p:sldId id="355" r:id="rId54"/>
+    <p:sldId id="353" r:id="rId55"/>
+    <p:sldId id="356" r:id="rId56"/>
+    <p:sldId id="357" r:id="rId57"/>
+    <p:sldId id="358" r:id="rId58"/>
+    <p:sldId id="359" r:id="rId59"/>
   </p:sldIdLst>
   <p:sldSz cx="12192000" cy="6858000"/>
   <p:notesSz cx="6858000" cy="9144000"/>
@@ -189,7 +189,6 @@
         <p14:section name="动态内存管理" id="{EF196628-29F1-4020-86C8-9FEF5E09D503}">
           <p14:sldIdLst>
             <p14:sldId id="311"/>
-            <p14:sldId id="312"/>
             <p14:sldId id="313"/>
             <p14:sldId id="314"/>
             <p14:sldId id="315"/>
@@ -238,6 +237,7 @@
             <p14:sldId id="356"/>
             <p14:sldId id="357"/>
             <p14:sldId id="358"/>
+            <p14:sldId id="359"/>
           </p14:sldIdLst>
         </p14:section>
       </p14:sectionLst>
@@ -343,7 +343,7 @@
           <a:p>
             <a:fld id="{910FEBA7-831F-432F-B4CF-711E73506EA3}" type="datetimeFigureOut">
               <a:rPr lang="zh-CN" altLang="en-US" smtClean="0"/>
-              <a:t>2017/4/13</a:t>
+              <a:t>2017/4/20</a:t>
             </a:fld>
             <a:endParaRPr lang="zh-CN" altLang="en-US"/>
           </a:p>
@@ -6152,7 +6152,7 @@
     </p:spTree>
     <p:extLst>
       <p:ext uri="{BB962C8B-B14F-4D97-AF65-F5344CB8AC3E}">
-        <p14:creationId xmlns:p14="http://schemas.microsoft.com/office/powerpoint/2010/main" val="1962545425"/>
+        <p14:creationId xmlns:p14="http://schemas.microsoft.com/office/powerpoint/2010/main" val="3501856143"/>
       </p:ext>
     </p:extLst>
   </p:cSld>
@@ -6184,7 +6184,7 @@
       </p:grpSpPr>
       <p:sp>
         <p:nvSpPr>
-          <p:cNvPr id="4" name="标题 3"/>
+          <p:cNvPr id="2" name="标题 1"/>
           <p:cNvSpPr>
             <a:spLocks noGrp="1"/>
           </p:cNvSpPr>
@@ -6198,16 +6198,8 @@
           <a:lstStyle/>
           <a:p>
             <a:r>
-              <a:rPr lang="en-US" altLang="zh-CN" dirty="0" smtClean="0"/>
-              <a:t>new</a:t>
-            </a:r>
-            <a:r>
               <a:rPr lang="zh-CN" altLang="en-US" dirty="0" smtClean="0"/>
-              <a:t>和</a:t>
-            </a:r>
-            <a:r>
-              <a:rPr lang="en-US" altLang="zh-CN" dirty="0" smtClean="0"/>
-              <a:t>delete</a:t>
+              <a:t>用法</a:t>
             </a:r>
             <a:endParaRPr lang="zh-CN" altLang="en-US" dirty="0"/>
           </a:p>
@@ -6215,7 +6207,7 @@
       </p:sp>
       <p:sp>
         <p:nvSpPr>
-          <p:cNvPr id="2" name="内容占位符 1"/>
+          <p:cNvPr id="3" name="内容占位符 2"/>
           <p:cNvSpPr>
             <a:spLocks noGrp="1"/>
           </p:cNvSpPr>
@@ -6226,7 +6218,7 @@
         <p:spPr>
           <a:xfrm>
             <a:off x="519248" y="1714500"/>
-            <a:ext cx="11151916" cy="1354217"/>
+            <a:ext cx="11151916" cy="3939540"/>
           </a:xfrm>
         </p:spPr>
         <p:txBody>
@@ -6234,28 +6226,62 @@
           <a:lstStyle/>
           <a:p>
             <a:r>
+              <a:rPr lang="en-US" altLang="zh-CN" dirty="0" smtClean="0"/>
+              <a:t>new &lt;</a:t>
+            </a:r>
+            <a:r>
               <a:rPr lang="zh-CN" altLang="en-US" dirty="0" smtClean="0"/>
-              <a:t>用途：动态申请和释放内存空间</a:t>
+              <a:t>类型</a:t>
+            </a:r>
+            <a:r>
+              <a:rPr lang="en-US" altLang="zh-CN" dirty="0" smtClean="0"/>
+              <a:t>&gt;</a:t>
+            </a:r>
+          </a:p>
+          <a:p>
+            <a:pPr lvl="1"/>
+            <a:r>
+              <a:rPr lang="zh-CN" altLang="en-US" dirty="0" smtClean="0"/>
+              <a:t>返回：一个该类型的指针，指向已经分配好的空间</a:t>
             </a:r>
             <a:endParaRPr lang="en-US" altLang="zh-CN" dirty="0" smtClean="0"/>
           </a:p>
           <a:p>
             <a:r>
+              <a:rPr lang="en-US" altLang="zh-CN" dirty="0" smtClean="0"/>
+              <a:t>delete &lt;</a:t>
+            </a:r>
+            <a:r>
+              <a:rPr lang="zh-CN" altLang="en-US" dirty="0" smtClean="0"/>
+              <a:t>指针</a:t>
+            </a:r>
+            <a:r>
+              <a:rPr lang="en-US" altLang="zh-CN" dirty="0"/>
+              <a:t>&gt;</a:t>
+            </a:r>
+            <a:endParaRPr lang="en-US" altLang="zh-CN" dirty="0" smtClean="0"/>
+          </a:p>
+          <a:p>
+            <a:pPr lvl="1"/>
+            <a:r>
+              <a:rPr lang="zh-CN" altLang="en-US" dirty="0" smtClean="0"/>
+              <a:t>释放指针指向的空间</a:t>
+            </a:r>
+            <a:endParaRPr lang="en-US" altLang="zh-CN" dirty="0" smtClean="0"/>
+          </a:p>
+          <a:p>
+            <a:pPr lvl="1"/>
+            <a:r>
               <a:rPr lang="zh-CN" altLang="en-US" dirty="0"/>
-              <a:t>管理</a:t>
-            </a:r>
-            <a:r>
-              <a:rPr lang="zh-CN" altLang="en-US" dirty="0" smtClean="0"/>
-              <a:t>“堆内存”，与栈空间不同，相对较大</a:t>
-            </a:r>
-            <a:endParaRPr lang="en-US" altLang="zh-CN" dirty="0" smtClean="0"/>
+              <a:t>类型必须正确</a:t>
+            </a:r>
           </a:p>
         </p:txBody>
       </p:sp>
     </p:spTree>
     <p:extLst>
       <p:ext uri="{BB962C8B-B14F-4D97-AF65-F5344CB8AC3E}">
-        <p14:creationId xmlns:p14="http://schemas.microsoft.com/office/powerpoint/2010/main" val="3501856143"/>
+        <p14:creationId xmlns:p14="http://schemas.microsoft.com/office/powerpoint/2010/main" val="928698598"/>
       </p:ext>
     </p:extLst>
   </p:cSld>
@@ -6302,7 +6328,7 @@
           <a:p>
             <a:r>
               <a:rPr lang="zh-CN" altLang="en-US" dirty="0" smtClean="0"/>
-              <a:t>用法</a:t>
+              <a:t>注意事项</a:t>
             </a:r>
             <a:endParaRPr lang="zh-CN" altLang="en-US" dirty="0"/>
           </a:p>
@@ -6321,7 +6347,7 @@
         <p:spPr>
           <a:xfrm>
             <a:off x="519248" y="1714500"/>
-            <a:ext cx="11151916" cy="3939540"/>
+            <a:ext cx="11151916" cy="2099036"/>
           </a:xfrm>
         </p:spPr>
         <p:txBody>
@@ -6329,62 +6355,55 @@
           <a:lstStyle/>
           <a:p>
             <a:r>
+              <a:rPr lang="zh-CN" altLang="en-US" dirty="0" smtClean="0"/>
+              <a:t>用</a:t>
+            </a:r>
+            <a:r>
               <a:rPr lang="en-US" altLang="zh-CN" dirty="0" smtClean="0"/>
-              <a:t>new &lt;</a:t>
+              <a:t>new</a:t>
             </a:r>
             <a:r>
               <a:rPr lang="zh-CN" altLang="en-US" dirty="0" smtClean="0"/>
-              <a:t>类型</a:t>
+              <a:t>申请的内存必须用</a:t>
             </a:r>
             <a:r>
               <a:rPr lang="en-US" altLang="zh-CN" dirty="0" smtClean="0"/>
-              <a:t>&gt;</a:t>
-            </a:r>
-          </a:p>
-          <a:p>
-            <a:pPr lvl="1"/>
+              <a:t>delete</a:t>
+            </a:r>
             <a:r>
               <a:rPr lang="zh-CN" altLang="en-US" dirty="0" smtClean="0"/>
-              <a:t>返回：一个该类型的指针，指向已经分配好的空间</a:t>
+              <a:t>释放</a:t>
             </a:r>
             <a:endParaRPr lang="en-US" altLang="zh-CN" dirty="0" smtClean="0"/>
           </a:p>
           <a:p>
             <a:r>
+              <a:rPr lang="zh-CN" altLang="en-US" dirty="0" smtClean="0"/>
+              <a:t>不释放</a:t>
+            </a:r>
+            <a:r>
               <a:rPr lang="en-US" altLang="zh-CN" dirty="0" smtClean="0"/>
-              <a:t>delete &lt;</a:t>
+              <a:t>——</a:t>
             </a:r>
             <a:r>
               <a:rPr lang="zh-CN" altLang="en-US" dirty="0" smtClean="0"/>
-              <a:t>指针</a:t>
-            </a:r>
-            <a:r>
-              <a:rPr lang="en-US" altLang="zh-CN" dirty="0"/>
-              <a:t>&gt;</a:t>
+              <a:t>内存泄漏</a:t>
             </a:r>
             <a:endParaRPr lang="en-US" altLang="zh-CN" dirty="0" smtClean="0"/>
           </a:p>
           <a:p>
-            <a:pPr lvl="1"/>
             <a:r>
               <a:rPr lang="zh-CN" altLang="en-US" dirty="0" smtClean="0"/>
-              <a:t>释放指针指向的空间</a:t>
-            </a:r>
-            <a:endParaRPr lang="en-US" altLang="zh-CN" dirty="0" smtClean="0"/>
-          </a:p>
-          <a:p>
-            <a:pPr lvl="1"/>
-            <a:r>
-              <a:rPr lang="zh-CN" altLang="en-US" dirty="0"/>
-              <a:t>类型必须正确</a:t>
-            </a:r>
+              <a:t>只能释放一次，重复释放导致错误</a:t>
+            </a:r>
+            <a:endParaRPr lang="zh-CN" altLang="en-US" dirty="0"/>
           </a:p>
         </p:txBody>
       </p:sp>
     </p:spTree>
     <p:extLst>
       <p:ext uri="{BB962C8B-B14F-4D97-AF65-F5344CB8AC3E}">
-        <p14:creationId xmlns:p14="http://schemas.microsoft.com/office/powerpoint/2010/main" val="928698598"/>
+        <p14:creationId xmlns:p14="http://schemas.microsoft.com/office/powerpoint/2010/main" val="1269240949"/>
       </p:ext>
     </p:extLst>
   </p:cSld>
@@ -6394,6 +6413,13 @@
   <p:transition>
     <p:fade/>
   </p:transition>
+  <p:timing>
+    <p:tnLst>
+      <p:par>
+        <p:cTn id="1" dur="indefinite" restart="never" nodeType="tmRoot"/>
+      </p:par>
+    </p:tnLst>
+  </p:timing>
 </p:sld>
 </file>
 
@@ -6431,135 +6457,6 @@
           <a:p>
             <a:r>
               <a:rPr lang="zh-CN" altLang="en-US" dirty="0" smtClean="0"/>
-              <a:t>注意事项</a:t>
-            </a:r>
-            <a:endParaRPr lang="zh-CN" altLang="en-US" dirty="0"/>
-          </a:p>
-        </p:txBody>
-      </p:sp>
-      <p:sp>
-        <p:nvSpPr>
-          <p:cNvPr id="3" name="内容占位符 2"/>
-          <p:cNvSpPr>
-            <a:spLocks noGrp="1"/>
-          </p:cNvSpPr>
-          <p:nvPr>
-            <p:ph idx="1"/>
-          </p:nvPr>
-        </p:nvSpPr>
-        <p:spPr>
-          <a:xfrm>
-            <a:off x="519248" y="1714500"/>
-            <a:ext cx="11151916" cy="2099036"/>
-          </a:xfrm>
-        </p:spPr>
-        <p:txBody>
-          <a:bodyPr/>
-          <a:lstStyle/>
-          <a:p>
-            <a:r>
-              <a:rPr lang="zh-CN" altLang="en-US" dirty="0" smtClean="0"/>
-              <a:t>用</a:t>
-            </a:r>
-            <a:r>
-              <a:rPr lang="en-US" altLang="zh-CN" dirty="0" smtClean="0"/>
-              <a:t>new</a:t>
-            </a:r>
-            <a:r>
-              <a:rPr lang="zh-CN" altLang="en-US" dirty="0" smtClean="0"/>
-              <a:t>申请的内存必须用</a:t>
-            </a:r>
-            <a:r>
-              <a:rPr lang="en-US" altLang="zh-CN" dirty="0" smtClean="0"/>
-              <a:t>delete</a:t>
-            </a:r>
-            <a:r>
-              <a:rPr lang="zh-CN" altLang="en-US" dirty="0" smtClean="0"/>
-              <a:t>释放</a:t>
-            </a:r>
-            <a:endParaRPr lang="en-US" altLang="zh-CN" dirty="0" smtClean="0"/>
-          </a:p>
-          <a:p>
-            <a:r>
-              <a:rPr lang="zh-CN" altLang="en-US" dirty="0" smtClean="0"/>
-              <a:t>不释放</a:t>
-            </a:r>
-            <a:r>
-              <a:rPr lang="en-US" altLang="zh-CN" dirty="0" smtClean="0"/>
-              <a:t>——</a:t>
-            </a:r>
-            <a:r>
-              <a:rPr lang="zh-CN" altLang="en-US" dirty="0" smtClean="0"/>
-              <a:t>内存泄漏</a:t>
-            </a:r>
-            <a:endParaRPr lang="en-US" altLang="zh-CN" dirty="0" smtClean="0"/>
-          </a:p>
-          <a:p>
-            <a:r>
-              <a:rPr lang="zh-CN" altLang="en-US" dirty="0" smtClean="0"/>
-              <a:t>只能释放一次，重复释放导致错误</a:t>
-            </a:r>
-            <a:endParaRPr lang="zh-CN" altLang="en-US" dirty="0"/>
-          </a:p>
-        </p:txBody>
-      </p:sp>
-    </p:spTree>
-    <p:extLst>
-      <p:ext uri="{BB962C8B-B14F-4D97-AF65-F5344CB8AC3E}">
-        <p14:creationId xmlns:p14="http://schemas.microsoft.com/office/powerpoint/2010/main" val="1269240949"/>
-      </p:ext>
-    </p:extLst>
-  </p:cSld>
-  <p:clrMapOvr>
-    <a:masterClrMapping/>
-  </p:clrMapOvr>
-  <p:transition>
-    <p:fade/>
-  </p:transition>
-  <p:timing>
-    <p:tnLst>
-      <p:par>
-        <p:cTn id="1" dur="indefinite" restart="never" nodeType="tmRoot"/>
-      </p:par>
-    </p:tnLst>
-  </p:timing>
-</p:sld>
-</file>
-
-<file path=ppt/slides/slide17.xml><?xml version="1.0" encoding="utf-8"?>
-<p:sld xmlns:a="http://schemas.openxmlformats.org/drawingml/2006/main" xmlns:r="http://schemas.openxmlformats.org/officeDocument/2006/relationships" xmlns:p="http://schemas.openxmlformats.org/presentationml/2006/main">
-  <p:cSld>
-    <p:spTree>
-      <p:nvGrpSpPr>
-        <p:cNvPr id="1" name=""/>
-        <p:cNvGrpSpPr/>
-        <p:nvPr/>
-      </p:nvGrpSpPr>
-      <p:grpSpPr>
-        <a:xfrm>
-          <a:off x="0" y="0"/>
-          <a:ext cx="0" cy="0"/>
-          <a:chOff x="0" y="0"/>
-          <a:chExt cx="0" cy="0"/>
-        </a:xfrm>
-      </p:grpSpPr>
-      <p:sp>
-        <p:nvSpPr>
-          <p:cNvPr id="2" name="标题 1"/>
-          <p:cNvSpPr>
-            <a:spLocks noGrp="1"/>
-          </p:cNvSpPr>
-          <p:nvPr>
-            <p:ph type="title"/>
-          </p:nvPr>
-        </p:nvSpPr>
-        <p:spPr/>
-        <p:txBody>
-          <a:bodyPr/>
-          <a:lstStyle/>
-          <a:p>
-            <a:r>
-              <a:rPr lang="zh-CN" altLang="en-US" dirty="0" smtClean="0"/>
               <a:t>动态生成数组</a:t>
             </a:r>
             <a:endParaRPr lang="zh-CN" altLang="en-US" dirty="0"/>
@@ -6685,7 +6582,7 @@
 </p:sld>
 </file>
 
-<file path=ppt/slides/slide18.xml><?xml version="1.0" encoding="utf-8"?>
+<file path=ppt/slides/slide17.xml><?xml version="1.0" encoding="utf-8"?>
 <p:sld xmlns:a="http://schemas.openxmlformats.org/drawingml/2006/main" xmlns:r="http://schemas.openxmlformats.org/officeDocument/2006/relationships" xmlns:p="http://schemas.openxmlformats.org/presentationml/2006/main">
   <p:cSld>
     <p:spTree>
@@ -6985,6 +6882,257 @@
 </p:sld>
 </file>
 
+<file path=ppt/slides/slide18.xml><?xml version="1.0" encoding="utf-8"?>
+<p:sld xmlns:a="http://schemas.openxmlformats.org/drawingml/2006/main" xmlns:r="http://schemas.openxmlformats.org/officeDocument/2006/relationships" xmlns:p="http://schemas.openxmlformats.org/presentationml/2006/main">
+  <p:cSld>
+    <p:spTree>
+      <p:nvGrpSpPr>
+        <p:cNvPr id="1" name=""/>
+        <p:cNvGrpSpPr/>
+        <p:nvPr/>
+      </p:nvGrpSpPr>
+      <p:grpSpPr>
+        <a:xfrm>
+          <a:off x="0" y="0"/>
+          <a:ext cx="0" cy="0"/>
+          <a:chOff x="0" y="0"/>
+          <a:chExt cx="0" cy="0"/>
+        </a:xfrm>
+      </p:grpSpPr>
+      <p:sp>
+        <p:nvSpPr>
+          <p:cNvPr id="4" name="标题 3"/>
+          <p:cNvSpPr>
+            <a:spLocks noGrp="1"/>
+          </p:cNvSpPr>
+          <p:nvPr>
+            <p:ph type="title"/>
+          </p:nvPr>
+        </p:nvSpPr>
+        <p:spPr/>
+        <p:txBody>
+          <a:bodyPr/>
+          <a:lstStyle/>
+          <a:p>
+            <a:r>
+              <a:rPr lang="zh-CN" altLang="en-US" dirty="0" smtClean="0"/>
+              <a:t>例子</a:t>
+            </a:r>
+            <a:endParaRPr lang="zh-CN" altLang="en-US" dirty="0"/>
+          </a:p>
+        </p:txBody>
+      </p:sp>
+      <p:sp>
+        <p:nvSpPr>
+          <p:cNvPr id="5" name="内容占位符 4"/>
+          <p:cNvSpPr>
+            <a:spLocks noGrp="1"/>
+          </p:cNvSpPr>
+          <p:nvPr>
+            <p:ph idx="1"/>
+          </p:nvPr>
+        </p:nvSpPr>
+        <p:spPr>
+          <a:xfrm>
+            <a:off x="519248" y="1905000"/>
+            <a:ext cx="11151916" cy="4395049"/>
+          </a:xfrm>
+        </p:spPr>
+        <p:txBody>
+          <a:bodyPr/>
+          <a:lstStyle/>
+          <a:p>
+            <a:r>
+              <a:rPr lang="en-US" altLang="zh-CN" dirty="0" err="1"/>
+              <a:t>i</a:t>
+            </a:r>
+            <a:r>
+              <a:rPr lang="en-US" altLang="zh-CN" dirty="0" err="1" smtClean="0"/>
+              <a:t>nt</a:t>
+            </a:r>
+            <a:r>
+              <a:rPr lang="en-US" altLang="zh-CN" dirty="0" smtClean="0"/>
+              <a:t> main(){</a:t>
+            </a:r>
+          </a:p>
+          <a:p>
+            <a:r>
+              <a:rPr lang="en-US" altLang="zh-CN" dirty="0" smtClean="0"/>
+              <a:t>	</a:t>
+            </a:r>
+            <a:r>
+              <a:rPr lang="en-US" altLang="zh-CN" dirty="0" err="1" smtClean="0"/>
+              <a:t>int</a:t>
+            </a:r>
+            <a:r>
+              <a:rPr lang="en-US" altLang="zh-CN" dirty="0" smtClean="0"/>
+              <a:t> x = 10;</a:t>
+            </a:r>
+          </a:p>
+          <a:p>
+            <a:r>
+              <a:rPr lang="en-US" altLang="zh-CN" dirty="0"/>
+              <a:t>	</a:t>
+            </a:r>
+            <a:r>
+              <a:rPr lang="en-US" altLang="zh-CN" dirty="0" smtClean="0"/>
+              <a:t>// </a:t>
+            </a:r>
+            <a:r>
+              <a:rPr lang="en-US" altLang="zh-CN" dirty="0" err="1" smtClean="0"/>
+              <a:t>int</a:t>
+            </a:r>
+            <a:r>
+              <a:rPr lang="en-US" altLang="zh-CN" dirty="0" smtClean="0"/>
+              <a:t> a[x];	ERROR</a:t>
+            </a:r>
+          </a:p>
+          <a:p>
+            <a:r>
+              <a:rPr lang="en-US" altLang="zh-CN" dirty="0"/>
+              <a:t>	</a:t>
+            </a:r>
+            <a:r>
+              <a:rPr lang="en-US" altLang="zh-CN" dirty="0" err="1" smtClean="0"/>
+              <a:t>int</a:t>
+            </a:r>
+            <a:r>
+              <a:rPr lang="en-US" altLang="zh-CN" dirty="0" smtClean="0"/>
+              <a:t> *a = new </a:t>
+            </a:r>
+            <a:r>
+              <a:rPr lang="en-US" altLang="zh-CN" dirty="0" err="1" smtClean="0"/>
+              <a:t>int</a:t>
+            </a:r>
+            <a:r>
+              <a:rPr lang="en-US" altLang="zh-CN" dirty="0" smtClean="0"/>
+              <a:t>[x];</a:t>
+            </a:r>
+          </a:p>
+          <a:p>
+            <a:r>
+              <a:rPr lang="en-US" altLang="zh-CN" dirty="0"/>
+              <a:t>	</a:t>
+            </a:r>
+            <a:r>
+              <a:rPr lang="en-US" altLang="zh-CN" dirty="0" smtClean="0"/>
+              <a:t>for(</a:t>
+            </a:r>
+            <a:r>
+              <a:rPr lang="en-US" altLang="zh-CN" dirty="0" err="1" smtClean="0"/>
+              <a:t>int</a:t>
+            </a:r>
+            <a:r>
+              <a:rPr lang="en-US" altLang="zh-CN" dirty="0" smtClean="0"/>
+              <a:t> </a:t>
+            </a:r>
+            <a:r>
+              <a:rPr lang="en-US" altLang="zh-CN" dirty="0" err="1" smtClean="0"/>
+              <a:t>i</a:t>
+            </a:r>
+            <a:r>
+              <a:rPr lang="en-US" altLang="zh-CN" dirty="0" smtClean="0"/>
+              <a:t> = 0; </a:t>
+            </a:r>
+            <a:r>
+              <a:rPr lang="en-US" altLang="zh-CN" dirty="0" err="1" smtClean="0"/>
+              <a:t>i</a:t>
+            </a:r>
+            <a:r>
+              <a:rPr lang="en-US" altLang="zh-CN" dirty="0" smtClean="0"/>
+              <a:t> &lt; x; ++</a:t>
+            </a:r>
+            <a:r>
+              <a:rPr lang="en-US" altLang="zh-CN" dirty="0" err="1" smtClean="0"/>
+              <a:t>i</a:t>
+            </a:r>
+            <a:r>
+              <a:rPr lang="en-US" altLang="zh-CN" dirty="0" smtClean="0"/>
+              <a:t>){</a:t>
+            </a:r>
+          </a:p>
+          <a:p>
+            <a:r>
+              <a:rPr lang="en-US" altLang="zh-CN" dirty="0" smtClean="0"/>
+              <a:t>		a[</a:t>
+            </a:r>
+            <a:r>
+              <a:rPr lang="en-US" altLang="zh-CN" dirty="0" err="1" smtClean="0"/>
+              <a:t>i</a:t>
+            </a:r>
+            <a:r>
+              <a:rPr lang="en-US" altLang="zh-CN" dirty="0" smtClean="0"/>
+              <a:t>] = </a:t>
+            </a:r>
+            <a:r>
+              <a:rPr lang="en-US" altLang="zh-CN" dirty="0" err="1" smtClean="0"/>
+              <a:t>i</a:t>
+            </a:r>
+            <a:r>
+              <a:rPr lang="en-US" altLang="zh-CN" dirty="0" smtClean="0"/>
+              <a:t>;</a:t>
+            </a:r>
+          </a:p>
+          <a:p>
+            <a:r>
+              <a:rPr lang="en-US" altLang="zh-CN" dirty="0" smtClean="0"/>
+              <a:t>	}</a:t>
+            </a:r>
+          </a:p>
+          <a:p>
+            <a:r>
+              <a:rPr lang="en-US" altLang="zh-CN" dirty="0"/>
+              <a:t>	</a:t>
+            </a:r>
+            <a:r>
+              <a:rPr lang="en-US" altLang="zh-CN" dirty="0" smtClean="0"/>
+              <a:t>delete []a;</a:t>
+            </a:r>
+          </a:p>
+          <a:p>
+            <a:r>
+              <a:rPr lang="en-US" altLang="zh-CN" dirty="0"/>
+              <a:t>	</a:t>
+            </a:r>
+            <a:r>
+              <a:rPr lang="en-US" altLang="zh-CN" dirty="0" smtClean="0"/>
+              <a:t>return 0;</a:t>
+            </a:r>
+          </a:p>
+          <a:p>
+            <a:r>
+              <a:rPr lang="en-US" altLang="zh-CN" dirty="0" smtClean="0"/>
+              <a:t>}</a:t>
+            </a:r>
+          </a:p>
+          <a:p>
+            <a:endParaRPr lang="en-US" altLang="zh-CN" dirty="0"/>
+          </a:p>
+        </p:txBody>
+      </p:sp>
+    </p:spTree>
+    <p:extLst>
+      <p:ext uri="{BB962C8B-B14F-4D97-AF65-F5344CB8AC3E}">
+        <p14:creationId xmlns:p14="http://schemas.microsoft.com/office/powerpoint/2010/main" val="1397503476"/>
+      </p:ext>
+    </p:extLst>
+  </p:cSld>
+  <p:clrMapOvr>
+    <a:masterClrMapping/>
+  </p:clrMapOvr>
+  <p:transition>
+    <p:fade/>
+  </p:transition>
+  <p:timing>
+    <p:tnLst>
+      <p:par>
+        <p:cTn id="1" dur="indefinite" restart="never" nodeType="tmRoot"/>
+      </p:par>
+    </p:tnLst>
+  </p:timing>
+</p:sld>
+</file>
+
 <file path=ppt/slides/slide19.xml><?xml version="1.0" encoding="utf-8"?>
 <p:sld xmlns:a="http://schemas.openxmlformats.org/drawingml/2006/main" xmlns:r="http://schemas.openxmlformats.org/officeDocument/2006/relationships" xmlns:p="http://schemas.openxmlformats.org/presentationml/2006/main">
   <p:cSld>
@@ -7019,7 +7167,7 @@
           <a:p>
             <a:r>
               <a:rPr lang="zh-CN" altLang="en-US" dirty="0" smtClean="0"/>
-              <a:t>例子</a:t>
+              <a:t>为什么要动态管理</a:t>
             </a:r>
             <a:endParaRPr lang="zh-CN" altLang="en-US" dirty="0"/>
           </a:p>
@@ -7037,8 +7185,8 @@
         </p:nvSpPr>
         <p:spPr>
           <a:xfrm>
-            <a:off x="519248" y="1905000"/>
-            <a:ext cx="11151916" cy="4395049"/>
+            <a:off x="519248" y="1714500"/>
+            <a:ext cx="11151916" cy="3588675"/>
           </a:xfrm>
         </p:spPr>
         <p:txBody>
@@ -7046,177 +7194,41 @@
           <a:lstStyle/>
           <a:p>
             <a:r>
-              <a:rPr lang="en-US" altLang="zh-CN" dirty="0" err="1"/>
-              <a:t>i</a:t>
-            </a:r>
-            <a:r>
-              <a:rPr lang="en-US" altLang="zh-CN" dirty="0" err="1" smtClean="0"/>
-              <a:t>nt</a:t>
-            </a:r>
-            <a:r>
-              <a:rPr lang="en-US" altLang="zh-CN" dirty="0" smtClean="0"/>
-              <a:t> main(){</a:t>
-            </a:r>
-          </a:p>
-          <a:p>
-            <a:r>
-              <a:rPr lang="en-US" altLang="zh-CN" dirty="0" smtClean="0"/>
-              <a:t>	</a:t>
-            </a:r>
-            <a:r>
-              <a:rPr lang="en-US" altLang="zh-CN" dirty="0" err="1" smtClean="0"/>
-              <a:t>int</a:t>
-            </a:r>
-            <a:r>
-              <a:rPr lang="en-US" altLang="zh-CN" dirty="0" smtClean="0"/>
-              <a:t> x = 10;</a:t>
-            </a:r>
-          </a:p>
-          <a:p>
-            <a:r>
-              <a:rPr lang="en-US" altLang="zh-CN" dirty="0"/>
-              <a:t>	</a:t>
-            </a:r>
-            <a:r>
-              <a:rPr lang="en-US" altLang="zh-CN" dirty="0" smtClean="0"/>
-              <a:t>// </a:t>
-            </a:r>
-            <a:r>
-              <a:rPr lang="en-US" altLang="zh-CN" dirty="0" err="1" smtClean="0"/>
-              <a:t>int</a:t>
-            </a:r>
-            <a:r>
-              <a:rPr lang="en-US" altLang="zh-CN" dirty="0" smtClean="0"/>
-              <a:t> a[x];	ERROR</a:t>
-            </a:r>
-          </a:p>
-          <a:p>
-            <a:r>
-              <a:rPr lang="en-US" altLang="zh-CN" dirty="0"/>
-              <a:t>	</a:t>
-            </a:r>
-            <a:r>
-              <a:rPr lang="en-US" altLang="zh-CN" dirty="0" err="1" smtClean="0"/>
-              <a:t>int</a:t>
-            </a:r>
-            <a:r>
-              <a:rPr lang="en-US" altLang="zh-CN" dirty="0" smtClean="0"/>
-              <a:t> *a = new </a:t>
-            </a:r>
-            <a:r>
-              <a:rPr lang="en-US" altLang="zh-CN" dirty="0" err="1" smtClean="0"/>
-              <a:t>int</a:t>
-            </a:r>
-            <a:r>
-              <a:rPr lang="en-US" altLang="zh-CN" dirty="0" smtClean="0"/>
-              <a:t>[x];</a:t>
-            </a:r>
-          </a:p>
-          <a:p>
-            <a:r>
-              <a:rPr lang="en-US" altLang="zh-CN" dirty="0"/>
-              <a:t>	</a:t>
-            </a:r>
-            <a:r>
-              <a:rPr lang="en-US" altLang="zh-CN" dirty="0" smtClean="0"/>
-              <a:t>for(</a:t>
-            </a:r>
-            <a:r>
-              <a:rPr lang="en-US" altLang="zh-CN" dirty="0" err="1" smtClean="0"/>
-              <a:t>int</a:t>
-            </a:r>
-            <a:r>
-              <a:rPr lang="en-US" altLang="zh-CN" dirty="0" smtClean="0"/>
-              <a:t> </a:t>
-            </a:r>
-            <a:r>
-              <a:rPr lang="en-US" altLang="zh-CN" dirty="0" err="1" smtClean="0"/>
-              <a:t>i</a:t>
-            </a:r>
-            <a:r>
-              <a:rPr lang="en-US" altLang="zh-CN" dirty="0" smtClean="0"/>
-              <a:t> = 0; </a:t>
-            </a:r>
-            <a:r>
-              <a:rPr lang="en-US" altLang="zh-CN" dirty="0" err="1" smtClean="0"/>
-              <a:t>i</a:t>
-            </a:r>
-            <a:r>
-              <a:rPr lang="en-US" altLang="zh-CN" dirty="0" smtClean="0"/>
-              <a:t> &lt; x; ++</a:t>
-            </a:r>
-            <a:r>
-              <a:rPr lang="en-US" altLang="zh-CN" dirty="0" err="1" smtClean="0"/>
-              <a:t>i</a:t>
-            </a:r>
-            <a:r>
-              <a:rPr lang="en-US" altLang="zh-CN" dirty="0" smtClean="0"/>
-              <a:t>){</a:t>
-            </a:r>
-          </a:p>
-          <a:p>
-            <a:r>
-              <a:rPr lang="en-US" altLang="zh-CN" dirty="0" smtClean="0"/>
-              <a:t>		a[</a:t>
-            </a:r>
-            <a:r>
-              <a:rPr lang="en-US" altLang="zh-CN" dirty="0" err="1" smtClean="0"/>
-              <a:t>i</a:t>
-            </a:r>
-            <a:r>
-              <a:rPr lang="en-US" altLang="zh-CN" dirty="0" smtClean="0"/>
-              <a:t>] = </a:t>
-            </a:r>
-            <a:r>
-              <a:rPr lang="en-US" altLang="zh-CN" dirty="0" err="1" smtClean="0"/>
-              <a:t>i</a:t>
-            </a:r>
-            <a:r>
-              <a:rPr lang="en-US" altLang="zh-CN" dirty="0" smtClean="0"/>
-              <a:t>;</a:t>
-            </a:r>
-          </a:p>
-          <a:p>
-            <a:r>
-              <a:rPr lang="en-US" altLang="zh-CN" dirty="0" smtClean="0"/>
-              <a:t>	}</a:t>
-            </a:r>
-          </a:p>
-          <a:p>
-            <a:r>
-              <a:rPr lang="en-US" altLang="zh-CN" dirty="0"/>
-              <a:t>	</a:t>
-            </a:r>
-            <a:r>
-              <a:rPr lang="en-US" altLang="zh-CN" dirty="0" smtClean="0"/>
-              <a:t>delete []a;</a:t>
-            </a:r>
-          </a:p>
-          <a:p>
-            <a:r>
-              <a:rPr lang="en-US" altLang="zh-CN" dirty="0"/>
-              <a:t>	</a:t>
-            </a:r>
-            <a:r>
-              <a:rPr lang="en-US" altLang="zh-CN" dirty="0" smtClean="0"/>
-              <a:t>return 0;</a:t>
-            </a:r>
-          </a:p>
-          <a:p>
-            <a:r>
-              <a:rPr lang="en-US" altLang="zh-CN" dirty="0" smtClean="0"/>
-              <a:t>}</a:t>
-            </a:r>
+              <a:rPr lang="zh-CN" altLang="en-US" dirty="0" smtClean="0"/>
+              <a:t>灵活性：可以根据需要申请内存</a:t>
+            </a:r>
+            <a:endParaRPr lang="en-US" altLang="zh-CN" dirty="0" smtClean="0"/>
+          </a:p>
+          <a:p>
+            <a:r>
+              <a:rPr lang="zh-CN" altLang="en-US" dirty="0" smtClean="0"/>
+              <a:t>适合于事先不知道需要多少内存的情况</a:t>
+            </a:r>
+            <a:endParaRPr lang="en-US" altLang="zh-CN" dirty="0" smtClean="0"/>
           </a:p>
           <a:p>
             <a:endParaRPr lang="en-US" altLang="zh-CN" dirty="0"/>
+          </a:p>
+          <a:p>
+            <a:r>
+              <a:rPr lang="zh-CN" altLang="en-US" dirty="0" smtClean="0"/>
+              <a:t>缺点：慢！</a:t>
+            </a:r>
+            <a:endParaRPr lang="en-US" altLang="zh-CN" dirty="0" smtClean="0"/>
+          </a:p>
+          <a:p>
+            <a:r>
+              <a:rPr lang="zh-CN" altLang="en-US" dirty="0" smtClean="0"/>
+              <a:t>因此，能静态申请还是要静态申请</a:t>
+            </a:r>
+            <a:endParaRPr lang="en-US" altLang="zh-CN" dirty="0" smtClean="0"/>
           </a:p>
         </p:txBody>
       </p:sp>
     </p:spTree>
     <p:extLst>
       <p:ext uri="{BB962C8B-B14F-4D97-AF65-F5344CB8AC3E}">
-        <p14:creationId xmlns:p14="http://schemas.microsoft.com/office/powerpoint/2010/main" val="1397503476"/>
+        <p14:creationId xmlns:p14="http://schemas.microsoft.com/office/powerpoint/2010/main" val="1508440424"/>
       </p:ext>
     </p:extLst>
   </p:cSld>
@@ -7357,7 +7369,7 @@
           <a:p>
             <a:r>
               <a:rPr lang="zh-CN" altLang="en-US" dirty="0" smtClean="0"/>
-              <a:t>为什么要动态管理</a:t>
+              <a:t>链表</a:t>
             </a:r>
             <a:endParaRPr lang="zh-CN" altLang="en-US" dirty="0"/>
           </a:p>
@@ -7365,60 +7377,31 @@
       </p:sp>
       <p:sp>
         <p:nvSpPr>
-          <p:cNvPr id="5" name="内容占位符 4"/>
+          <p:cNvPr id="5" name="文本占位符 4"/>
           <p:cNvSpPr>
             <a:spLocks noGrp="1"/>
           </p:cNvSpPr>
           <p:nvPr>
-            <p:ph idx="1"/>
+            <p:ph type="body" idx="1"/>
           </p:nvPr>
         </p:nvSpPr>
-        <p:spPr>
-          <a:xfrm>
-            <a:off x="519248" y="1714500"/>
-            <a:ext cx="11151916" cy="3588675"/>
-          </a:xfrm>
-        </p:spPr>
+        <p:spPr/>
         <p:txBody>
           <a:bodyPr/>
           <a:lstStyle/>
           <a:p>
             <a:r>
-              <a:rPr lang="zh-CN" altLang="en-US" dirty="0" smtClean="0"/>
-              <a:t>灵活性：可以根据需要申请内存</a:t>
-            </a:r>
-            <a:endParaRPr lang="en-US" altLang="zh-CN" dirty="0" smtClean="0"/>
-          </a:p>
-          <a:p>
-            <a:r>
-              <a:rPr lang="zh-CN" altLang="en-US" dirty="0" smtClean="0"/>
-              <a:t>适合于事先不知道需要多少内存的情况</a:t>
-            </a:r>
-            <a:endParaRPr lang="en-US" altLang="zh-CN" dirty="0" smtClean="0"/>
-          </a:p>
-          <a:p>
-            <a:endParaRPr lang="en-US" altLang="zh-CN" dirty="0"/>
-          </a:p>
-          <a:p>
-            <a:r>
-              <a:rPr lang="zh-CN" altLang="en-US" dirty="0" smtClean="0"/>
-              <a:t>缺点：慢！</a:t>
-            </a:r>
-            <a:endParaRPr lang="en-US" altLang="zh-CN" dirty="0" smtClean="0"/>
-          </a:p>
-          <a:p>
-            <a:r>
-              <a:rPr lang="zh-CN" altLang="en-US" dirty="0" smtClean="0"/>
-              <a:t>因此，能静态申请还是要静态申请</a:t>
-            </a:r>
-            <a:endParaRPr lang="en-US" altLang="zh-CN" dirty="0" smtClean="0"/>
+              <a:rPr lang="en-US" altLang="zh-CN" dirty="0" smtClean="0"/>
+              <a:t>Linked Table</a:t>
+            </a:r>
+            <a:endParaRPr lang="zh-CN" altLang="en-US" dirty="0"/>
           </a:p>
         </p:txBody>
       </p:sp>
     </p:spTree>
     <p:extLst>
       <p:ext uri="{BB962C8B-B14F-4D97-AF65-F5344CB8AC3E}">
-        <p14:creationId xmlns:p14="http://schemas.microsoft.com/office/powerpoint/2010/main" val="1508440424"/>
+        <p14:creationId xmlns:p14="http://schemas.microsoft.com/office/powerpoint/2010/main" val="245428425"/>
       </p:ext>
     </p:extLst>
   </p:cSld>
@@ -7457,92 +7440,6 @@
       </p:grpSpPr>
       <p:sp>
         <p:nvSpPr>
-          <p:cNvPr id="4" name="标题 3"/>
-          <p:cNvSpPr>
-            <a:spLocks noGrp="1"/>
-          </p:cNvSpPr>
-          <p:nvPr>
-            <p:ph type="title"/>
-          </p:nvPr>
-        </p:nvSpPr>
-        <p:spPr/>
-        <p:txBody>
-          <a:bodyPr/>
-          <a:lstStyle/>
-          <a:p>
-            <a:r>
-              <a:rPr lang="zh-CN" altLang="en-US" dirty="0" smtClean="0"/>
-              <a:t>链表</a:t>
-            </a:r>
-            <a:endParaRPr lang="zh-CN" altLang="en-US" dirty="0"/>
-          </a:p>
-        </p:txBody>
-      </p:sp>
-      <p:sp>
-        <p:nvSpPr>
-          <p:cNvPr id="5" name="文本占位符 4"/>
-          <p:cNvSpPr>
-            <a:spLocks noGrp="1"/>
-          </p:cNvSpPr>
-          <p:nvPr>
-            <p:ph type="body" idx="1"/>
-          </p:nvPr>
-        </p:nvSpPr>
-        <p:spPr/>
-        <p:txBody>
-          <a:bodyPr/>
-          <a:lstStyle/>
-          <a:p>
-            <a:r>
-              <a:rPr lang="en-US" altLang="zh-CN" dirty="0" smtClean="0"/>
-              <a:t>Linked Table</a:t>
-            </a:r>
-            <a:endParaRPr lang="zh-CN" altLang="en-US" dirty="0"/>
-          </a:p>
-        </p:txBody>
-      </p:sp>
-    </p:spTree>
-    <p:extLst>
-      <p:ext uri="{BB962C8B-B14F-4D97-AF65-F5344CB8AC3E}">
-        <p14:creationId xmlns:p14="http://schemas.microsoft.com/office/powerpoint/2010/main" val="245428425"/>
-      </p:ext>
-    </p:extLst>
-  </p:cSld>
-  <p:clrMapOvr>
-    <a:masterClrMapping/>
-  </p:clrMapOvr>
-  <p:transition>
-    <p:fade/>
-  </p:transition>
-  <p:timing>
-    <p:tnLst>
-      <p:par>
-        <p:cTn id="1" dur="indefinite" restart="never" nodeType="tmRoot"/>
-      </p:par>
-    </p:tnLst>
-  </p:timing>
-</p:sld>
-</file>
-
-<file path=ppt/slides/slide22.xml><?xml version="1.0" encoding="utf-8"?>
-<p:sld xmlns:a="http://schemas.openxmlformats.org/drawingml/2006/main" xmlns:r="http://schemas.openxmlformats.org/officeDocument/2006/relationships" xmlns:p="http://schemas.openxmlformats.org/presentationml/2006/main">
-  <p:cSld>
-    <p:spTree>
-      <p:nvGrpSpPr>
-        <p:cNvPr id="1" name=""/>
-        <p:cNvGrpSpPr/>
-        <p:nvPr/>
-      </p:nvGrpSpPr>
-      <p:grpSpPr>
-        <a:xfrm>
-          <a:off x="0" y="0"/>
-          <a:ext cx="0" cy="0"/>
-          <a:chOff x="0" y="0"/>
-          <a:chExt cx="0" cy="0"/>
-        </a:xfrm>
-      </p:grpSpPr>
-      <p:sp>
-        <p:nvSpPr>
           <p:cNvPr id="7" name="标题 6"/>
           <p:cNvSpPr>
             <a:spLocks noGrp="1"/>
@@ -7632,7 +7529,7 @@
 </p:sld>
 </file>
 
-<file path=ppt/slides/slide23.xml><?xml version="1.0" encoding="utf-8"?>
+<file path=ppt/slides/slide22.xml><?xml version="1.0" encoding="utf-8"?>
 <p:sld xmlns:a="http://schemas.openxmlformats.org/drawingml/2006/main" xmlns:r="http://schemas.openxmlformats.org/officeDocument/2006/relationships" xmlns:p="http://schemas.openxmlformats.org/presentationml/2006/main">
   <p:cSld>
     <p:spTree>
@@ -8630,7 +8527,7 @@
 </p:sld>
 </file>
 
-<file path=ppt/slides/slide24.xml><?xml version="1.0" encoding="utf-8"?>
+<file path=ppt/slides/slide23.xml><?xml version="1.0" encoding="utf-8"?>
 <p:sld xmlns:a="http://schemas.openxmlformats.org/drawingml/2006/main" xmlns:r="http://schemas.openxmlformats.org/officeDocument/2006/relationships" xmlns:p="http://schemas.openxmlformats.org/presentationml/2006/main">
   <p:cSld>
     <p:spTree>
@@ -9704,7 +9601,7 @@
 </p:sld>
 </file>
 
-<file path=ppt/slides/slide25.xml><?xml version="1.0" encoding="utf-8"?>
+<file path=ppt/slides/slide24.xml><?xml version="1.0" encoding="utf-8"?>
 <p:sld xmlns:a="http://schemas.openxmlformats.org/drawingml/2006/main" xmlns:r="http://schemas.openxmlformats.org/officeDocument/2006/relationships" xmlns:p="http://schemas.openxmlformats.org/presentationml/2006/main">
   <p:cSld>
     <p:spTree>
@@ -9783,6 +9680,159 @@
     <p:extLst>
       <p:ext uri="{BB962C8B-B14F-4D97-AF65-F5344CB8AC3E}">
         <p14:creationId xmlns:p14="http://schemas.microsoft.com/office/powerpoint/2010/main" val="459755827"/>
+      </p:ext>
+    </p:extLst>
+  </p:cSld>
+  <p:clrMapOvr>
+    <a:masterClrMapping/>
+  </p:clrMapOvr>
+  <p:transition>
+    <p:fade/>
+  </p:transition>
+  <p:timing>
+    <p:tnLst>
+      <p:par>
+        <p:cTn id="1" dur="indefinite" restart="never" nodeType="tmRoot"/>
+      </p:par>
+    </p:tnLst>
+  </p:timing>
+</p:sld>
+</file>
+
+<file path=ppt/slides/slide25.xml><?xml version="1.0" encoding="utf-8"?>
+<p:sld xmlns:a="http://schemas.openxmlformats.org/drawingml/2006/main" xmlns:r="http://schemas.openxmlformats.org/officeDocument/2006/relationships" xmlns:p="http://schemas.openxmlformats.org/presentationml/2006/main">
+  <p:cSld>
+    <p:spTree>
+      <p:nvGrpSpPr>
+        <p:cNvPr id="1" name=""/>
+        <p:cNvGrpSpPr/>
+        <p:nvPr/>
+      </p:nvGrpSpPr>
+      <p:grpSpPr>
+        <a:xfrm>
+          <a:off x="0" y="0"/>
+          <a:ext cx="0" cy="0"/>
+          <a:chOff x="0" y="0"/>
+          <a:chExt cx="0" cy="0"/>
+        </a:xfrm>
+      </p:grpSpPr>
+      <p:sp>
+        <p:nvSpPr>
+          <p:cNvPr id="4" name="标题 3"/>
+          <p:cNvSpPr>
+            <a:spLocks noGrp="1"/>
+          </p:cNvSpPr>
+          <p:nvPr>
+            <p:ph type="title"/>
+          </p:nvPr>
+        </p:nvSpPr>
+        <p:spPr/>
+        <p:txBody>
+          <a:bodyPr/>
+          <a:lstStyle/>
+          <a:p>
+            <a:r>
+              <a:rPr lang="zh-CN" altLang="en-US" dirty="0" smtClean="0"/>
+              <a:t>通常定义方式</a:t>
+            </a:r>
+            <a:endParaRPr lang="zh-CN" altLang="en-US" dirty="0"/>
+          </a:p>
+        </p:txBody>
+      </p:sp>
+      <p:sp>
+        <p:nvSpPr>
+          <p:cNvPr id="5" name="内容占位符 4"/>
+          <p:cNvSpPr>
+            <a:spLocks noGrp="1"/>
+          </p:cNvSpPr>
+          <p:nvPr>
+            <p:ph idx="1"/>
+          </p:nvPr>
+        </p:nvSpPr>
+        <p:spPr>
+          <a:xfrm>
+            <a:off x="519248" y="1905000"/>
+            <a:ext cx="11151916" cy="2769989"/>
+          </a:xfrm>
+        </p:spPr>
+        <p:txBody>
+          <a:bodyPr/>
+          <a:lstStyle/>
+          <a:p>
+            <a:r>
+              <a:rPr lang="en-US" altLang="zh-CN" dirty="0" err="1" smtClean="0"/>
+              <a:t>struct</a:t>
+            </a:r>
+            <a:r>
+              <a:rPr lang="en-US" altLang="zh-CN" dirty="0" smtClean="0"/>
+              <a:t> Node{</a:t>
+            </a:r>
+          </a:p>
+          <a:p>
+            <a:r>
+              <a:rPr lang="en-US" altLang="zh-CN" dirty="0" smtClean="0"/>
+              <a:t>	double data;</a:t>
+            </a:r>
+          </a:p>
+          <a:p>
+            <a:r>
+              <a:rPr lang="en-US" altLang="zh-CN" dirty="0"/>
+              <a:t>	</a:t>
+            </a:r>
+            <a:r>
+              <a:rPr lang="en-US" altLang="zh-CN" dirty="0" err="1" smtClean="0"/>
+              <a:t>struct</a:t>
+            </a:r>
+            <a:r>
+              <a:rPr lang="en-US" altLang="zh-CN" dirty="0" smtClean="0"/>
+              <a:t> Node * next;</a:t>
+            </a:r>
+          </a:p>
+          <a:p>
+            <a:r>
+              <a:rPr lang="en-US" altLang="zh-CN" dirty="0" smtClean="0"/>
+              <a:t>};</a:t>
+            </a:r>
+          </a:p>
+          <a:p>
+            <a:endParaRPr lang="en-US" altLang="zh-CN" dirty="0" smtClean="0"/>
+          </a:p>
+          <a:p>
+            <a:r>
+              <a:rPr lang="en-US" altLang="zh-CN" dirty="0" smtClean="0"/>
+              <a:t>// </a:t>
+            </a:r>
+            <a:r>
+              <a:rPr lang="zh-CN" altLang="en-US" dirty="0" smtClean="0"/>
+              <a:t>一个保存</a:t>
+            </a:r>
+            <a:r>
+              <a:rPr lang="en-US" altLang="zh-CN" dirty="0" smtClean="0"/>
+              <a:t>double</a:t>
+            </a:r>
+            <a:r>
+              <a:rPr lang="zh-CN" altLang="en-US" dirty="0" smtClean="0"/>
+              <a:t>类型数据的链表</a:t>
+            </a:r>
+            <a:endParaRPr lang="en-US" altLang="zh-CN" dirty="0"/>
+          </a:p>
+          <a:p>
+            <a:r>
+              <a:rPr lang="en-US" altLang="zh-CN" dirty="0" smtClean="0"/>
+              <a:t>// </a:t>
+            </a:r>
+            <a:r>
+              <a:rPr lang="zh-CN" altLang="en-US" dirty="0" smtClean="0"/>
+              <a:t>这个要定义在所有函数外面</a:t>
+            </a:r>
+            <a:endParaRPr lang="en-US" altLang="zh-CN" dirty="0" smtClean="0"/>
+          </a:p>
+        </p:txBody>
+      </p:sp>
+    </p:spTree>
+    <p:extLst>
+      <p:ext uri="{BB962C8B-B14F-4D97-AF65-F5344CB8AC3E}">
+        <p14:creationId xmlns:p14="http://schemas.microsoft.com/office/powerpoint/2010/main" val="2361899170"/>
       </p:ext>
     </p:extLst>
   </p:cSld>
@@ -9836,7 +9886,7 @@
           <a:p>
             <a:r>
               <a:rPr lang="zh-CN" altLang="en-US" dirty="0" smtClean="0"/>
-              <a:t>通常定义方式</a:t>
+              <a:t>链表：头节点</a:t>
             </a:r>
             <a:endParaRPr lang="zh-CN" altLang="en-US" dirty="0"/>
           </a:p>
@@ -9854,8 +9904,8 @@
         </p:nvSpPr>
         <p:spPr>
           <a:xfrm>
-            <a:off x="519248" y="1905000"/>
-            <a:ext cx="11151916" cy="2769989"/>
+            <a:off x="519248" y="1714500"/>
+            <a:ext cx="11151916" cy="3588675"/>
           </a:xfrm>
         </p:spPr>
         <p:txBody>
@@ -9863,79 +9913,56 @@
           <a:lstStyle/>
           <a:p>
             <a:r>
-              <a:rPr lang="en-US" altLang="zh-CN" dirty="0" err="1" smtClean="0"/>
-              <a:t>struct</a:t>
+              <a:rPr lang="zh-CN" altLang="en-US" dirty="0" smtClean="0"/>
+              <a:t>必须有一个可直接访问的位置</a:t>
+            </a:r>
+            <a:endParaRPr lang="en-US" altLang="zh-CN" dirty="0" smtClean="0"/>
+          </a:p>
+          <a:p>
+            <a:r>
+              <a:rPr lang="zh-CN" altLang="en-US" dirty="0"/>
+              <a:t>链表</a:t>
+            </a:r>
+            <a:r>
+              <a:rPr lang="zh-CN" altLang="en-US" dirty="0" smtClean="0"/>
+              <a:t>头</a:t>
             </a:r>
             <a:r>
               <a:rPr lang="en-US" altLang="zh-CN" dirty="0" smtClean="0"/>
-              <a:t> Node{</a:t>
-            </a:r>
-          </a:p>
-          <a:p>
+              <a:t>(head)</a:t>
+            </a:r>
+          </a:p>
+          <a:p>
+            <a:r>
+              <a:rPr lang="zh-CN" altLang="en-US" dirty="0" smtClean="0"/>
+              <a:t>程序通常有保存有指向头节点的指针</a:t>
+            </a:r>
+            <a:endParaRPr lang="en-US" altLang="zh-CN" dirty="0" smtClean="0"/>
+          </a:p>
+          <a:p>
+            <a:endParaRPr lang="en-US" altLang="zh-CN" dirty="0"/>
+          </a:p>
+          <a:p>
+            <a:r>
+              <a:rPr lang="zh-CN" altLang="en-US" dirty="0" smtClean="0"/>
+              <a:t>访问其他节点？顺着</a:t>
+            </a:r>
             <a:r>
               <a:rPr lang="en-US" altLang="zh-CN" dirty="0" smtClean="0"/>
-              <a:t>	double data;</a:t>
-            </a:r>
-          </a:p>
-          <a:p>
-            <a:r>
-              <a:rPr lang="en-US" altLang="zh-CN" dirty="0"/>
-              <a:t>	</a:t>
-            </a:r>
-            <a:r>
-              <a:rPr lang="en-US" altLang="zh-CN" dirty="0" err="1" smtClean="0"/>
-              <a:t>struct</a:t>
-            </a:r>
-            <a:r>
-              <a:rPr lang="en-US" altLang="zh-CN" dirty="0" smtClean="0"/>
-              <a:t> Node * next;</a:t>
-            </a:r>
-          </a:p>
-          <a:p>
-            <a:r>
-              <a:rPr lang="en-US" altLang="zh-CN" dirty="0" smtClean="0"/>
-              <a:t>};</a:t>
-            </a:r>
-          </a:p>
-          <a:p>
-            <a:endParaRPr lang="en-US" altLang="zh-CN" dirty="0" smtClean="0"/>
-          </a:p>
-          <a:p>
-            <a:r>
-              <a:rPr lang="en-US" altLang="zh-CN" dirty="0" smtClean="0"/>
-              <a:t>// </a:t>
+              <a:t>next</a:t>
             </a:r>
             <a:r>
               <a:rPr lang="zh-CN" altLang="en-US" dirty="0" smtClean="0"/>
-              <a:t>一个保存</a:t>
-            </a:r>
-            <a:r>
-              <a:rPr lang="en-US" altLang="zh-CN" dirty="0" smtClean="0"/>
-              <a:t>double</a:t>
-            </a:r>
-            <a:r>
-              <a:rPr lang="zh-CN" altLang="en-US" dirty="0" smtClean="0"/>
-              <a:t>类型数据的链表</a:t>
-            </a:r>
-            <a:endParaRPr lang="en-US" altLang="zh-CN" dirty="0"/>
-          </a:p>
-          <a:p>
-            <a:r>
-              <a:rPr lang="en-US" altLang="zh-CN" dirty="0" smtClean="0"/>
-              <a:t>// </a:t>
-            </a:r>
-            <a:r>
-              <a:rPr lang="zh-CN" altLang="en-US" dirty="0" smtClean="0"/>
-              <a:t>这个要定义在所有函数外面</a:t>
-            </a:r>
-            <a:endParaRPr lang="en-US" altLang="zh-CN" dirty="0" smtClean="0"/>
+              <a:t>链走下去即可</a:t>
+            </a:r>
+            <a:endParaRPr lang="zh-CN" altLang="en-US" dirty="0"/>
           </a:p>
         </p:txBody>
       </p:sp>
     </p:spTree>
     <p:extLst>
       <p:ext uri="{BB962C8B-B14F-4D97-AF65-F5344CB8AC3E}">
-        <p14:creationId xmlns:p14="http://schemas.microsoft.com/office/powerpoint/2010/main" val="2361899170"/>
+        <p14:creationId xmlns:p14="http://schemas.microsoft.com/office/powerpoint/2010/main" val="3039070745"/>
       </p:ext>
     </p:extLst>
   </p:cSld>
@@ -9989,7 +10016,15 @@
           <a:p>
             <a:r>
               <a:rPr lang="zh-CN" altLang="en-US" dirty="0" smtClean="0"/>
-              <a:t>链表：头节点</a:t>
+              <a:t>例子：一个</a:t>
+            </a:r>
+            <a:r>
+              <a:rPr lang="en-US" altLang="zh-CN" dirty="0" smtClean="0"/>
+              <a:t>double</a:t>
+            </a:r>
+            <a:r>
+              <a:rPr lang="zh-CN" altLang="en-US" dirty="0" smtClean="0"/>
+              <a:t>链表</a:t>
             </a:r>
             <a:endParaRPr lang="zh-CN" altLang="en-US" dirty="0"/>
           </a:p>
@@ -10007,8 +10042,8 @@
         </p:nvSpPr>
         <p:spPr>
           <a:xfrm>
-            <a:off x="519248" y="1714500"/>
-            <a:ext cx="11151916" cy="3588675"/>
+            <a:off x="519248" y="1905000"/>
+            <a:ext cx="11151916" cy="2363724"/>
           </a:xfrm>
         </p:spPr>
         <p:txBody>
@@ -10016,56 +10051,55 @@
           <a:lstStyle/>
           <a:p>
             <a:r>
-              <a:rPr lang="zh-CN" altLang="en-US" dirty="0" smtClean="0"/>
-              <a:t>必须有一个可直接访问的位置</a:t>
-            </a:r>
-            <a:endParaRPr lang="en-US" altLang="zh-CN" dirty="0" smtClean="0"/>
-          </a:p>
-          <a:p>
-            <a:r>
-              <a:rPr lang="zh-CN" altLang="en-US" dirty="0"/>
-              <a:t>链表</a:t>
-            </a:r>
-            <a:r>
-              <a:rPr lang="zh-CN" altLang="en-US" dirty="0" smtClean="0"/>
-              <a:t>头</a:t>
-            </a:r>
+              <a:rPr lang="en-US" altLang="zh-CN" dirty="0" err="1"/>
+              <a:t>struct</a:t>
+            </a:r>
+            <a:r>
+              <a:rPr lang="en-US" altLang="zh-CN" dirty="0"/>
+              <a:t> Node{</a:t>
+            </a:r>
+          </a:p>
+          <a:p>
+            <a:r>
+              <a:rPr lang="en-US" altLang="zh-CN" dirty="0"/>
+              <a:t>	double data;</a:t>
+            </a:r>
+          </a:p>
+          <a:p>
+            <a:r>
+              <a:rPr lang="en-US" altLang="zh-CN" dirty="0"/>
+              <a:t>	</a:t>
+            </a:r>
+            <a:r>
+              <a:rPr lang="en-US" altLang="zh-CN" dirty="0" err="1"/>
+              <a:t>struct</a:t>
+            </a:r>
+            <a:r>
+              <a:rPr lang="en-US" altLang="zh-CN" dirty="0"/>
+              <a:t> Node * next;</a:t>
+            </a:r>
+          </a:p>
+          <a:p>
             <a:r>
               <a:rPr lang="en-US" altLang="zh-CN" dirty="0" smtClean="0"/>
-              <a:t>(head)</a:t>
-            </a:r>
-          </a:p>
-          <a:p>
-            <a:r>
-              <a:rPr lang="zh-CN" altLang="en-US" dirty="0" smtClean="0"/>
-              <a:t>程序通常有保存有指向头节点的指针</a:t>
-            </a:r>
-            <a:endParaRPr lang="en-US" altLang="zh-CN" dirty="0" smtClean="0"/>
+              <a:t>};</a:t>
+            </a:r>
           </a:p>
           <a:p>
             <a:endParaRPr lang="en-US" altLang="zh-CN" dirty="0"/>
           </a:p>
           <a:p>
             <a:r>
-              <a:rPr lang="zh-CN" altLang="en-US" dirty="0" smtClean="0"/>
-              <a:t>访问其他节点？顺着</a:t>
-            </a:r>
-            <a:r>
               <a:rPr lang="en-US" altLang="zh-CN" dirty="0" smtClean="0"/>
-              <a:t>next</a:t>
-            </a:r>
-            <a:r>
-              <a:rPr lang="zh-CN" altLang="en-US" dirty="0" smtClean="0"/>
-              <a:t>链走下去即可</a:t>
-            </a:r>
-            <a:endParaRPr lang="zh-CN" altLang="en-US" dirty="0"/>
+              <a:t>Node * head;</a:t>
+            </a:r>
           </a:p>
         </p:txBody>
       </p:sp>
     </p:spTree>
     <p:extLst>
       <p:ext uri="{BB962C8B-B14F-4D97-AF65-F5344CB8AC3E}">
-        <p14:creationId xmlns:p14="http://schemas.microsoft.com/office/powerpoint/2010/main" val="3039070745"/>
+        <p14:creationId xmlns:p14="http://schemas.microsoft.com/office/powerpoint/2010/main" val="2422180765"/>
       </p:ext>
     </p:extLst>
   </p:cSld>
@@ -10146,143 +10180,6 @@
         <p:spPr>
           <a:xfrm>
             <a:off x="519248" y="1905000"/>
-            <a:ext cx="11151916" cy="2363724"/>
-          </a:xfrm>
-        </p:spPr>
-        <p:txBody>
-          <a:bodyPr/>
-          <a:lstStyle/>
-          <a:p>
-            <a:r>
-              <a:rPr lang="en-US" altLang="zh-CN" dirty="0" err="1"/>
-              <a:t>struct</a:t>
-            </a:r>
-            <a:r>
-              <a:rPr lang="en-US" altLang="zh-CN" dirty="0"/>
-              <a:t> Node{</a:t>
-            </a:r>
-          </a:p>
-          <a:p>
-            <a:r>
-              <a:rPr lang="en-US" altLang="zh-CN" dirty="0"/>
-              <a:t>	double data;</a:t>
-            </a:r>
-          </a:p>
-          <a:p>
-            <a:r>
-              <a:rPr lang="en-US" altLang="zh-CN" dirty="0"/>
-              <a:t>	</a:t>
-            </a:r>
-            <a:r>
-              <a:rPr lang="en-US" altLang="zh-CN" dirty="0" err="1"/>
-              <a:t>struct</a:t>
-            </a:r>
-            <a:r>
-              <a:rPr lang="en-US" altLang="zh-CN" dirty="0"/>
-              <a:t> Node * next;</a:t>
-            </a:r>
-          </a:p>
-          <a:p>
-            <a:r>
-              <a:rPr lang="en-US" altLang="zh-CN" dirty="0" smtClean="0"/>
-              <a:t>};</a:t>
-            </a:r>
-          </a:p>
-          <a:p>
-            <a:endParaRPr lang="en-US" altLang="zh-CN" dirty="0"/>
-          </a:p>
-          <a:p>
-            <a:r>
-              <a:rPr lang="en-US" altLang="zh-CN" dirty="0" smtClean="0"/>
-              <a:t>Node * head;</a:t>
-            </a:r>
-          </a:p>
-        </p:txBody>
-      </p:sp>
-    </p:spTree>
-    <p:extLst>
-      <p:ext uri="{BB962C8B-B14F-4D97-AF65-F5344CB8AC3E}">
-        <p14:creationId xmlns:p14="http://schemas.microsoft.com/office/powerpoint/2010/main" val="2422180765"/>
-      </p:ext>
-    </p:extLst>
-  </p:cSld>
-  <p:clrMapOvr>
-    <a:masterClrMapping/>
-  </p:clrMapOvr>
-  <p:transition>
-    <p:fade/>
-  </p:transition>
-  <p:timing>
-    <p:tnLst>
-      <p:par>
-        <p:cTn id="1" dur="indefinite" restart="never" nodeType="tmRoot"/>
-      </p:par>
-    </p:tnLst>
-  </p:timing>
-</p:sld>
-</file>
-
-<file path=ppt/slides/slide29.xml><?xml version="1.0" encoding="utf-8"?>
-<p:sld xmlns:a="http://schemas.openxmlformats.org/drawingml/2006/main" xmlns:r="http://schemas.openxmlformats.org/officeDocument/2006/relationships" xmlns:p="http://schemas.openxmlformats.org/presentationml/2006/main">
-  <p:cSld>
-    <p:spTree>
-      <p:nvGrpSpPr>
-        <p:cNvPr id="1" name=""/>
-        <p:cNvGrpSpPr/>
-        <p:nvPr/>
-      </p:nvGrpSpPr>
-      <p:grpSpPr>
-        <a:xfrm>
-          <a:off x="0" y="0"/>
-          <a:ext cx="0" cy="0"/>
-          <a:chOff x="0" y="0"/>
-          <a:chExt cx="0" cy="0"/>
-        </a:xfrm>
-      </p:grpSpPr>
-      <p:sp>
-        <p:nvSpPr>
-          <p:cNvPr id="4" name="标题 3"/>
-          <p:cNvSpPr>
-            <a:spLocks noGrp="1"/>
-          </p:cNvSpPr>
-          <p:nvPr>
-            <p:ph type="title"/>
-          </p:nvPr>
-        </p:nvSpPr>
-        <p:spPr/>
-        <p:txBody>
-          <a:bodyPr/>
-          <a:lstStyle/>
-          <a:p>
-            <a:r>
-              <a:rPr lang="zh-CN" altLang="en-US" dirty="0" smtClean="0"/>
-              <a:t>例子：一个</a:t>
-            </a:r>
-            <a:r>
-              <a:rPr lang="en-US" altLang="zh-CN" dirty="0" smtClean="0"/>
-              <a:t>double</a:t>
-            </a:r>
-            <a:r>
-              <a:rPr lang="zh-CN" altLang="en-US" dirty="0" smtClean="0"/>
-              <a:t>链表</a:t>
-            </a:r>
-            <a:endParaRPr lang="zh-CN" altLang="en-US" dirty="0"/>
-          </a:p>
-        </p:txBody>
-      </p:sp>
-      <p:sp>
-        <p:nvSpPr>
-          <p:cNvPr id="5" name="内容占位符 4"/>
-          <p:cNvSpPr>
-            <a:spLocks noGrp="1"/>
-          </p:cNvSpPr>
-          <p:nvPr>
-            <p:ph idx="1"/>
-          </p:nvPr>
-        </p:nvSpPr>
-        <p:spPr>
-          <a:xfrm>
-            <a:off x="519248" y="1905000"/>
             <a:ext cx="11151916" cy="2696123"/>
           </a:xfrm>
         </p:spPr>
@@ -10407,94 +10304,7 @@
 </p:sld>
 </file>
 
-<file path=ppt/slides/slide3.xml><?xml version="1.0" encoding="utf-8"?>
-<p:sld xmlns:a="http://schemas.openxmlformats.org/drawingml/2006/main" xmlns:r="http://schemas.openxmlformats.org/officeDocument/2006/relationships" xmlns:p="http://schemas.openxmlformats.org/presentationml/2006/main">
-  <p:cSld>
-    <p:spTree>
-      <p:nvGrpSpPr>
-        <p:cNvPr id="1" name=""/>
-        <p:cNvGrpSpPr/>
-        <p:nvPr/>
-      </p:nvGrpSpPr>
-      <p:grpSpPr>
-        <a:xfrm>
-          <a:off x="0" y="0"/>
-          <a:ext cx="0" cy="0"/>
-          <a:chOff x="0" y="0"/>
-          <a:chExt cx="0" cy="0"/>
-        </a:xfrm>
-      </p:grpSpPr>
-      <p:sp>
-        <p:nvSpPr>
-          <p:cNvPr id="2" name="标题 1"/>
-          <p:cNvSpPr>
-            <a:spLocks noGrp="1"/>
-          </p:cNvSpPr>
-          <p:nvPr>
-            <p:ph type="title"/>
-          </p:nvPr>
-        </p:nvSpPr>
-        <p:spPr/>
-        <p:txBody>
-          <a:bodyPr/>
-          <a:lstStyle/>
-          <a:p>
-            <a:r>
-              <a:rPr lang="zh-CN" altLang="en-US" dirty="0" smtClean="0"/>
-              <a:t>作业点评</a:t>
-            </a:r>
-            <a:endParaRPr lang="zh-CN" altLang="en-US" dirty="0"/>
-          </a:p>
-        </p:txBody>
-      </p:sp>
-      <p:sp>
-        <p:nvSpPr>
-          <p:cNvPr id="3" name="内容占位符 2"/>
-          <p:cNvSpPr>
-            <a:spLocks noGrp="1"/>
-          </p:cNvSpPr>
-          <p:nvPr>
-            <p:ph idx="1"/>
-          </p:nvPr>
-        </p:nvSpPr>
-        <p:spPr>
-          <a:xfrm>
-            <a:off x="519248" y="1714500"/>
-            <a:ext cx="11151916" cy="609398"/>
-          </a:xfrm>
-        </p:spPr>
-        <p:txBody>
-          <a:bodyPr/>
-          <a:lstStyle/>
-          <a:p>
-            <a:endParaRPr lang="zh-CN" altLang="en-US" dirty="0"/>
-          </a:p>
-        </p:txBody>
-      </p:sp>
-    </p:spTree>
-    <p:extLst>
-      <p:ext uri="{BB962C8B-B14F-4D97-AF65-F5344CB8AC3E}">
-        <p14:creationId xmlns:p14="http://schemas.microsoft.com/office/powerpoint/2010/main" val="1452529873"/>
-      </p:ext>
-    </p:extLst>
-  </p:cSld>
-  <p:clrMapOvr>
-    <a:masterClrMapping/>
-  </p:clrMapOvr>
-  <p:transition>
-    <p:fade/>
-  </p:transition>
-  <p:timing>
-    <p:tnLst>
-      <p:par>
-        <p:cTn id="1" dur="indefinite" restart="never" nodeType="tmRoot"/>
-      </p:par>
-    </p:tnLst>
-  </p:timing>
-</p:sld>
-</file>
-
-<file path=ppt/slides/slide30.xml><?xml version="1.0" encoding="utf-8"?>
+<file path=ppt/slides/slide29.xml><?xml version="1.0" encoding="utf-8"?>
 <p:sld xmlns:a="http://schemas.openxmlformats.org/drawingml/2006/main" xmlns:r="http://schemas.openxmlformats.org/officeDocument/2006/relationships" xmlns:p="http://schemas.openxmlformats.org/presentationml/2006/main">
   <p:cSld>
     <p:spTree>
@@ -11097,7 +10907,94 @@
 </p:sld>
 </file>
 
-<file path=ppt/slides/slide31.xml><?xml version="1.0" encoding="utf-8"?>
+<file path=ppt/slides/slide3.xml><?xml version="1.0" encoding="utf-8"?>
+<p:sld xmlns:a="http://schemas.openxmlformats.org/drawingml/2006/main" xmlns:r="http://schemas.openxmlformats.org/officeDocument/2006/relationships" xmlns:p="http://schemas.openxmlformats.org/presentationml/2006/main">
+  <p:cSld>
+    <p:spTree>
+      <p:nvGrpSpPr>
+        <p:cNvPr id="1" name=""/>
+        <p:cNvGrpSpPr/>
+        <p:nvPr/>
+      </p:nvGrpSpPr>
+      <p:grpSpPr>
+        <a:xfrm>
+          <a:off x="0" y="0"/>
+          <a:ext cx="0" cy="0"/>
+          <a:chOff x="0" y="0"/>
+          <a:chExt cx="0" cy="0"/>
+        </a:xfrm>
+      </p:grpSpPr>
+      <p:sp>
+        <p:nvSpPr>
+          <p:cNvPr id="2" name="标题 1"/>
+          <p:cNvSpPr>
+            <a:spLocks noGrp="1"/>
+          </p:cNvSpPr>
+          <p:nvPr>
+            <p:ph type="title"/>
+          </p:nvPr>
+        </p:nvSpPr>
+        <p:spPr/>
+        <p:txBody>
+          <a:bodyPr/>
+          <a:lstStyle/>
+          <a:p>
+            <a:r>
+              <a:rPr lang="zh-CN" altLang="en-US" dirty="0" smtClean="0"/>
+              <a:t>作业点评</a:t>
+            </a:r>
+            <a:endParaRPr lang="zh-CN" altLang="en-US" dirty="0"/>
+          </a:p>
+        </p:txBody>
+      </p:sp>
+      <p:sp>
+        <p:nvSpPr>
+          <p:cNvPr id="3" name="内容占位符 2"/>
+          <p:cNvSpPr>
+            <a:spLocks noGrp="1"/>
+          </p:cNvSpPr>
+          <p:nvPr>
+            <p:ph idx="1"/>
+          </p:nvPr>
+        </p:nvSpPr>
+        <p:spPr>
+          <a:xfrm>
+            <a:off x="519248" y="1714500"/>
+            <a:ext cx="11151916" cy="609398"/>
+          </a:xfrm>
+        </p:spPr>
+        <p:txBody>
+          <a:bodyPr/>
+          <a:lstStyle/>
+          <a:p>
+            <a:endParaRPr lang="zh-CN" altLang="en-US" dirty="0"/>
+          </a:p>
+        </p:txBody>
+      </p:sp>
+    </p:spTree>
+    <p:extLst>
+      <p:ext uri="{BB962C8B-B14F-4D97-AF65-F5344CB8AC3E}">
+        <p14:creationId xmlns:p14="http://schemas.microsoft.com/office/powerpoint/2010/main" val="1452529873"/>
+      </p:ext>
+    </p:extLst>
+  </p:cSld>
+  <p:clrMapOvr>
+    <a:masterClrMapping/>
+  </p:clrMapOvr>
+  <p:transition>
+    <p:fade/>
+  </p:transition>
+  <p:timing>
+    <p:tnLst>
+      <p:par>
+        <p:cTn id="1" dur="indefinite" restart="never" nodeType="tmRoot"/>
+      </p:par>
+    </p:tnLst>
+  </p:timing>
+</p:sld>
+</file>
+
+<file path=ppt/slides/slide30.xml><?xml version="1.0" encoding="utf-8"?>
 <p:sld xmlns:a="http://schemas.openxmlformats.org/drawingml/2006/main" xmlns:r="http://schemas.openxmlformats.org/officeDocument/2006/relationships" xmlns:p="http://schemas.openxmlformats.org/presentationml/2006/main">
   <p:cSld>
     <p:spTree>
@@ -11924,7 +11821,7 @@
 </p:sld>
 </file>
 
-<file path=ppt/slides/slide32.xml><?xml version="1.0" encoding="utf-8"?>
+<file path=ppt/slides/slide31.xml><?xml version="1.0" encoding="utf-8"?>
 <p:sld xmlns:a="http://schemas.openxmlformats.org/drawingml/2006/main" xmlns:r="http://schemas.openxmlformats.org/officeDocument/2006/relationships" xmlns:p="http://schemas.openxmlformats.org/presentationml/2006/main">
   <p:cSld>
     <p:spTree>
@@ -12842,7 +12739,7 @@
 </p:sld>
 </file>
 
-<file path=ppt/slides/slide33.xml><?xml version="1.0" encoding="utf-8"?>
+<file path=ppt/slides/slide32.xml><?xml version="1.0" encoding="utf-8"?>
 <p:sld xmlns:a="http://schemas.openxmlformats.org/drawingml/2006/main" xmlns:r="http://schemas.openxmlformats.org/officeDocument/2006/relationships" xmlns:p="http://schemas.openxmlformats.org/presentationml/2006/main">
   <p:cSld>
     <p:spTree>
@@ -13769,6 +13666,248 @@
 </p:sld>
 </file>
 
+<file path=ppt/slides/slide33.xml><?xml version="1.0" encoding="utf-8"?>
+<p:sld xmlns:a="http://schemas.openxmlformats.org/drawingml/2006/main" xmlns:r="http://schemas.openxmlformats.org/officeDocument/2006/relationships" xmlns:p="http://schemas.openxmlformats.org/presentationml/2006/main">
+  <p:cSld>
+    <p:spTree>
+      <p:nvGrpSpPr>
+        <p:cNvPr id="1" name=""/>
+        <p:cNvGrpSpPr/>
+        <p:nvPr/>
+      </p:nvGrpSpPr>
+      <p:grpSpPr>
+        <a:xfrm>
+          <a:off x="0" y="0"/>
+          <a:ext cx="0" cy="0"/>
+          <a:chOff x="0" y="0"/>
+          <a:chExt cx="0" cy="0"/>
+        </a:xfrm>
+      </p:grpSpPr>
+      <p:sp>
+        <p:nvSpPr>
+          <p:cNvPr id="4" name="标题 3"/>
+          <p:cNvSpPr>
+            <a:spLocks noGrp="1"/>
+          </p:cNvSpPr>
+          <p:nvPr>
+            <p:ph type="title"/>
+          </p:nvPr>
+        </p:nvSpPr>
+        <p:spPr/>
+        <p:txBody>
+          <a:bodyPr/>
+          <a:lstStyle/>
+          <a:p>
+            <a:r>
+              <a:rPr lang="zh-CN" altLang="en-US" dirty="0" smtClean="0"/>
+              <a:t>例子：一个</a:t>
+            </a:r>
+            <a:r>
+              <a:rPr lang="en-US" altLang="zh-CN" dirty="0" smtClean="0"/>
+              <a:t>double</a:t>
+            </a:r>
+            <a:r>
+              <a:rPr lang="zh-CN" altLang="en-US" dirty="0" smtClean="0"/>
+              <a:t>链表</a:t>
+            </a:r>
+            <a:endParaRPr lang="zh-CN" altLang="en-US" dirty="0"/>
+          </a:p>
+        </p:txBody>
+      </p:sp>
+      <p:sp>
+        <p:nvSpPr>
+          <p:cNvPr id="5" name="内容占位符 4"/>
+          <p:cNvSpPr>
+            <a:spLocks noGrp="1"/>
+          </p:cNvSpPr>
+          <p:nvPr>
+            <p:ph idx="1"/>
+          </p:nvPr>
+        </p:nvSpPr>
+        <p:spPr>
+          <a:xfrm>
+            <a:off x="519248" y="1905000"/>
+            <a:ext cx="11151916" cy="4801314"/>
+          </a:xfrm>
+        </p:spPr>
+        <p:txBody>
+          <a:bodyPr/>
+          <a:lstStyle/>
+          <a:p>
+            <a:r>
+              <a:rPr lang="en-US" altLang="zh-CN" dirty="0" smtClean="0"/>
+              <a:t>//</a:t>
+            </a:r>
+            <a:r>
+              <a:rPr lang="zh-CN" altLang="en-US" dirty="0" smtClean="0"/>
+              <a:t>在链表尾部添加节点</a:t>
+            </a:r>
+            <a:endParaRPr lang="en-US" altLang="zh-CN" dirty="0" smtClean="0"/>
+          </a:p>
+          <a:p>
+            <a:r>
+              <a:rPr lang="en-US" altLang="zh-CN" dirty="0" smtClean="0"/>
+              <a:t>void append(double x){</a:t>
+            </a:r>
+          </a:p>
+          <a:p>
+            <a:r>
+              <a:rPr lang="en-US" altLang="zh-CN" dirty="0"/>
+              <a:t>	</a:t>
+            </a:r>
+            <a:r>
+              <a:rPr lang="en-US" altLang="zh-CN" dirty="0" err="1"/>
+              <a:t>struct</a:t>
+            </a:r>
+            <a:r>
+              <a:rPr lang="en-US" altLang="zh-CN" dirty="0"/>
+              <a:t> Node *</a:t>
+            </a:r>
+            <a:r>
+              <a:rPr lang="en-US" altLang="zh-CN" dirty="0" err="1"/>
+              <a:t>newNode</a:t>
+            </a:r>
+            <a:r>
+              <a:rPr lang="en-US" altLang="zh-CN" dirty="0"/>
+              <a:t> = new Node;</a:t>
+            </a:r>
+          </a:p>
+          <a:p>
+            <a:r>
+              <a:rPr lang="en-US" altLang="zh-CN" dirty="0"/>
+              <a:t>	</a:t>
+            </a:r>
+            <a:r>
+              <a:rPr lang="en-US" altLang="zh-CN" dirty="0" err="1"/>
+              <a:t>newNode</a:t>
+            </a:r>
+            <a:r>
+              <a:rPr lang="en-US" altLang="zh-CN" dirty="0"/>
+              <a:t>-&gt;data = x;</a:t>
+            </a:r>
+          </a:p>
+          <a:p>
+            <a:r>
+              <a:rPr lang="en-US" altLang="zh-CN" dirty="0"/>
+              <a:t>	</a:t>
+            </a:r>
+            <a:r>
+              <a:rPr lang="en-US" altLang="zh-CN" dirty="0" err="1"/>
+              <a:t>newNode</a:t>
+            </a:r>
+            <a:r>
+              <a:rPr lang="en-US" altLang="zh-CN" dirty="0"/>
+              <a:t>-&gt;next = NULL</a:t>
+            </a:r>
+            <a:r>
+              <a:rPr lang="en-US" altLang="zh-CN" dirty="0" smtClean="0"/>
+              <a:t>;	</a:t>
+            </a:r>
+          </a:p>
+          <a:p>
+            <a:r>
+              <a:rPr lang="en-US" altLang="zh-CN" dirty="0" smtClean="0"/>
+              <a:t>	</a:t>
+            </a:r>
+            <a:r>
+              <a:rPr lang="en-US" altLang="zh-CN" dirty="0" err="1" smtClean="0"/>
+              <a:t>struct</a:t>
+            </a:r>
+            <a:r>
+              <a:rPr lang="en-US" altLang="zh-CN" dirty="0" smtClean="0"/>
+              <a:t> Node *p = head;</a:t>
+            </a:r>
+          </a:p>
+          <a:p>
+            <a:r>
+              <a:rPr lang="en-US" altLang="zh-CN" dirty="0"/>
+              <a:t>	</a:t>
+            </a:r>
+            <a:r>
+              <a:rPr lang="en-US" altLang="zh-CN" dirty="0" smtClean="0"/>
+              <a:t>while(p-&gt;next){</a:t>
+            </a:r>
+          </a:p>
+          <a:p>
+            <a:r>
+              <a:rPr lang="en-US" altLang="zh-CN" dirty="0"/>
+              <a:t>	</a:t>
+            </a:r>
+            <a:r>
+              <a:rPr lang="en-US" altLang="zh-CN" dirty="0" smtClean="0"/>
+              <a:t>	p = p-&gt;next;</a:t>
+            </a:r>
+          </a:p>
+          <a:p>
+            <a:r>
+              <a:rPr lang="en-US" altLang="zh-CN" dirty="0"/>
+              <a:t>	</a:t>
+            </a:r>
+            <a:r>
+              <a:rPr lang="en-US" altLang="zh-CN" dirty="0" smtClean="0"/>
+              <a:t>}</a:t>
+            </a:r>
+          </a:p>
+          <a:p>
+            <a:r>
+              <a:rPr lang="en-US" altLang="zh-CN" dirty="0"/>
+              <a:t>	</a:t>
+            </a:r>
+            <a:r>
+              <a:rPr lang="en-US" altLang="zh-CN" dirty="0" smtClean="0"/>
+              <a:t>p-&gt;next = </a:t>
+            </a:r>
+            <a:r>
+              <a:rPr lang="en-US" altLang="zh-CN" dirty="0" err="1" smtClean="0"/>
+              <a:t>newNode</a:t>
+            </a:r>
+            <a:r>
+              <a:rPr lang="en-US" altLang="zh-CN" dirty="0" smtClean="0"/>
+              <a:t>;</a:t>
+            </a:r>
+          </a:p>
+          <a:p>
+            <a:r>
+              <a:rPr lang="en-US" altLang="zh-CN" dirty="0" smtClean="0"/>
+              <a:t>}</a:t>
+            </a:r>
+          </a:p>
+          <a:p>
+            <a:r>
+              <a:rPr lang="zh-CN" altLang="en-US" dirty="0"/>
+              <a:t>有</a:t>
+            </a:r>
+            <a:r>
+              <a:rPr lang="zh-CN" altLang="en-US" dirty="0" smtClean="0"/>
+              <a:t>什么问题？</a:t>
+            </a:r>
+            <a:endParaRPr lang="en-US" altLang="zh-CN" dirty="0"/>
+          </a:p>
+        </p:txBody>
+      </p:sp>
+    </p:spTree>
+    <p:extLst>
+      <p:ext uri="{BB962C8B-B14F-4D97-AF65-F5344CB8AC3E}">
+        <p14:creationId xmlns:p14="http://schemas.microsoft.com/office/powerpoint/2010/main" val="1364869228"/>
+      </p:ext>
+    </p:extLst>
+  </p:cSld>
+  <p:clrMapOvr>
+    <a:masterClrMapping/>
+  </p:clrMapOvr>
+  <p:transition>
+    <p:fade/>
+  </p:transition>
+  <p:timing>
+    <p:tnLst>
+      <p:par>
+        <p:cTn id="1" dur="indefinite" restart="never" nodeType="tmRoot"/>
+      </p:par>
+    </p:tnLst>
+  </p:timing>
+</p:sld>
+</file>
+
 <file path=ppt/slides/slide34.xml><?xml version="1.0" encoding="utf-8"?>
 <p:sld xmlns:a="http://schemas.openxmlformats.org/drawingml/2006/main" xmlns:r="http://schemas.openxmlformats.org/officeDocument/2006/relationships" xmlns:p="http://schemas.openxmlformats.org/presentationml/2006/main">
   <p:cSld>
@@ -13830,7 +13969,7 @@
         <p:spPr>
           <a:xfrm>
             <a:off x="519248" y="1905000"/>
-            <a:ext cx="11151916" cy="4801314"/>
+            <a:ext cx="11151916" cy="4395049"/>
           </a:xfrm>
         </p:spPr>
         <p:txBody>
@@ -13855,16 +13994,44 @@
           </a:p>
           <a:p>
             <a:r>
+              <a:rPr lang="en-US" altLang="zh-CN" dirty="0" smtClean="0"/>
+              <a:t>	</a:t>
+            </a:r>
+            <a:r>
+              <a:rPr lang="en-US" altLang="zh-CN" dirty="0" err="1"/>
+              <a:t>struct</a:t>
+            </a:r>
+            <a:r>
+              <a:rPr lang="en-US" altLang="zh-CN" dirty="0"/>
+              <a:t> Node *</a:t>
+            </a:r>
+            <a:r>
+              <a:rPr lang="en-US" altLang="zh-CN" dirty="0" err="1"/>
+              <a:t>newNode</a:t>
+            </a:r>
+            <a:r>
+              <a:rPr lang="en-US" altLang="zh-CN" dirty="0"/>
+              <a:t> = new Node;</a:t>
+            </a:r>
+          </a:p>
+          <a:p>
+            <a:r>
               <a:rPr lang="en-US" altLang="zh-CN" dirty="0"/>
               <a:t>	</a:t>
             </a:r>
             <a:r>
               <a:rPr lang="en-US" altLang="zh-CN" dirty="0" err="1"/>
-              <a:t>struct</a:t>
+              <a:t>newNode</a:t>
             </a:r>
             <a:r>
               <a:rPr lang="en-US" altLang="zh-CN" dirty="0"/>
-              <a:t> Node *</a:t>
+              <a:t>-&gt;data = x;</a:t>
+            </a:r>
+          </a:p>
+          <a:p>
+            <a:r>
+              <a:rPr lang="en-US" altLang="zh-CN" dirty="0"/>
+              <a:t>	</a:t>
             </a:r>
             <a:r>
               <a:rPr lang="en-US" altLang="zh-CN" dirty="0" err="1"/>
@@ -13872,7 +14039,11 @@
             </a:r>
             <a:r>
               <a:rPr lang="en-US" altLang="zh-CN" dirty="0"/>
-              <a:t> = new Node;</a:t>
+              <a:t>-&gt;next = NULL</a:t>
+            </a:r>
+            <a:r>
+              <a:rPr lang="en-US" altLang="zh-CN" dirty="0" smtClean="0"/>
+              <a:t>;</a:t>
             </a:r>
           </a:p>
           <a:p>
@@ -13881,12 +14052,12 @@
               <a:t>	</a:t>
             </a:r>
             <a:r>
-              <a:rPr lang="en-US" altLang="zh-CN" dirty="0" err="1"/>
-              <a:t>newNode</a:t>
-            </a:r>
-            <a:r>
-              <a:rPr lang="en-US" altLang="zh-CN" dirty="0"/>
-              <a:t>-&gt;data = x;</a:t>
+              <a:rPr lang="en-US" altLang="zh-CN" dirty="0" err="1" smtClean="0"/>
+              <a:t>struct</a:t>
+            </a:r>
+            <a:r>
+              <a:rPr lang="en-US" altLang="zh-CN" dirty="0" smtClean="0"/>
+              <a:t> Node *p = head;</a:t>
             </a:r>
           </a:p>
           <a:p>
@@ -13895,30 +14066,28 @@
               <a:t>	</a:t>
             </a:r>
             <a:r>
-              <a:rPr lang="en-US" altLang="zh-CN" dirty="0" err="1"/>
-              <a:t>newNode</a:t>
-            </a:r>
-            <a:r>
-              <a:rPr lang="en-US" altLang="zh-CN" dirty="0"/>
-              <a:t>-&gt;next = NULL</a:t>
-            </a:r>
-            <a:r>
               <a:rPr lang="en-US" altLang="zh-CN" dirty="0" smtClean="0"/>
-              <a:t>;	</a:t>
-            </a:r>
-          </a:p>
-          <a:p>
+              <a:t>while(</a:t>
+            </a:r>
+            <a:r>
+              <a:rPr lang="en-US" altLang="zh-CN" dirty="0" smtClean="0">
+                <a:solidFill>
+                  <a:srgbClr val="FFC000"/>
+                </a:solidFill>
+              </a:rPr>
+              <a:t>p-&gt;next</a:t>
+            </a:r>
             <a:r>
               <a:rPr lang="en-US" altLang="zh-CN" dirty="0" smtClean="0"/>
-              <a:t>	</a:t>
-            </a:r>
-            <a:r>
-              <a:rPr lang="en-US" altLang="zh-CN" dirty="0" err="1" smtClean="0"/>
-              <a:t>struct</a:t>
+              <a:t>){	//</a:t>
+            </a:r>
+            <a:r>
+              <a:rPr lang="zh-CN" altLang="en-US" dirty="0" smtClean="0"/>
+              <a:t>如果</a:t>
             </a:r>
             <a:r>
               <a:rPr lang="en-US" altLang="zh-CN" dirty="0" smtClean="0"/>
-              <a:t> Node *p = head;</a:t>
+              <a:t>head == NULL? ...</a:t>
             </a:r>
           </a:p>
           <a:p>
@@ -13928,7 +14097,7 @@
             </a:r>
             <a:r>
               <a:rPr lang="en-US" altLang="zh-CN" dirty="0" smtClean="0"/>
-              <a:t>while(p-&gt;next){</a:t>
+              <a:t>	p = p-&gt;next;</a:t>
             </a:r>
           </a:p>
           <a:p>
@@ -13938,7 +14107,7 @@
             </a:r>
             <a:r>
               <a:rPr lang="en-US" altLang="zh-CN" dirty="0" smtClean="0"/>
-              <a:t>	p = p-&gt;next;</a:t>
+              <a:t>}</a:t>
             </a:r>
           </a:p>
           <a:p>
@@ -13948,16 +14117,6 @@
             </a:r>
             <a:r>
               <a:rPr lang="en-US" altLang="zh-CN" dirty="0" smtClean="0"/>
-              <a:t>}</a:t>
-            </a:r>
-          </a:p>
-          <a:p>
-            <a:r>
-              <a:rPr lang="en-US" altLang="zh-CN" dirty="0"/>
-              <a:t>	</a:t>
-            </a:r>
-            <a:r>
-              <a:rPr lang="en-US" altLang="zh-CN" dirty="0" smtClean="0"/>
               <a:t>p-&gt;next = </a:t>
             </a:r>
             <a:r>
@@ -13974,24 +14133,13 @@
               <a:rPr lang="en-US" altLang="zh-CN" dirty="0" smtClean="0"/>
               <a:t>}</a:t>
             </a:r>
-          </a:p>
-          <a:p>
-            <a:r>
-              <a:rPr lang="zh-CN" altLang="en-US" dirty="0"/>
-              <a:t>有</a:t>
-            </a:r>
-            <a:r>
-              <a:rPr lang="zh-CN" altLang="en-US" dirty="0" smtClean="0"/>
-              <a:t>什么问题？</a:t>
-            </a:r>
-            <a:endParaRPr lang="en-US" altLang="zh-CN" dirty="0"/>
           </a:p>
         </p:txBody>
       </p:sp>
     </p:spTree>
     <p:extLst>
       <p:ext uri="{BB962C8B-B14F-4D97-AF65-F5344CB8AC3E}">
-        <p14:creationId xmlns:p14="http://schemas.microsoft.com/office/powerpoint/2010/main" val="1364869228"/>
+        <p14:creationId xmlns:p14="http://schemas.microsoft.com/office/powerpoint/2010/main" val="4278497148"/>
       </p:ext>
     </p:extLst>
   </p:cSld>
@@ -14072,7 +14220,7 @@
         <p:spPr>
           <a:xfrm>
             <a:off x="519248" y="1905000"/>
-            <a:ext cx="11151916" cy="4395049"/>
+            <a:ext cx="11151916" cy="6020110"/>
           </a:xfrm>
         </p:spPr>
         <p:txBody>
@@ -14161,6 +14309,82 @@
             <a:r>
               <a:rPr lang="en-US" altLang="zh-CN" dirty="0" smtClean="0"/>
               <a:t> Node *p = head;</a:t>
+            </a:r>
+          </a:p>
+          <a:p>
+            <a:r>
+              <a:rPr lang="en-US" altLang="zh-CN" dirty="0" smtClean="0"/>
+              <a:t>	</a:t>
+            </a:r>
+            <a:r>
+              <a:rPr lang="en-US" altLang="zh-CN" dirty="0" smtClean="0">
+                <a:solidFill>
+                  <a:srgbClr val="FF7575"/>
+                </a:solidFill>
+              </a:rPr>
+              <a:t>if(head == NULL){</a:t>
+            </a:r>
+          </a:p>
+          <a:p>
+            <a:r>
+              <a:rPr lang="en-US" altLang="zh-CN" dirty="0">
+                <a:solidFill>
+                  <a:srgbClr val="FF7575"/>
+                </a:solidFill>
+              </a:rPr>
+              <a:t>	</a:t>
+            </a:r>
+            <a:r>
+              <a:rPr lang="en-US" altLang="zh-CN" dirty="0" smtClean="0">
+                <a:solidFill>
+                  <a:srgbClr val="FF7575"/>
+                </a:solidFill>
+              </a:rPr>
+              <a:t>	head = </a:t>
+            </a:r>
+            <a:r>
+              <a:rPr lang="en-US" altLang="zh-CN" dirty="0" err="1" smtClean="0">
+                <a:solidFill>
+                  <a:srgbClr val="FF7575"/>
+                </a:solidFill>
+              </a:rPr>
+              <a:t>newNode</a:t>
+            </a:r>
+            <a:r>
+              <a:rPr lang="en-US" altLang="zh-CN" dirty="0" smtClean="0">
+                <a:solidFill>
+                  <a:srgbClr val="FF7575"/>
+                </a:solidFill>
+              </a:rPr>
+              <a:t>;</a:t>
+            </a:r>
+          </a:p>
+          <a:p>
+            <a:r>
+              <a:rPr lang="en-US" altLang="zh-CN" dirty="0">
+                <a:solidFill>
+                  <a:srgbClr val="FF7575"/>
+                </a:solidFill>
+              </a:rPr>
+              <a:t>	</a:t>
+            </a:r>
+            <a:r>
+              <a:rPr lang="en-US" altLang="zh-CN" dirty="0" smtClean="0">
+                <a:solidFill>
+                  <a:srgbClr val="FF7575"/>
+                </a:solidFill>
+              </a:rPr>
+              <a:t>	return;</a:t>
+            </a:r>
+          </a:p>
+          <a:p>
+            <a:r>
+              <a:rPr lang="en-US" altLang="zh-CN" dirty="0" smtClean="0">
+                <a:solidFill>
+                  <a:srgbClr val="FF7575"/>
+                </a:solidFill>
+              </a:rPr>
+              <a:t>	}</a:t>
             </a:r>
           </a:p>
           <a:p>
@@ -14242,7 +14466,7 @@
     </p:spTree>
     <p:extLst>
       <p:ext uri="{BB962C8B-B14F-4D97-AF65-F5344CB8AC3E}">
-        <p14:creationId xmlns:p14="http://schemas.microsoft.com/office/powerpoint/2010/main" val="4278497148"/>
+        <p14:creationId xmlns:p14="http://schemas.microsoft.com/office/powerpoint/2010/main" val="3311601091"/>
       </p:ext>
     </p:extLst>
   </p:cSld>
@@ -14281,7 +14505,7 @@
       </p:grpSpPr>
       <p:sp>
         <p:nvSpPr>
-          <p:cNvPr id="4" name="标题 3"/>
+          <p:cNvPr id="2" name="标题 1"/>
           <p:cNvSpPr>
             <a:spLocks noGrp="1"/>
           </p:cNvSpPr>
@@ -14295,24 +14519,23 @@
           <a:lstStyle/>
           <a:p>
             <a:r>
-              <a:rPr lang="zh-CN" altLang="en-US" dirty="0" smtClean="0"/>
+              <a:rPr lang="zh-CN" altLang="en-US" dirty="0"/>
               <a:t>例子：一个</a:t>
             </a:r>
             <a:r>
-              <a:rPr lang="en-US" altLang="zh-CN" dirty="0" smtClean="0"/>
+              <a:rPr lang="en-US" altLang="zh-CN" dirty="0"/>
               <a:t>double</a:t>
             </a:r>
             <a:r>
-              <a:rPr lang="zh-CN" altLang="en-US" dirty="0" smtClean="0"/>
+              <a:rPr lang="zh-CN" altLang="en-US" dirty="0"/>
               <a:t>链表</a:t>
             </a:r>
-            <a:endParaRPr lang="zh-CN" altLang="en-US" dirty="0"/>
           </a:p>
         </p:txBody>
       </p:sp>
       <p:sp>
         <p:nvSpPr>
-          <p:cNvPr id="5" name="内容占位符 4"/>
+          <p:cNvPr id="3" name="内容占位符 2"/>
           <p:cNvSpPr>
             <a:spLocks noGrp="1"/>
           </p:cNvSpPr>
@@ -14323,7 +14546,7 @@
         <p:spPr>
           <a:xfrm>
             <a:off x="519248" y="1905000"/>
-            <a:ext cx="11151916" cy="6020110"/>
+            <a:ext cx="11151916" cy="1957459"/>
           </a:xfrm>
         </p:spPr>
         <p:txBody>
@@ -14336,36 +14559,28 @@
             </a:r>
             <a:r>
               <a:rPr lang="zh-CN" altLang="en-US" dirty="0" smtClean="0"/>
-              <a:t>在链表尾部添加节点</a:t>
+              <a:t>删除某节点之后的一个节点</a:t>
             </a:r>
             <a:endParaRPr lang="en-US" altLang="zh-CN" dirty="0" smtClean="0"/>
           </a:p>
           <a:p>
             <a:r>
               <a:rPr lang="en-US" altLang="zh-CN" dirty="0" smtClean="0"/>
-              <a:t>void append(double x){</a:t>
-            </a:r>
-          </a:p>
-          <a:p>
+              <a:t>void </a:t>
+            </a:r>
+            <a:r>
+              <a:rPr lang="en-US" altLang="zh-CN" dirty="0" err="1" smtClean="0"/>
+              <a:t>removeAfter</a:t>
+            </a:r>
             <a:r>
               <a:rPr lang="en-US" altLang="zh-CN" dirty="0" smtClean="0"/>
-              <a:t>	</a:t>
-            </a:r>
-            <a:r>
-              <a:rPr lang="en-US" altLang="zh-CN" dirty="0" err="1"/>
-              <a:t>struct</a:t>
-            </a:r>
-            <a:r>
-              <a:rPr lang="en-US" altLang="zh-CN" dirty="0"/>
-              <a:t> Node *</a:t>
-            </a:r>
-            <a:r>
-              <a:rPr lang="en-US" altLang="zh-CN" dirty="0" err="1"/>
-              <a:t>newNode</a:t>
-            </a:r>
-            <a:r>
-              <a:rPr lang="en-US" altLang="zh-CN" dirty="0"/>
-              <a:t> = new Node;</a:t>
+              <a:t>(Node *p){</a:t>
+            </a:r>
+          </a:p>
+          <a:p>
+            <a:r>
+              <a:rPr lang="en-US" altLang="zh-CN" dirty="0" smtClean="0"/>
+              <a:t>	p-&gt;next = p-&gt;next-&gt;next;</a:t>
             </a:r>
           </a:p>
           <a:p>
@@ -14374,202 +14589,23 @@
               <a:t>	</a:t>
             </a:r>
             <a:r>
-              <a:rPr lang="en-US" altLang="zh-CN" dirty="0" err="1"/>
-              <a:t>newNode</a:t>
-            </a:r>
-            <a:r>
-              <a:rPr lang="en-US" altLang="zh-CN" dirty="0"/>
-              <a:t>-&gt;data = x;</a:t>
-            </a:r>
-          </a:p>
-          <a:p>
-            <a:r>
-              <a:rPr lang="en-US" altLang="zh-CN" dirty="0"/>
-              <a:t>	</a:t>
-            </a:r>
-            <a:r>
-              <a:rPr lang="en-US" altLang="zh-CN" dirty="0" err="1"/>
-              <a:t>newNode</a:t>
-            </a:r>
-            <a:r>
-              <a:rPr lang="en-US" altLang="zh-CN" dirty="0"/>
-              <a:t>-&gt;next = NULL</a:t>
-            </a:r>
-            <a:r>
               <a:rPr lang="en-US" altLang="zh-CN" dirty="0" smtClean="0"/>
-              <a:t>;</a:t>
-            </a:r>
-          </a:p>
-          <a:p>
-            <a:r>
-              <a:rPr lang="en-US" altLang="zh-CN" dirty="0"/>
-              <a:t>	</a:t>
-            </a:r>
-            <a:r>
-              <a:rPr lang="en-US" altLang="zh-CN" dirty="0" err="1" smtClean="0"/>
-              <a:t>struct</a:t>
-            </a:r>
-            <a:r>
-              <a:rPr lang="en-US" altLang="zh-CN" dirty="0" smtClean="0"/>
-              <a:t> Node *p = head;</a:t>
-            </a:r>
-          </a:p>
-          <a:p>
-            <a:r>
-              <a:rPr lang="en-US" altLang="zh-CN" dirty="0" smtClean="0"/>
-              <a:t>	</a:t>
-            </a:r>
-            <a:r>
-              <a:rPr lang="en-US" altLang="zh-CN" dirty="0" smtClean="0">
-                <a:solidFill>
-                  <a:srgbClr val="FF7575"/>
-                </a:solidFill>
-              </a:rPr>
-              <a:t>if(head == NULL){</a:t>
-            </a:r>
-          </a:p>
-          <a:p>
-            <a:r>
-              <a:rPr lang="en-US" altLang="zh-CN" dirty="0">
-                <a:solidFill>
-                  <a:srgbClr val="FF7575"/>
-                </a:solidFill>
-              </a:rPr>
-              <a:t>	</a:t>
-            </a:r>
-            <a:r>
-              <a:rPr lang="en-US" altLang="zh-CN" dirty="0" smtClean="0">
-                <a:solidFill>
-                  <a:srgbClr val="FF7575"/>
-                </a:solidFill>
-              </a:rPr>
-              <a:t>	head = </a:t>
-            </a:r>
-            <a:r>
-              <a:rPr lang="en-US" altLang="zh-CN" dirty="0" err="1" smtClean="0">
-                <a:solidFill>
-                  <a:srgbClr val="FF7575"/>
-                </a:solidFill>
-              </a:rPr>
-              <a:t>newNode</a:t>
-            </a:r>
-            <a:r>
-              <a:rPr lang="en-US" altLang="zh-CN" dirty="0" smtClean="0">
-                <a:solidFill>
-                  <a:srgbClr val="FF7575"/>
-                </a:solidFill>
-              </a:rPr>
-              <a:t>;</a:t>
-            </a:r>
-          </a:p>
-          <a:p>
-            <a:r>
-              <a:rPr lang="en-US" altLang="zh-CN" dirty="0">
-                <a:solidFill>
-                  <a:srgbClr val="FF7575"/>
-                </a:solidFill>
-              </a:rPr>
-              <a:t>	</a:t>
-            </a:r>
-            <a:r>
-              <a:rPr lang="en-US" altLang="zh-CN" dirty="0" smtClean="0">
-                <a:solidFill>
-                  <a:srgbClr val="FF7575"/>
-                </a:solidFill>
-              </a:rPr>
-              <a:t>	return;</a:t>
-            </a:r>
-          </a:p>
-          <a:p>
-            <a:r>
-              <a:rPr lang="en-US" altLang="zh-CN" dirty="0" smtClean="0">
-                <a:solidFill>
-                  <a:srgbClr val="FF7575"/>
-                </a:solidFill>
-              </a:rPr>
-              <a:t>	}</a:t>
-            </a:r>
-          </a:p>
-          <a:p>
-            <a:r>
-              <a:rPr lang="en-US" altLang="zh-CN" dirty="0"/>
-              <a:t>	</a:t>
-            </a:r>
-            <a:r>
-              <a:rPr lang="en-US" altLang="zh-CN" dirty="0" smtClean="0"/>
-              <a:t>while(</a:t>
-            </a:r>
-            <a:r>
-              <a:rPr lang="en-US" altLang="zh-CN" dirty="0" smtClean="0">
-                <a:solidFill>
-                  <a:srgbClr val="FFC000"/>
-                </a:solidFill>
-              </a:rPr>
-              <a:t>p-&gt;next</a:t>
-            </a:r>
-            <a:r>
-              <a:rPr lang="en-US" altLang="zh-CN" dirty="0" smtClean="0"/>
-              <a:t>){	//</a:t>
-            </a:r>
-            <a:r>
-              <a:rPr lang="zh-CN" altLang="en-US" dirty="0" smtClean="0"/>
-              <a:t>如果</a:t>
-            </a:r>
-            <a:r>
-              <a:rPr lang="en-US" altLang="zh-CN" dirty="0" smtClean="0"/>
-              <a:t>head == NULL? ...</a:t>
-            </a:r>
-          </a:p>
-          <a:p>
-            <a:r>
-              <a:rPr lang="en-US" altLang="zh-CN" dirty="0"/>
-              <a:t>	</a:t>
-            </a:r>
-            <a:r>
-              <a:rPr lang="en-US" altLang="zh-CN" dirty="0" smtClean="0"/>
-              <a:t>	p = p-&gt;next;</a:t>
-            </a:r>
-          </a:p>
-          <a:p>
-            <a:r>
-              <a:rPr lang="en-US" altLang="zh-CN" dirty="0"/>
-              <a:t>	</a:t>
-            </a:r>
+              <a:t>delete p-&gt;next;</a:t>
+            </a:r>
+          </a:p>
+          <a:p>
             <a:r>
               <a:rPr lang="en-US" altLang="zh-CN" dirty="0" smtClean="0"/>
               <a:t>}</a:t>
             </a:r>
-          </a:p>
-          <a:p>
-            <a:r>
-              <a:rPr lang="en-US" altLang="zh-CN" dirty="0"/>
-              <a:t>	</a:t>
-            </a:r>
-            <a:r>
-              <a:rPr lang="en-US" altLang="zh-CN" dirty="0" smtClean="0"/>
-              <a:t>p-&gt;next = </a:t>
-            </a:r>
-            <a:r>
-              <a:rPr lang="en-US" altLang="zh-CN" dirty="0" err="1" smtClean="0"/>
-              <a:t>newNode</a:t>
-            </a:r>
-            <a:r>
-              <a:rPr lang="en-US" altLang="zh-CN" dirty="0" smtClean="0"/>
-              <a:t>;</a:t>
-            </a:r>
-          </a:p>
-          <a:p>
-            <a:r>
-              <a:rPr lang="en-US" altLang="zh-CN" dirty="0" smtClean="0"/>
-              <a:t>}</a:t>
-            </a:r>
+            <a:endParaRPr lang="zh-CN" altLang="en-US" dirty="0"/>
           </a:p>
         </p:txBody>
       </p:sp>
     </p:spTree>
     <p:extLst>
       <p:ext uri="{BB962C8B-B14F-4D97-AF65-F5344CB8AC3E}">
-        <p14:creationId xmlns:p14="http://schemas.microsoft.com/office/powerpoint/2010/main" val="3311601091"/>
+        <p14:creationId xmlns:p14="http://schemas.microsoft.com/office/powerpoint/2010/main" val="1409608509"/>
       </p:ext>
     </p:extLst>
   </p:cSld>
@@ -14649,145 +14685,6 @@
         <p:spPr>
           <a:xfrm>
             <a:off x="519248" y="1905000"/>
-            <a:ext cx="11151916" cy="1957459"/>
-          </a:xfrm>
-        </p:spPr>
-        <p:txBody>
-          <a:bodyPr/>
-          <a:lstStyle/>
-          <a:p>
-            <a:r>
-              <a:rPr lang="en-US" altLang="zh-CN" dirty="0" smtClean="0"/>
-              <a:t>//</a:t>
-            </a:r>
-            <a:r>
-              <a:rPr lang="zh-CN" altLang="en-US" dirty="0" smtClean="0"/>
-              <a:t>删除某节点之后的一个节点</a:t>
-            </a:r>
-            <a:endParaRPr lang="en-US" altLang="zh-CN" dirty="0" smtClean="0"/>
-          </a:p>
-          <a:p>
-            <a:r>
-              <a:rPr lang="en-US" altLang="zh-CN" dirty="0" smtClean="0"/>
-              <a:t>void </a:t>
-            </a:r>
-            <a:r>
-              <a:rPr lang="en-US" altLang="zh-CN" dirty="0" err="1" smtClean="0"/>
-              <a:t>removeAfter</a:t>
-            </a:r>
-            <a:r>
-              <a:rPr lang="en-US" altLang="zh-CN" dirty="0" smtClean="0"/>
-              <a:t>(Node *p){</a:t>
-            </a:r>
-          </a:p>
-          <a:p>
-            <a:r>
-              <a:rPr lang="en-US" altLang="zh-CN" dirty="0" smtClean="0"/>
-              <a:t>	p-&gt;next = p-&gt;next-&gt;next;</a:t>
-            </a:r>
-          </a:p>
-          <a:p>
-            <a:r>
-              <a:rPr lang="en-US" altLang="zh-CN" dirty="0"/>
-              <a:t>	</a:t>
-            </a:r>
-            <a:r>
-              <a:rPr lang="en-US" altLang="zh-CN" dirty="0" smtClean="0"/>
-              <a:t>delete p-&gt;next;</a:t>
-            </a:r>
-          </a:p>
-          <a:p>
-            <a:r>
-              <a:rPr lang="en-US" altLang="zh-CN" dirty="0" smtClean="0"/>
-              <a:t>}</a:t>
-            </a:r>
-            <a:endParaRPr lang="zh-CN" altLang="en-US" dirty="0"/>
-          </a:p>
-        </p:txBody>
-      </p:sp>
-    </p:spTree>
-    <p:extLst>
-      <p:ext uri="{BB962C8B-B14F-4D97-AF65-F5344CB8AC3E}">
-        <p14:creationId xmlns:p14="http://schemas.microsoft.com/office/powerpoint/2010/main" val="1409608509"/>
-      </p:ext>
-    </p:extLst>
-  </p:cSld>
-  <p:clrMapOvr>
-    <a:masterClrMapping/>
-  </p:clrMapOvr>
-  <p:transition>
-    <p:fade/>
-  </p:transition>
-  <p:timing>
-    <p:tnLst>
-      <p:par>
-        <p:cTn id="1" dur="indefinite" restart="never" nodeType="tmRoot"/>
-      </p:par>
-    </p:tnLst>
-  </p:timing>
-</p:sld>
-</file>
-
-<file path=ppt/slides/slide38.xml><?xml version="1.0" encoding="utf-8"?>
-<p:sld xmlns:a="http://schemas.openxmlformats.org/drawingml/2006/main" xmlns:r="http://schemas.openxmlformats.org/officeDocument/2006/relationships" xmlns:p="http://schemas.openxmlformats.org/presentationml/2006/main">
-  <p:cSld>
-    <p:spTree>
-      <p:nvGrpSpPr>
-        <p:cNvPr id="1" name=""/>
-        <p:cNvGrpSpPr/>
-        <p:nvPr/>
-      </p:nvGrpSpPr>
-      <p:grpSpPr>
-        <a:xfrm>
-          <a:off x="0" y="0"/>
-          <a:ext cx="0" cy="0"/>
-          <a:chOff x="0" y="0"/>
-          <a:chExt cx="0" cy="0"/>
-        </a:xfrm>
-      </p:grpSpPr>
-      <p:sp>
-        <p:nvSpPr>
-          <p:cNvPr id="2" name="标题 1"/>
-          <p:cNvSpPr>
-            <a:spLocks noGrp="1"/>
-          </p:cNvSpPr>
-          <p:nvPr>
-            <p:ph type="title"/>
-          </p:nvPr>
-        </p:nvSpPr>
-        <p:spPr/>
-        <p:txBody>
-          <a:bodyPr/>
-          <a:lstStyle/>
-          <a:p>
-            <a:r>
-              <a:rPr lang="zh-CN" altLang="en-US" dirty="0"/>
-              <a:t>例子：一个</a:t>
-            </a:r>
-            <a:r>
-              <a:rPr lang="en-US" altLang="zh-CN" dirty="0"/>
-              <a:t>double</a:t>
-            </a:r>
-            <a:r>
-              <a:rPr lang="zh-CN" altLang="en-US" dirty="0"/>
-              <a:t>链表</a:t>
-            </a:r>
-          </a:p>
-        </p:txBody>
-      </p:sp>
-      <p:sp>
-        <p:nvSpPr>
-          <p:cNvPr id="3" name="内容占位符 2"/>
-          <p:cNvSpPr>
-            <a:spLocks noGrp="1"/>
-          </p:cNvSpPr>
-          <p:nvPr>
-            <p:ph idx="1"/>
-          </p:nvPr>
-        </p:nvSpPr>
-        <p:spPr>
-          <a:xfrm>
-            <a:off x="519248" y="1905000"/>
             <a:ext cx="11151916" cy="3176254"/>
           </a:xfrm>
         </p:spPr>
@@ -14816,11 +14713,7 @@
             </a:r>
             <a:r>
               <a:rPr lang="en-US" altLang="zh-CN" dirty="0" smtClean="0"/>
-              <a:t>(Node *p</a:t>
-            </a:r>
-            <a:r>
-              <a:rPr lang="en-US" altLang="zh-CN" dirty="0" smtClean="0"/>
-              <a:t>){</a:t>
+              <a:t>(Node *p){</a:t>
             </a:r>
           </a:p>
           <a:p>
@@ -14832,7 +14725,6 @@
               <a:rPr lang="en-US" altLang="zh-CN" dirty="0" smtClean="0"/>
               <a:t>Node *q = p-&gt;next;</a:t>
             </a:r>
-            <a:endParaRPr lang="en-US" altLang="zh-CN" dirty="0" smtClean="0"/>
           </a:p>
           <a:p>
             <a:r>
@@ -14847,27 +14739,7 @@
                   </a:schemeClr>
                 </a:solidFill>
               </a:rPr>
-              <a:t>if</a:t>
-            </a:r>
-            <a:r>
-              <a:rPr lang="en-US" altLang="zh-CN" dirty="0" smtClean="0">
-                <a:solidFill>
-                  <a:schemeClr val="accent5">
-                    <a:lumMod val="75000"/>
-                  </a:schemeClr>
-                </a:solidFill>
-              </a:rPr>
-              <a:t>(!(q))</a:t>
-            </a:r>
-            <a:r>
-              <a:rPr lang="en-US" altLang="zh-CN" dirty="0" smtClean="0">
-                <a:solidFill>
-                  <a:schemeClr val="accent5">
-                    <a:lumMod val="75000"/>
-                  </a:schemeClr>
-                </a:solidFill>
-              </a:rPr>
-              <a:t>	// </a:t>
+              <a:t>if(!(q))	// </a:t>
             </a:r>
             <a:r>
               <a:rPr lang="zh-CN" altLang="en-US" dirty="0" smtClean="0">
@@ -14945,13 +14817,8 @@
             </a:r>
             <a:r>
               <a:rPr lang="en-US" altLang="zh-CN" dirty="0" smtClean="0"/>
-              <a:t>delete </a:t>
-            </a:r>
-            <a:r>
-              <a:rPr lang="en-US" altLang="zh-CN" dirty="0" smtClean="0"/>
-              <a:t>q;</a:t>
-            </a:r>
-            <a:endParaRPr lang="en-US" altLang="zh-CN" dirty="0" smtClean="0"/>
+              <a:t>delete q;</a:t>
+            </a:r>
           </a:p>
           <a:p>
             <a:r>
@@ -14985,7 +14852,7 @@
 </p:sld>
 </file>
 
-<file path=ppt/slides/slide39.xml><?xml version="1.0" encoding="utf-8"?>
+<file path=ppt/slides/slide38.xml><?xml version="1.0" encoding="utf-8"?>
 <p:sld xmlns:a="http://schemas.openxmlformats.org/drawingml/2006/main" xmlns:r="http://schemas.openxmlformats.org/officeDocument/2006/relationships" xmlns:p="http://schemas.openxmlformats.org/presentationml/2006/main">
   <p:cSld>
     <p:spTree>
@@ -15817,93 +15684,7 @@
 </p:sld>
 </file>
 
-<file path=ppt/slides/slide4.xml><?xml version="1.0" encoding="utf-8"?>
-<p:sld xmlns:a="http://schemas.openxmlformats.org/drawingml/2006/main" xmlns:r="http://schemas.openxmlformats.org/officeDocument/2006/relationships" xmlns:p="http://schemas.openxmlformats.org/presentationml/2006/main">
-  <p:cSld>
-    <p:spTree>
-      <p:nvGrpSpPr>
-        <p:cNvPr id="1" name=""/>
-        <p:cNvGrpSpPr/>
-        <p:nvPr/>
-      </p:nvGrpSpPr>
-      <p:grpSpPr>
-        <a:xfrm>
-          <a:off x="0" y="0"/>
-          <a:ext cx="0" cy="0"/>
-          <a:chOff x="0" y="0"/>
-          <a:chExt cx="0" cy="0"/>
-        </a:xfrm>
-      </p:grpSpPr>
-      <p:sp>
-        <p:nvSpPr>
-          <p:cNvPr id="4" name="标题 3"/>
-          <p:cNvSpPr>
-            <a:spLocks noGrp="1"/>
-          </p:cNvSpPr>
-          <p:nvPr>
-            <p:ph type="title"/>
-          </p:nvPr>
-        </p:nvSpPr>
-        <p:spPr/>
-        <p:txBody>
-          <a:bodyPr/>
-          <a:lstStyle/>
-          <a:p>
-            <a:r>
-              <a:rPr lang="zh-CN" altLang="en-US" dirty="0" smtClean="0"/>
-              <a:t>结构体</a:t>
-            </a:r>
-            <a:endParaRPr lang="zh-CN" altLang="en-US" dirty="0"/>
-          </a:p>
-        </p:txBody>
-      </p:sp>
-      <p:sp>
-        <p:nvSpPr>
-          <p:cNvPr id="5" name="文本占位符 4"/>
-          <p:cNvSpPr>
-            <a:spLocks noGrp="1"/>
-          </p:cNvSpPr>
-          <p:nvPr>
-            <p:ph type="body" idx="1"/>
-          </p:nvPr>
-        </p:nvSpPr>
-        <p:spPr/>
-        <p:txBody>
-          <a:bodyPr/>
-          <a:lstStyle/>
-          <a:p>
-            <a:r>
-              <a:rPr lang="en-US" altLang="zh-CN" dirty="0" err="1" smtClean="0"/>
-              <a:t>struct</a:t>
-            </a:r>
-            <a:endParaRPr lang="zh-CN" altLang="en-US" dirty="0"/>
-          </a:p>
-        </p:txBody>
-      </p:sp>
-    </p:spTree>
-    <p:extLst>
-      <p:ext uri="{BB962C8B-B14F-4D97-AF65-F5344CB8AC3E}">
-        <p14:creationId xmlns:p14="http://schemas.microsoft.com/office/powerpoint/2010/main" val="800858917"/>
-      </p:ext>
-    </p:extLst>
-  </p:cSld>
-  <p:clrMapOvr>
-    <a:masterClrMapping/>
-  </p:clrMapOvr>
-  <p:transition>
-    <p:fade/>
-  </p:transition>
-  <p:timing>
-    <p:tnLst>
-      <p:par>
-        <p:cTn id="1" dur="indefinite" restart="never" nodeType="tmRoot"/>
-      </p:par>
-    </p:tnLst>
-  </p:timing>
-</p:sld>
-</file>
-
-<file path=ppt/slides/slide40.xml><?xml version="1.0" encoding="utf-8"?>
+<file path=ppt/slides/slide39.xml><?xml version="1.0" encoding="utf-8"?>
 <p:sld xmlns:a="http://schemas.openxmlformats.org/drawingml/2006/main" xmlns:r="http://schemas.openxmlformats.org/officeDocument/2006/relationships" xmlns:p="http://schemas.openxmlformats.org/presentationml/2006/main">
   <p:cSld>
     <p:spTree>
@@ -16845,7 +16626,93 @@
 </p:sld>
 </file>
 
-<file path=ppt/slides/slide41.xml><?xml version="1.0" encoding="utf-8"?>
+<file path=ppt/slides/slide4.xml><?xml version="1.0" encoding="utf-8"?>
+<p:sld xmlns:a="http://schemas.openxmlformats.org/drawingml/2006/main" xmlns:r="http://schemas.openxmlformats.org/officeDocument/2006/relationships" xmlns:p="http://schemas.openxmlformats.org/presentationml/2006/main">
+  <p:cSld>
+    <p:spTree>
+      <p:nvGrpSpPr>
+        <p:cNvPr id="1" name=""/>
+        <p:cNvGrpSpPr/>
+        <p:nvPr/>
+      </p:nvGrpSpPr>
+      <p:grpSpPr>
+        <a:xfrm>
+          <a:off x="0" y="0"/>
+          <a:ext cx="0" cy="0"/>
+          <a:chOff x="0" y="0"/>
+          <a:chExt cx="0" cy="0"/>
+        </a:xfrm>
+      </p:grpSpPr>
+      <p:sp>
+        <p:nvSpPr>
+          <p:cNvPr id="4" name="标题 3"/>
+          <p:cNvSpPr>
+            <a:spLocks noGrp="1"/>
+          </p:cNvSpPr>
+          <p:nvPr>
+            <p:ph type="title"/>
+          </p:nvPr>
+        </p:nvSpPr>
+        <p:spPr/>
+        <p:txBody>
+          <a:bodyPr/>
+          <a:lstStyle/>
+          <a:p>
+            <a:r>
+              <a:rPr lang="zh-CN" altLang="en-US" dirty="0" smtClean="0"/>
+              <a:t>结构体</a:t>
+            </a:r>
+            <a:endParaRPr lang="zh-CN" altLang="en-US" dirty="0"/>
+          </a:p>
+        </p:txBody>
+      </p:sp>
+      <p:sp>
+        <p:nvSpPr>
+          <p:cNvPr id="5" name="文本占位符 4"/>
+          <p:cNvSpPr>
+            <a:spLocks noGrp="1"/>
+          </p:cNvSpPr>
+          <p:nvPr>
+            <p:ph type="body" idx="1"/>
+          </p:nvPr>
+        </p:nvSpPr>
+        <p:spPr/>
+        <p:txBody>
+          <a:bodyPr/>
+          <a:lstStyle/>
+          <a:p>
+            <a:r>
+              <a:rPr lang="en-US" altLang="zh-CN" dirty="0" err="1" smtClean="0"/>
+              <a:t>struct</a:t>
+            </a:r>
+            <a:endParaRPr lang="zh-CN" altLang="en-US" dirty="0"/>
+          </a:p>
+        </p:txBody>
+      </p:sp>
+    </p:spTree>
+    <p:extLst>
+      <p:ext uri="{BB962C8B-B14F-4D97-AF65-F5344CB8AC3E}">
+        <p14:creationId xmlns:p14="http://schemas.microsoft.com/office/powerpoint/2010/main" val="800858917"/>
+      </p:ext>
+    </p:extLst>
+  </p:cSld>
+  <p:clrMapOvr>
+    <a:masterClrMapping/>
+  </p:clrMapOvr>
+  <p:transition>
+    <p:fade/>
+  </p:transition>
+  <p:timing>
+    <p:tnLst>
+      <p:par>
+        <p:cTn id="1" dur="indefinite" restart="never" nodeType="tmRoot"/>
+      </p:par>
+    </p:tnLst>
+  </p:timing>
+</p:sld>
+</file>
+
+<file path=ppt/slides/slide40.xml><?xml version="1.0" encoding="utf-8"?>
 <p:sld xmlns:a="http://schemas.openxmlformats.org/drawingml/2006/main" xmlns:r="http://schemas.openxmlformats.org/officeDocument/2006/relationships" xmlns:p="http://schemas.openxmlformats.org/presentationml/2006/main">
   <p:cSld>
     <p:spTree>
@@ -17787,7 +17654,7 @@
 </p:sld>
 </file>
 
-<file path=ppt/slides/slide42.xml><?xml version="1.0" encoding="utf-8"?>
+<file path=ppt/slides/slide41.xml><?xml version="1.0" encoding="utf-8"?>
 <p:sld xmlns:a="http://schemas.openxmlformats.org/drawingml/2006/main" xmlns:r="http://schemas.openxmlformats.org/officeDocument/2006/relationships" xmlns:p="http://schemas.openxmlformats.org/presentationml/2006/main">
   <p:cSld>
     <p:spTree>
@@ -18683,7 +18550,7 @@
 </p:sld>
 </file>
 
-<file path=ppt/slides/slide43.xml><?xml version="1.0" encoding="utf-8"?>
+<file path=ppt/slides/slide42.xml><?xml version="1.0" encoding="utf-8"?>
 <p:sld xmlns:a="http://schemas.openxmlformats.org/drawingml/2006/main" xmlns:r="http://schemas.openxmlformats.org/officeDocument/2006/relationships" xmlns:p="http://schemas.openxmlformats.org/presentationml/2006/main">
   <p:cSld>
     <p:spTree>
@@ -19830,7 +19697,7 @@
 </p:sld>
 </file>
 
-<file path=ppt/slides/slide44.xml><?xml version="1.0" encoding="utf-8"?>
+<file path=ppt/slides/slide43.xml><?xml version="1.0" encoding="utf-8"?>
 <p:sld xmlns:a="http://schemas.openxmlformats.org/drawingml/2006/main" xmlns:r="http://schemas.openxmlformats.org/officeDocument/2006/relationships" xmlns:p="http://schemas.openxmlformats.org/presentationml/2006/main">
   <p:cSld>
     <p:spTree>
@@ -20698,7 +20565,7 @@
 </p:sld>
 </file>
 
-<file path=ppt/slides/slide45.xml><?xml version="1.0" encoding="utf-8"?>
+<file path=ppt/slides/slide44.xml><?xml version="1.0" encoding="utf-8"?>
 <p:sld xmlns:a="http://schemas.openxmlformats.org/drawingml/2006/main" xmlns:r="http://schemas.openxmlformats.org/officeDocument/2006/relationships" xmlns:p="http://schemas.openxmlformats.org/presentationml/2006/main">
   <p:cSld>
     <p:spTree>
@@ -20846,7 +20713,7 @@
 </p:sld>
 </file>
 
-<file path=ppt/slides/slide46.xml><?xml version="1.0" encoding="utf-8"?>
+<file path=ppt/slides/slide45.xml><?xml version="1.0" encoding="utf-8"?>
 <p:sld xmlns:a="http://schemas.openxmlformats.org/drawingml/2006/main" xmlns:r="http://schemas.openxmlformats.org/officeDocument/2006/relationships" xmlns:p="http://schemas.openxmlformats.org/presentationml/2006/main">
   <p:cSld>
     <p:spTree>
@@ -21063,6 +20930,160 @@
 </p:sld>
 </file>
 
+<file path=ppt/slides/slide46.xml><?xml version="1.0" encoding="utf-8"?>
+<p:sld xmlns:a="http://schemas.openxmlformats.org/drawingml/2006/main" xmlns:r="http://schemas.openxmlformats.org/officeDocument/2006/relationships" xmlns:p="http://schemas.openxmlformats.org/presentationml/2006/main">
+  <p:cSld>
+    <p:spTree>
+      <p:nvGrpSpPr>
+        <p:cNvPr id="1" name=""/>
+        <p:cNvGrpSpPr/>
+        <p:nvPr/>
+      </p:nvGrpSpPr>
+      <p:grpSpPr>
+        <a:xfrm>
+          <a:off x="0" y="0"/>
+          <a:ext cx="0" cy="0"/>
+          <a:chOff x="0" y="0"/>
+          <a:chExt cx="0" cy="0"/>
+        </a:xfrm>
+      </p:grpSpPr>
+      <p:sp>
+        <p:nvSpPr>
+          <p:cNvPr id="2" name="标题 1"/>
+          <p:cNvSpPr>
+            <a:spLocks noGrp="1"/>
+          </p:cNvSpPr>
+          <p:nvPr>
+            <p:ph type="title"/>
+          </p:nvPr>
+        </p:nvSpPr>
+        <p:spPr/>
+        <p:txBody>
+          <a:bodyPr/>
+          <a:lstStyle/>
+          <a:p>
+            <a:r>
+              <a:rPr lang="zh-CN" altLang="en-US" dirty="0"/>
+              <a:t>例子：一个</a:t>
+            </a:r>
+            <a:r>
+              <a:rPr lang="en-US" altLang="zh-CN" dirty="0"/>
+              <a:t>double</a:t>
+            </a:r>
+            <a:r>
+              <a:rPr lang="zh-CN" altLang="en-US" dirty="0"/>
+              <a:t>链表</a:t>
+            </a:r>
+          </a:p>
+        </p:txBody>
+      </p:sp>
+      <p:sp>
+        <p:nvSpPr>
+          <p:cNvPr id="3" name="内容占位符 2"/>
+          <p:cNvSpPr>
+            <a:spLocks noGrp="1"/>
+          </p:cNvSpPr>
+          <p:nvPr>
+            <p:ph idx="1"/>
+          </p:nvPr>
+        </p:nvSpPr>
+        <p:spPr>
+          <a:xfrm>
+            <a:off x="519248" y="1905000"/>
+            <a:ext cx="11151916" cy="2769989"/>
+          </a:xfrm>
+        </p:spPr>
+        <p:txBody>
+          <a:bodyPr/>
+          <a:lstStyle/>
+          <a:p>
+            <a:r>
+              <a:rPr lang="en-US" altLang="zh-CN" dirty="0" smtClean="0"/>
+              <a:t>void </a:t>
+            </a:r>
+            <a:r>
+              <a:rPr lang="en-US" altLang="zh-CN" dirty="0" err="1" smtClean="0"/>
+              <a:t>removeHead</a:t>
+            </a:r>
+            <a:r>
+              <a:rPr lang="en-US" altLang="zh-CN" dirty="0" smtClean="0"/>
+              <a:t>(){</a:t>
+            </a:r>
+          </a:p>
+          <a:p>
+            <a:r>
+              <a:rPr lang="en-US" altLang="zh-CN" dirty="0" smtClean="0"/>
+              <a:t>	if(head != NULL){</a:t>
+            </a:r>
+          </a:p>
+          <a:p>
+            <a:r>
+              <a:rPr lang="en-US" altLang="zh-CN" dirty="0"/>
+              <a:t>	</a:t>
+            </a:r>
+            <a:r>
+              <a:rPr lang="en-US" altLang="zh-CN" dirty="0" smtClean="0"/>
+              <a:t>	Node *p = head;</a:t>
+            </a:r>
+          </a:p>
+          <a:p>
+            <a:r>
+              <a:rPr lang="en-US" altLang="zh-CN" dirty="0" smtClean="0"/>
+              <a:t>		head = head-&gt;next;</a:t>
+            </a:r>
+          </a:p>
+          <a:p>
+            <a:r>
+              <a:rPr lang="en-US" altLang="zh-CN" dirty="0"/>
+              <a:t>	</a:t>
+            </a:r>
+            <a:r>
+              <a:rPr lang="en-US" altLang="zh-CN" dirty="0" smtClean="0"/>
+              <a:t>	delete p;</a:t>
+            </a:r>
+          </a:p>
+          <a:p>
+            <a:r>
+              <a:rPr lang="en-US" altLang="zh-CN" dirty="0"/>
+              <a:t>	</a:t>
+            </a:r>
+            <a:r>
+              <a:rPr lang="en-US" altLang="zh-CN" dirty="0" smtClean="0"/>
+              <a:t>}</a:t>
+            </a:r>
+          </a:p>
+          <a:p>
+            <a:r>
+              <a:rPr lang="en-US" altLang="zh-CN" dirty="0" smtClean="0"/>
+              <a:t>}</a:t>
+            </a:r>
+            <a:endParaRPr lang="zh-CN" altLang="en-US" dirty="0"/>
+          </a:p>
+        </p:txBody>
+      </p:sp>
+    </p:spTree>
+    <p:extLst>
+      <p:ext uri="{BB962C8B-B14F-4D97-AF65-F5344CB8AC3E}">
+        <p14:creationId xmlns:p14="http://schemas.microsoft.com/office/powerpoint/2010/main" val="4217531955"/>
+      </p:ext>
+    </p:extLst>
+  </p:cSld>
+  <p:clrMapOvr>
+    <a:masterClrMapping/>
+  </p:clrMapOvr>
+  <p:transition>
+    <p:fade/>
+  </p:transition>
+  <p:timing>
+    <p:tnLst>
+      <p:par>
+        <p:cTn id="1" dur="indefinite" restart="never" nodeType="tmRoot"/>
+      </p:par>
+    </p:tnLst>
+  </p:timing>
+</p:sld>
+</file>
+
 <file path=ppt/slides/slide47.xml><?xml version="1.0" encoding="utf-8"?>
 <p:sld xmlns:a="http://schemas.openxmlformats.org/drawingml/2006/main" xmlns:r="http://schemas.openxmlformats.org/officeDocument/2006/relationships" xmlns:p="http://schemas.openxmlformats.org/presentationml/2006/main">
   <p:cSld>
@@ -21123,7 +21144,7 @@
         <p:spPr>
           <a:xfrm>
             <a:off x="519248" y="1905000"/>
-            <a:ext cx="11151916" cy="2769989"/>
+            <a:ext cx="11151916" cy="3988784"/>
           </a:xfrm>
         </p:spPr>
         <p:txBody>
@@ -21131,22 +21152,23 @@
           <a:lstStyle/>
           <a:p>
             <a:r>
+              <a:rPr lang="zh-CN" altLang="en-US" dirty="0" smtClean="0"/>
+              <a:t>查找第一个等于</a:t>
+            </a:r>
+            <a:r>
               <a:rPr lang="en-US" altLang="zh-CN" dirty="0" smtClean="0"/>
-              <a:t>void </a:t>
-            </a:r>
-            <a:r>
-              <a:rPr lang="en-US" altLang="zh-CN" dirty="0" err="1" smtClean="0"/>
-              <a:t>removeHead</a:t>
-            </a:r>
+              <a:t>x</a:t>
+            </a:r>
+            <a:r>
+              <a:rPr lang="zh-CN" altLang="en-US" dirty="0" smtClean="0"/>
+              <a:t>的节点</a:t>
+            </a:r>
+            <a:endParaRPr lang="en-US" altLang="zh-CN" dirty="0" smtClean="0"/>
+          </a:p>
+          <a:p>
             <a:r>
               <a:rPr lang="en-US" altLang="zh-CN" dirty="0" smtClean="0"/>
-              <a:t>(){</a:t>
-            </a:r>
-          </a:p>
-          <a:p>
-            <a:r>
-              <a:rPr lang="en-US" altLang="zh-CN" dirty="0" smtClean="0"/>
-              <a:t>	if(head != NULL){</a:t>
+              <a:t>Node * find(double x){</a:t>
             </a:r>
           </a:p>
           <a:p>
@@ -21156,13 +21178,7 @@
             </a:r>
             <a:r>
               <a:rPr lang="en-US" altLang="zh-CN" dirty="0" smtClean="0"/>
-              <a:t>	Node *p = head;</a:t>
-            </a:r>
-          </a:p>
-          <a:p>
-            <a:r>
-              <a:rPr lang="en-US" altLang="zh-CN" dirty="0" smtClean="0"/>
-              <a:t>		head = head-&gt;next;</a:t>
+              <a:t>Node *p = head;</a:t>
             </a:r>
           </a:p>
           <a:p>
@@ -21172,7 +21188,7 @@
             </a:r>
             <a:r>
               <a:rPr lang="en-US" altLang="zh-CN" dirty="0" smtClean="0"/>
-              <a:t>	delete p;</a:t>
+              <a:t>while(p != NULL){</a:t>
             </a:r>
           </a:p>
           <a:p>
@@ -21182,7 +21198,47 @@
             </a:r>
             <a:r>
               <a:rPr lang="en-US" altLang="zh-CN" dirty="0" smtClean="0"/>
+              <a:t>	if(p-&gt;data == x)</a:t>
+            </a:r>
+          </a:p>
+          <a:p>
+            <a:r>
+              <a:rPr lang="en-US" altLang="zh-CN" dirty="0"/>
+              <a:t>	</a:t>
+            </a:r>
+            <a:r>
+              <a:rPr lang="en-US" altLang="zh-CN" dirty="0" smtClean="0"/>
+              <a:t>		return p;</a:t>
+            </a:r>
+          </a:p>
+          <a:p>
+            <a:r>
+              <a:rPr lang="en-US" altLang="zh-CN" dirty="0"/>
+              <a:t>	</a:t>
+            </a:r>
+            <a:r>
+              <a:rPr lang="en-US" altLang="zh-CN" dirty="0" smtClean="0"/>
+              <a:t>	p = p-&gt;next;</a:t>
+            </a:r>
+          </a:p>
+          <a:p>
+            <a:r>
+              <a:rPr lang="en-US" altLang="zh-CN" dirty="0"/>
+              <a:t>	</a:t>
+            </a:r>
+            <a:r>
+              <a:rPr lang="en-US" altLang="zh-CN" dirty="0" smtClean="0"/>
               <a:t>}</a:t>
+            </a:r>
+          </a:p>
+          <a:p>
+            <a:r>
+              <a:rPr lang="en-US" altLang="zh-CN" dirty="0"/>
+              <a:t>	</a:t>
+            </a:r>
+            <a:r>
+              <a:rPr lang="en-US" altLang="zh-CN" dirty="0" smtClean="0"/>
+              <a:t>return NULL;</a:t>
             </a:r>
           </a:p>
           <a:p>
@@ -21197,7 +21253,7 @@
     </p:spTree>
     <p:extLst>
       <p:ext uri="{BB962C8B-B14F-4D97-AF65-F5344CB8AC3E}">
-        <p14:creationId xmlns:p14="http://schemas.microsoft.com/office/powerpoint/2010/main" val="4217531955"/>
+        <p14:creationId xmlns:p14="http://schemas.microsoft.com/office/powerpoint/2010/main" val="1468605023"/>
       </p:ext>
     </p:extLst>
   </p:cSld>
@@ -21250,17 +21306,18 @@
           <a:lstStyle/>
           <a:p>
             <a:r>
-              <a:rPr lang="zh-CN" altLang="en-US" dirty="0"/>
-              <a:t>例子：一个</a:t>
-            </a:r>
-            <a:r>
-              <a:rPr lang="en-US" altLang="zh-CN" dirty="0"/>
-              <a:t>double</a:t>
-            </a:r>
-            <a:r>
-              <a:rPr lang="zh-CN" altLang="en-US" dirty="0"/>
-              <a:t>链表</a:t>
-            </a:r>
+              <a:rPr lang="zh-CN" altLang="en-US" dirty="0" smtClean="0"/>
+              <a:t>代码片段：删除等于</a:t>
+            </a:r>
+            <a:r>
+              <a:rPr lang="en-US" altLang="zh-CN" dirty="0" smtClean="0"/>
+              <a:t>x</a:t>
+            </a:r>
+            <a:r>
+              <a:rPr lang="zh-CN" altLang="en-US" dirty="0" smtClean="0"/>
+              <a:t>的节点</a:t>
+            </a:r>
+            <a:endParaRPr lang="zh-CN" altLang="en-US" dirty="0"/>
           </a:p>
         </p:txBody>
       </p:sp>
@@ -21276,8 +21333,8 @@
         </p:nvSpPr>
         <p:spPr>
           <a:xfrm>
-            <a:off x="519248" y="1905000"/>
-            <a:ext cx="11151916" cy="3988784"/>
+            <a:off x="519248" y="1707037"/>
+            <a:ext cx="11151916" cy="4678204"/>
           </a:xfrm>
         </p:spPr>
         <p:txBody>
@@ -21285,114 +21342,184 @@
           <a:lstStyle/>
           <a:p>
             <a:r>
-              <a:rPr lang="zh-CN" altLang="en-US" dirty="0" smtClean="0"/>
-              <a:t>查找第一个等于</a:t>
-            </a:r>
-            <a:r>
-              <a:rPr lang="en-US" altLang="zh-CN" dirty="0" smtClean="0"/>
-              <a:t>x</a:t>
-            </a:r>
-            <a:r>
-              <a:rPr lang="zh-CN" altLang="en-US" dirty="0" smtClean="0"/>
-              <a:t>的节点</a:t>
-            </a:r>
-            <a:endParaRPr lang="en-US" altLang="zh-CN" dirty="0" smtClean="0"/>
-          </a:p>
-          <a:p>
-            <a:r>
-              <a:rPr lang="en-US" altLang="zh-CN" dirty="0" smtClean="0"/>
-              <a:t>Node </a:t>
-            </a:r>
-            <a:r>
-              <a:rPr lang="en-US" altLang="zh-CN" dirty="0" smtClean="0"/>
-              <a:t>* find(double x){</a:t>
-            </a:r>
-          </a:p>
-          <a:p>
-            <a:r>
-              <a:rPr lang="en-US" altLang="zh-CN" dirty="0"/>
+              <a:rPr lang="en-US" altLang="zh-CN" sz="2000" dirty="0" smtClean="0"/>
+              <a:t>	Node *</a:t>
+            </a:r>
+            <a:r>
+              <a:rPr lang="en-US" altLang="zh-CN" sz="2000" dirty="0" err="1" smtClean="0"/>
+              <a:t>pprev</a:t>
+            </a:r>
+            <a:r>
+              <a:rPr lang="en-US" altLang="zh-CN" sz="2000" dirty="0" smtClean="0"/>
+              <a:t> = NULL; bool flag = false;</a:t>
+            </a:r>
+          </a:p>
+          <a:p>
+            <a:r>
+              <a:rPr lang="en-US" altLang="zh-CN" sz="2000" dirty="0"/>
               <a:t>	</a:t>
             </a:r>
             <a:r>
-              <a:rPr lang="en-US" altLang="zh-CN" dirty="0" smtClean="0"/>
-              <a:t>Node *p = head;</a:t>
-            </a:r>
-          </a:p>
-          <a:p>
-            <a:r>
-              <a:rPr lang="en-US" altLang="zh-CN" dirty="0"/>
+              <a:rPr lang="en-US" altLang="zh-CN" sz="2000" dirty="0" smtClean="0"/>
+              <a:t>for(Node *p = head; p != NULL; p = p-&gt;next){</a:t>
+            </a:r>
+          </a:p>
+          <a:p>
+            <a:r>
+              <a:rPr lang="en-US" altLang="zh-CN" sz="2000" dirty="0"/>
               <a:t>	</a:t>
             </a:r>
             <a:r>
-              <a:rPr lang="en-US" altLang="zh-CN" dirty="0" smtClean="0"/>
-              <a:t>while(p != NULL){</a:t>
-            </a:r>
-          </a:p>
-          <a:p>
-            <a:r>
-              <a:rPr lang="en-US" altLang="zh-CN" dirty="0"/>
+              <a:rPr lang="en-US" altLang="zh-CN" sz="2000" dirty="0" smtClean="0"/>
+              <a:t>	if(p-&gt;data == x){</a:t>
+            </a:r>
+          </a:p>
+          <a:p>
+            <a:r>
+              <a:rPr lang="en-US" altLang="zh-CN" sz="2000" dirty="0"/>
               <a:t>	</a:t>
             </a:r>
             <a:r>
-              <a:rPr lang="en-US" altLang="zh-CN" dirty="0" smtClean="0"/>
-              <a:t>	if(p-&gt;data == x)</a:t>
-            </a:r>
-          </a:p>
-          <a:p>
-            <a:r>
-              <a:rPr lang="en-US" altLang="zh-CN" dirty="0"/>
+              <a:rPr lang="en-US" altLang="zh-CN" sz="2000" dirty="0" smtClean="0"/>
+              <a:t>		break;</a:t>
+            </a:r>
+          </a:p>
+          <a:p>
+            <a:r>
+              <a:rPr lang="en-US" altLang="zh-CN" sz="2000" dirty="0"/>
               <a:t>	</a:t>
             </a:r>
             <a:r>
-              <a:rPr lang="en-US" altLang="zh-CN" dirty="0" smtClean="0"/>
-              <a:t>		return p;</a:t>
-            </a:r>
-          </a:p>
-          <a:p>
-            <a:r>
-              <a:rPr lang="en-US" altLang="zh-CN" dirty="0"/>
+              <a:rPr lang="en-US" altLang="zh-CN" sz="2000" dirty="0" smtClean="0"/>
+              <a:t>		flag = true;</a:t>
+            </a:r>
+          </a:p>
+          <a:p>
+            <a:r>
+              <a:rPr lang="en-US" altLang="zh-CN" sz="2000" dirty="0"/>
               <a:t>	</a:t>
             </a:r>
             <a:r>
-              <a:rPr lang="en-US" altLang="zh-CN" dirty="0" smtClean="0"/>
-              <a:t>	p = p-&gt;next;</a:t>
-            </a:r>
-            <a:endParaRPr lang="en-US" altLang="zh-CN" dirty="0" smtClean="0"/>
-          </a:p>
-          <a:p>
-            <a:r>
-              <a:rPr lang="en-US" altLang="zh-CN" dirty="0"/>
+              <a:rPr lang="en-US" altLang="zh-CN" sz="2000" dirty="0" smtClean="0"/>
+              <a:t>	}</a:t>
+            </a:r>
+          </a:p>
+          <a:p>
+            <a:r>
+              <a:rPr lang="en-US" altLang="zh-CN" sz="2000" dirty="0"/>
               <a:t>	</a:t>
             </a:r>
             <a:r>
-              <a:rPr lang="en-US" altLang="zh-CN" dirty="0" smtClean="0"/>
-              <a:t>}</a:t>
-            </a:r>
-          </a:p>
-          <a:p>
-            <a:r>
-              <a:rPr lang="en-US" altLang="zh-CN" dirty="0"/>
+              <a:rPr lang="en-US" altLang="zh-CN" sz="2000" dirty="0" smtClean="0"/>
               <a:t>	</a:t>
             </a:r>
             <a:r>
-              <a:rPr lang="en-US" altLang="zh-CN" dirty="0" smtClean="0"/>
-              <a:t>return NULL;</a:t>
-            </a:r>
-            <a:endParaRPr lang="en-US" altLang="zh-CN" dirty="0" smtClean="0"/>
-          </a:p>
-          <a:p>
-            <a:r>
-              <a:rPr lang="en-US" altLang="zh-CN" dirty="0" smtClean="0"/>
-              <a:t>}</a:t>
-            </a:r>
-            <a:endParaRPr lang="zh-CN" altLang="en-US" dirty="0"/>
+              <a:rPr lang="en-US" altLang="zh-CN" sz="2000" dirty="0" err="1" smtClean="0"/>
+              <a:t>pprev</a:t>
+            </a:r>
+            <a:r>
+              <a:rPr lang="en-US" altLang="zh-CN" sz="2000" dirty="0" smtClean="0"/>
+              <a:t> = p;</a:t>
+            </a:r>
+          </a:p>
+          <a:p>
+            <a:r>
+              <a:rPr lang="en-US" altLang="zh-CN" sz="2000" dirty="0" smtClean="0"/>
+              <a:t>	}</a:t>
+            </a:r>
+          </a:p>
+          <a:p>
+            <a:r>
+              <a:rPr lang="en-US" altLang="zh-CN" sz="2000" dirty="0"/>
+              <a:t>	</a:t>
+            </a:r>
+            <a:r>
+              <a:rPr lang="en-US" altLang="zh-CN" sz="2000" dirty="0" smtClean="0"/>
+              <a:t>if(flag){</a:t>
+            </a:r>
+          </a:p>
+          <a:p>
+            <a:r>
+              <a:rPr lang="en-US" altLang="zh-CN" sz="2000" dirty="0" smtClean="0"/>
+              <a:t>		if(</a:t>
+            </a:r>
+            <a:r>
+              <a:rPr lang="en-US" altLang="zh-CN" sz="2000" dirty="0" err="1" smtClean="0"/>
+              <a:t>pprev</a:t>
+            </a:r>
+            <a:r>
+              <a:rPr lang="en-US" altLang="zh-CN" sz="2000" dirty="0" smtClean="0"/>
+              <a:t> != NULL)</a:t>
+            </a:r>
+          </a:p>
+          <a:p>
+            <a:r>
+              <a:rPr lang="en-US" altLang="zh-CN" sz="2000" dirty="0"/>
+              <a:t>	</a:t>
+            </a:r>
+            <a:r>
+              <a:rPr lang="en-US" altLang="zh-CN" sz="2000" dirty="0" smtClean="0"/>
+              <a:t>		</a:t>
+            </a:r>
+            <a:r>
+              <a:rPr lang="en-US" altLang="zh-CN" sz="2000" dirty="0" err="1" smtClean="0"/>
+              <a:t>removeAfter</a:t>
+            </a:r>
+            <a:r>
+              <a:rPr lang="en-US" altLang="zh-CN" sz="2000" dirty="0" smtClean="0"/>
+              <a:t>(</a:t>
+            </a:r>
+            <a:r>
+              <a:rPr lang="en-US" altLang="zh-CN" sz="2000" dirty="0" err="1" smtClean="0"/>
+              <a:t>pprev</a:t>
+            </a:r>
+            <a:r>
+              <a:rPr lang="en-US" altLang="zh-CN" sz="2000" dirty="0" smtClean="0"/>
+              <a:t>);</a:t>
+            </a:r>
+          </a:p>
+          <a:p>
+            <a:r>
+              <a:rPr lang="en-US" altLang="zh-CN" sz="2000" dirty="0"/>
+              <a:t>	</a:t>
+            </a:r>
+            <a:r>
+              <a:rPr lang="en-US" altLang="zh-CN" sz="2000" dirty="0" smtClean="0"/>
+              <a:t>	else</a:t>
+            </a:r>
+          </a:p>
+          <a:p>
+            <a:r>
+              <a:rPr lang="en-US" altLang="zh-CN" sz="2000" dirty="0"/>
+              <a:t>	</a:t>
+            </a:r>
+            <a:r>
+              <a:rPr lang="en-US" altLang="zh-CN" sz="2000" dirty="0" smtClean="0"/>
+              <a:t>		</a:t>
+            </a:r>
+            <a:r>
+              <a:rPr lang="en-US" altLang="zh-CN" sz="2000" dirty="0" err="1" smtClean="0"/>
+              <a:t>removeHead</a:t>
+            </a:r>
+            <a:r>
+              <a:rPr lang="en-US" altLang="zh-CN" sz="2000" dirty="0" smtClean="0"/>
+              <a:t>();	</a:t>
+            </a:r>
+            <a:endParaRPr lang="en-US" altLang="zh-CN" sz="2000" dirty="0"/>
+          </a:p>
+          <a:p>
+            <a:r>
+              <a:rPr lang="en-US" altLang="zh-CN" sz="2000" dirty="0" smtClean="0"/>
+              <a:t>	}</a:t>
+            </a:r>
+            <a:endParaRPr lang="zh-CN" altLang="en-US" sz="2000" dirty="0"/>
           </a:p>
         </p:txBody>
       </p:sp>
     </p:spTree>
     <p:extLst>
       <p:ext uri="{BB962C8B-B14F-4D97-AF65-F5344CB8AC3E}">
-        <p14:creationId xmlns:p14="http://schemas.microsoft.com/office/powerpoint/2010/main" val="1468605023"/>
+        <p14:creationId xmlns:p14="http://schemas.microsoft.com/office/powerpoint/2010/main" val="2952266901"/>
       </p:ext>
     </p:extLst>
   </p:cSld>
@@ -21402,13 +21529,6 @@
   <p:transition>
     <p:fade/>
   </p:transition>
-  <p:timing>
-    <p:tnLst>
-      <p:par>
-        <p:cTn id="1" dur="indefinite" restart="never" nodeType="tmRoot"/>
-      </p:par>
-    </p:tnLst>
-  </p:timing>
 </p:sld>
 </file>
 
@@ -21431,7 +21551,7 @@
       </p:grpSpPr>
       <p:sp>
         <p:nvSpPr>
-          <p:cNvPr id="2" name="标题 1"/>
+          <p:cNvPr id="4" name="标题 3"/>
           <p:cNvSpPr>
             <a:spLocks noGrp="1"/>
           </p:cNvSpPr>
@@ -21446,15 +21566,7 @@
           <a:p>
             <a:r>
               <a:rPr lang="zh-CN" altLang="en-US" dirty="0" smtClean="0"/>
-              <a:t>代码片段：删除等于</a:t>
-            </a:r>
-            <a:r>
-              <a:rPr lang="en-US" altLang="zh-CN" dirty="0" smtClean="0"/>
-              <a:t>x</a:t>
-            </a:r>
-            <a:r>
-              <a:rPr lang="zh-CN" altLang="en-US" dirty="0" smtClean="0"/>
-              <a:t>的节点</a:t>
+              <a:t>双向链表</a:t>
             </a:r>
             <a:endParaRPr lang="zh-CN" altLang="en-US" dirty="0"/>
           </a:p>
@@ -21462,7 +21574,7 @@
       </p:sp>
       <p:sp>
         <p:nvSpPr>
-          <p:cNvPr id="3" name="内容占位符 2"/>
+          <p:cNvPr id="5" name="内容占位符 4"/>
           <p:cNvSpPr>
             <a:spLocks noGrp="1"/>
           </p:cNvSpPr>
@@ -21472,8 +21584,8 @@
         </p:nvSpPr>
         <p:spPr>
           <a:xfrm>
-            <a:off x="519248" y="1707037"/>
-            <a:ext cx="11151916" cy="4678204"/>
+            <a:off x="519248" y="1714500"/>
+            <a:ext cx="11151916" cy="2640723"/>
           </a:xfrm>
         </p:spPr>
         <p:txBody>
@@ -21481,184 +21593,49 @@
           <a:lstStyle/>
           <a:p>
             <a:r>
-              <a:rPr lang="en-US" altLang="zh-CN" sz="2000" dirty="0" smtClean="0"/>
-              <a:t>	Node *</a:t>
-            </a:r>
-            <a:r>
-              <a:rPr lang="en-US" altLang="zh-CN" sz="2000" dirty="0" err="1" smtClean="0"/>
-              <a:t>pprev</a:t>
-            </a:r>
-            <a:r>
-              <a:rPr lang="en-US" altLang="zh-CN" sz="2000" dirty="0" smtClean="0"/>
-              <a:t> = NULL; bool flag = false;</a:t>
-            </a:r>
-          </a:p>
-          <a:p>
-            <a:r>
-              <a:rPr lang="en-US" altLang="zh-CN" sz="2000" dirty="0"/>
-              <a:t>	</a:t>
-            </a:r>
-            <a:r>
-              <a:rPr lang="en-US" altLang="zh-CN" sz="2000" dirty="0" smtClean="0"/>
-              <a:t>for(Node *p = head; p != NULL; p = p-&gt;next){</a:t>
-            </a:r>
-          </a:p>
-          <a:p>
-            <a:r>
-              <a:rPr lang="en-US" altLang="zh-CN" sz="2000" dirty="0"/>
-              <a:t>	</a:t>
-            </a:r>
-            <a:r>
-              <a:rPr lang="en-US" altLang="zh-CN" sz="2000" dirty="0" smtClean="0"/>
-              <a:t>	if(p-&gt;data == x){</a:t>
-            </a:r>
-          </a:p>
-          <a:p>
-            <a:r>
-              <a:rPr lang="en-US" altLang="zh-CN" sz="2000" dirty="0"/>
-              <a:t>	</a:t>
-            </a:r>
-            <a:r>
-              <a:rPr lang="en-US" altLang="zh-CN" sz="2000" dirty="0" smtClean="0"/>
-              <a:t>		break;</a:t>
-            </a:r>
-          </a:p>
-          <a:p>
-            <a:r>
-              <a:rPr lang="en-US" altLang="zh-CN" sz="2000" dirty="0"/>
-              <a:t>	</a:t>
-            </a:r>
-            <a:r>
-              <a:rPr lang="en-US" altLang="zh-CN" sz="2000" dirty="0" smtClean="0"/>
-              <a:t>		flag = true;</a:t>
-            </a:r>
-          </a:p>
-          <a:p>
-            <a:r>
-              <a:rPr lang="en-US" altLang="zh-CN" sz="2000" dirty="0"/>
-              <a:t>	</a:t>
-            </a:r>
-            <a:r>
-              <a:rPr lang="en-US" altLang="zh-CN" sz="2000" dirty="0" smtClean="0"/>
-              <a:t>	}</a:t>
-            </a:r>
-          </a:p>
-          <a:p>
-            <a:r>
-              <a:rPr lang="en-US" altLang="zh-CN" sz="2000" dirty="0"/>
-              <a:t>	</a:t>
-            </a:r>
-            <a:r>
-              <a:rPr lang="en-US" altLang="zh-CN" sz="2000" dirty="0" smtClean="0"/>
-              <a:t>	</a:t>
-            </a:r>
-            <a:r>
-              <a:rPr lang="en-US" altLang="zh-CN" sz="2000" dirty="0" err="1" smtClean="0"/>
-              <a:t>pprev</a:t>
-            </a:r>
-            <a:r>
-              <a:rPr lang="en-US" altLang="zh-CN" sz="2000" dirty="0" smtClean="0"/>
-              <a:t> = p;</a:t>
-            </a:r>
-          </a:p>
-          <a:p>
-            <a:r>
-              <a:rPr lang="en-US" altLang="zh-CN" sz="2000" dirty="0" smtClean="0"/>
-              <a:t>	}</a:t>
-            </a:r>
-          </a:p>
-          <a:p>
-            <a:r>
-              <a:rPr lang="en-US" altLang="zh-CN" sz="2000" dirty="0"/>
-              <a:t>	</a:t>
-            </a:r>
-            <a:r>
-              <a:rPr lang="en-US" altLang="zh-CN" sz="2000" dirty="0" smtClean="0"/>
-              <a:t>if(flag){</a:t>
-            </a:r>
-          </a:p>
-          <a:p>
-            <a:r>
-              <a:rPr lang="en-US" altLang="zh-CN" sz="2000" dirty="0" smtClean="0"/>
-              <a:t>		if(</a:t>
-            </a:r>
-            <a:r>
-              <a:rPr lang="en-US" altLang="zh-CN" sz="2000" dirty="0" err="1" smtClean="0"/>
-              <a:t>pprev</a:t>
-            </a:r>
-            <a:r>
-              <a:rPr lang="en-US" altLang="zh-CN" sz="2000" dirty="0" smtClean="0"/>
-              <a:t> != NULL)</a:t>
-            </a:r>
-          </a:p>
-          <a:p>
-            <a:r>
-              <a:rPr lang="en-US" altLang="zh-CN" sz="2000" dirty="0"/>
-              <a:t>	</a:t>
-            </a:r>
-            <a:r>
-              <a:rPr lang="en-US" altLang="zh-CN" sz="2000" dirty="0" smtClean="0"/>
-              <a:t>		</a:t>
-            </a:r>
-            <a:r>
-              <a:rPr lang="en-US" altLang="zh-CN" sz="2000" dirty="0" err="1" smtClean="0"/>
-              <a:t>removeAfter</a:t>
-            </a:r>
-            <a:r>
-              <a:rPr lang="en-US" altLang="zh-CN" sz="2000" dirty="0" smtClean="0"/>
-              <a:t>(</a:t>
-            </a:r>
-            <a:r>
-              <a:rPr lang="en-US" altLang="zh-CN" sz="2000" dirty="0" err="1" smtClean="0"/>
-              <a:t>pprev</a:t>
-            </a:r>
-            <a:r>
-              <a:rPr lang="en-US" altLang="zh-CN" sz="2000" dirty="0" smtClean="0"/>
-              <a:t>);</a:t>
-            </a:r>
-          </a:p>
-          <a:p>
-            <a:r>
-              <a:rPr lang="en-US" altLang="zh-CN" sz="2000" dirty="0"/>
-              <a:t>	</a:t>
-            </a:r>
-            <a:r>
-              <a:rPr lang="en-US" altLang="zh-CN" sz="2000" dirty="0" smtClean="0"/>
-              <a:t>	else</a:t>
-            </a:r>
-          </a:p>
-          <a:p>
-            <a:r>
-              <a:rPr lang="en-US" altLang="zh-CN" sz="2000" dirty="0"/>
-              <a:t>	</a:t>
-            </a:r>
-            <a:r>
-              <a:rPr lang="en-US" altLang="zh-CN" sz="2000" dirty="0" smtClean="0"/>
-              <a:t>		</a:t>
-            </a:r>
-            <a:r>
-              <a:rPr lang="en-US" altLang="zh-CN" sz="2000" dirty="0" err="1" smtClean="0"/>
-              <a:t>removeHead</a:t>
-            </a:r>
-            <a:r>
-              <a:rPr lang="en-US" altLang="zh-CN" sz="2000" dirty="0" smtClean="0"/>
-              <a:t>();	</a:t>
-            </a:r>
-            <a:endParaRPr lang="en-US" altLang="zh-CN" sz="2000" dirty="0"/>
-          </a:p>
-          <a:p>
-            <a:r>
-              <a:rPr lang="en-US" altLang="zh-CN" sz="2000" dirty="0" smtClean="0"/>
-              <a:t>	}</a:t>
-            </a:r>
-            <a:endParaRPr lang="zh-CN" altLang="en-US" sz="2000" dirty="0"/>
+              <a:rPr lang="zh-CN" altLang="en-US" dirty="0" smtClean="0"/>
+              <a:t>只用</a:t>
+            </a:r>
+            <a:r>
+              <a:rPr lang="en-US" altLang="zh-CN" dirty="0" smtClean="0"/>
+              <a:t>next</a:t>
+            </a:r>
+            <a:r>
+              <a:rPr lang="zh-CN" altLang="en-US" dirty="0" smtClean="0"/>
+              <a:t>指针不方便</a:t>
+            </a:r>
+            <a:endParaRPr lang="en-US" altLang="zh-CN" dirty="0" smtClean="0"/>
+          </a:p>
+          <a:p>
+            <a:pPr lvl="1"/>
+            <a:r>
+              <a:rPr lang="zh-CN" altLang="en-US" dirty="0" smtClean="0"/>
+              <a:t>删除中间元素必须找到前一个节点的指针</a:t>
+            </a:r>
+            <a:endParaRPr lang="en-US" altLang="zh-CN" dirty="0" smtClean="0"/>
+          </a:p>
+          <a:p>
+            <a:pPr lvl="1"/>
+            <a:r>
+              <a:rPr lang="zh-CN" altLang="en-US" dirty="0" smtClean="0"/>
+              <a:t>如果要先查找元素，再删除</a:t>
+            </a:r>
+            <a:endParaRPr lang="en-US" altLang="zh-CN" dirty="0" smtClean="0"/>
+          </a:p>
+          <a:p>
+            <a:pPr lvl="1"/>
+            <a:r>
+              <a:rPr lang="zh-CN" altLang="en-US" dirty="0" smtClean="0"/>
+              <a:t>查找时必须记录当前节点的前一个的指针</a:t>
+            </a:r>
+            <a:endParaRPr lang="zh-CN" altLang="en-US" dirty="0"/>
           </a:p>
         </p:txBody>
       </p:sp>
     </p:spTree>
     <p:extLst>
       <p:ext uri="{BB962C8B-B14F-4D97-AF65-F5344CB8AC3E}">
-        <p14:creationId xmlns:p14="http://schemas.microsoft.com/office/powerpoint/2010/main" val="2952266901"/>
+        <p14:creationId xmlns:p14="http://schemas.microsoft.com/office/powerpoint/2010/main" val="3698314991"/>
       </p:ext>
     </p:extLst>
   </p:cSld>
@@ -21668,6 +21645,13 @@
   <p:transition>
     <p:fade/>
   </p:transition>
+  <p:timing>
+    <p:tnLst>
+      <p:par>
+        <p:cTn id="1" dur="indefinite" restart="never" nodeType="tmRoot"/>
+      </p:par>
+    </p:tnLst>
+  </p:timing>
 </p:sld>
 </file>
 
@@ -21835,7 +21819,7 @@
         <p:spPr>
           <a:xfrm>
             <a:off x="519248" y="1714500"/>
-            <a:ext cx="11151916" cy="2640723"/>
+            <a:ext cx="11151916" cy="4875181"/>
           </a:xfrm>
         </p:spPr>
         <p:txBody>
@@ -21844,7 +21828,7 @@
           <a:p>
             <a:r>
               <a:rPr lang="zh-CN" altLang="en-US" dirty="0" smtClean="0"/>
-              <a:t>只用</a:t>
+              <a:t>双向链表：除了</a:t>
             </a:r>
             <a:r>
               <a:rPr lang="en-US" altLang="zh-CN" dirty="0" smtClean="0"/>
@@ -21852,31 +21836,80 @@
             </a:r>
             <a:r>
               <a:rPr lang="zh-CN" altLang="en-US" dirty="0" smtClean="0"/>
-              <a:t>指针不方便</a:t>
+              <a:t>指针，再增加</a:t>
+            </a:r>
+            <a:r>
+              <a:rPr lang="en-US" altLang="zh-CN" dirty="0" err="1" smtClean="0"/>
+              <a:t>prev</a:t>
+            </a:r>
+            <a:r>
+              <a:rPr lang="zh-CN" altLang="en-US" dirty="0" smtClean="0"/>
+              <a:t>指针</a:t>
             </a:r>
             <a:endParaRPr lang="en-US" altLang="zh-CN" dirty="0" smtClean="0"/>
           </a:p>
           <a:p>
-            <a:pPr lvl="1"/>
-            <a:r>
-              <a:rPr lang="zh-CN" altLang="en-US" dirty="0" smtClean="0"/>
-              <a:t>删除中间元素必须找到前一个节点的指针</a:t>
-            </a:r>
-            <a:endParaRPr lang="en-US" altLang="zh-CN" dirty="0" smtClean="0"/>
-          </a:p>
-          <a:p>
-            <a:pPr lvl="1"/>
-            <a:r>
-              <a:rPr lang="zh-CN" altLang="en-US" dirty="0" smtClean="0"/>
-              <a:t>如果要先查找元素，再删除</a:t>
-            </a:r>
-            <a:endParaRPr lang="en-US" altLang="zh-CN" dirty="0" smtClean="0"/>
-          </a:p>
-          <a:p>
-            <a:pPr lvl="1"/>
-            <a:r>
-              <a:rPr lang="zh-CN" altLang="en-US" dirty="0" smtClean="0"/>
-              <a:t>查找时必须记录当前节点的前一个的指针</a:t>
+            <a:endParaRPr lang="en-US" altLang="zh-CN" dirty="0"/>
+          </a:p>
+          <a:p>
+            <a:pPr marL="0" indent="0">
+              <a:buNone/>
+            </a:pPr>
+            <a:r>
+              <a:rPr lang="en-US" altLang="zh-CN" dirty="0" err="1" smtClean="0"/>
+              <a:t>struct</a:t>
+            </a:r>
+            <a:r>
+              <a:rPr lang="en-US" altLang="zh-CN" dirty="0" smtClean="0"/>
+              <a:t> Node{</a:t>
+            </a:r>
+          </a:p>
+          <a:p>
+            <a:pPr marL="460375" lvl="1" indent="0">
+              <a:buNone/>
+            </a:pPr>
+            <a:r>
+              <a:rPr lang="en-US" altLang="zh-CN" dirty="0" err="1" smtClean="0"/>
+              <a:t>int</a:t>
+            </a:r>
+            <a:r>
+              <a:rPr lang="en-US" altLang="zh-CN" dirty="0" smtClean="0"/>
+              <a:t> data;</a:t>
+            </a:r>
+          </a:p>
+          <a:p>
+            <a:pPr marL="460375" lvl="1" indent="0">
+              <a:buNone/>
+            </a:pPr>
+            <a:r>
+              <a:rPr lang="en-US" altLang="zh-CN" dirty="0" smtClean="0"/>
+              <a:t>Node *</a:t>
+            </a:r>
+            <a:r>
+              <a:rPr lang="en-US" altLang="zh-CN" dirty="0" err="1" smtClean="0"/>
+              <a:t>prev</a:t>
+            </a:r>
+            <a:r>
+              <a:rPr lang="en-US" altLang="zh-CN" dirty="0" smtClean="0"/>
+              <a:t>;</a:t>
+            </a:r>
+          </a:p>
+          <a:p>
+            <a:pPr marL="460375" lvl="1" indent="0">
+              <a:buNone/>
+            </a:pPr>
+            <a:r>
+              <a:rPr lang="en-US" altLang="zh-CN" dirty="0" smtClean="0"/>
+              <a:t>Node *next;</a:t>
+            </a:r>
+          </a:p>
+          <a:p>
+            <a:pPr marL="0" indent="0">
+              <a:buNone/>
+            </a:pPr>
+            <a:r>
+              <a:rPr lang="en-US" altLang="zh-CN" dirty="0" smtClean="0"/>
+              <a:t>};</a:t>
             </a:r>
             <a:endParaRPr lang="zh-CN" altLang="en-US" dirty="0"/>
           </a:p>
@@ -21885,7 +21918,7 @@
     </p:spTree>
     <p:extLst>
       <p:ext uri="{BB962C8B-B14F-4D97-AF65-F5344CB8AC3E}">
-        <p14:creationId xmlns:p14="http://schemas.microsoft.com/office/powerpoint/2010/main" val="3698314991"/>
+        <p14:creationId xmlns:p14="http://schemas.microsoft.com/office/powerpoint/2010/main" val="570878593"/>
       </p:ext>
     </p:extLst>
   </p:cSld>
@@ -21957,8 +21990,8 @@
         </p:nvSpPr>
         <p:spPr>
           <a:xfrm>
-            <a:off x="519248" y="1714500"/>
-            <a:ext cx="11151916" cy="4875181"/>
+            <a:off x="519248" y="1905000"/>
+            <a:ext cx="11151916" cy="3914918"/>
           </a:xfrm>
         </p:spPr>
         <p:txBody>
@@ -21966,63 +21999,112 @@
           <a:lstStyle/>
           <a:p>
             <a:r>
+              <a:rPr lang="en-US" altLang="zh-CN" dirty="0" smtClean="0"/>
+              <a:t>// </a:t>
+            </a:r>
+            <a:r>
               <a:rPr lang="zh-CN" altLang="en-US" dirty="0" smtClean="0"/>
-              <a:t>双向链表：除了</a:t>
-            </a:r>
+              <a:t>在某一节点后插入节点</a:t>
+            </a:r>
+            <a:endParaRPr lang="en-US" altLang="zh-CN" dirty="0" smtClean="0"/>
+          </a:p>
+          <a:p>
             <a:r>
               <a:rPr lang="en-US" altLang="zh-CN" dirty="0" smtClean="0"/>
-              <a:t>next</a:t>
-            </a:r>
-            <a:r>
-              <a:rPr lang="zh-CN" altLang="en-US" dirty="0" smtClean="0"/>
-              <a:t>指针，再增加</a:t>
+              <a:t>void </a:t>
+            </a:r>
+            <a:r>
+              <a:rPr lang="en-US" altLang="zh-CN" dirty="0" err="1" smtClean="0"/>
+              <a:t>insertAfter</a:t>
+            </a:r>
+            <a:r>
+              <a:rPr lang="en-US" altLang="zh-CN" dirty="0" smtClean="0"/>
+              <a:t>(Node * node, double x){</a:t>
+            </a:r>
+            <a:br>
+              <a:rPr lang="en-US" altLang="zh-CN" dirty="0" smtClean="0"/>
+            </a:br>
+            <a:r>
+              <a:rPr lang="en-US" altLang="zh-CN" dirty="0" smtClean="0"/>
+              <a:t>	Node * </a:t>
+            </a:r>
+            <a:r>
+              <a:rPr lang="en-US" altLang="zh-CN" dirty="0" err="1" smtClean="0"/>
+              <a:t>newNode</a:t>
+            </a:r>
+            <a:r>
+              <a:rPr lang="en-US" altLang="zh-CN" dirty="0" smtClean="0"/>
+              <a:t> = new Node;</a:t>
+            </a:r>
+          </a:p>
+          <a:p>
+            <a:r>
+              <a:rPr lang="en-US" altLang="zh-CN" dirty="0"/>
+              <a:t>	</a:t>
+            </a:r>
+            <a:r>
+              <a:rPr lang="en-US" altLang="zh-CN" dirty="0" err="1" smtClean="0"/>
+              <a:t>newNode</a:t>
+            </a:r>
+            <a:r>
+              <a:rPr lang="en-US" altLang="zh-CN" dirty="0" smtClean="0"/>
+              <a:t>-&gt;data = x;</a:t>
+            </a:r>
+          </a:p>
+          <a:p>
+            <a:r>
+              <a:rPr lang="en-US" altLang="zh-CN" dirty="0"/>
+              <a:t>	</a:t>
+            </a:r>
+            <a:r>
+              <a:rPr lang="en-US" altLang="zh-CN" dirty="0" err="1" smtClean="0"/>
+              <a:t>newNode</a:t>
+            </a:r>
+            <a:r>
+              <a:rPr lang="en-US" altLang="zh-CN" dirty="0" smtClean="0"/>
+              <a:t>-&gt;next = node-&gt;next;</a:t>
+            </a:r>
+          </a:p>
+          <a:p>
+            <a:r>
+              <a:rPr lang="en-US" altLang="zh-CN" dirty="0" smtClean="0"/>
+              <a:t>	</a:t>
+            </a:r>
+            <a:r>
+              <a:rPr lang="en-US" altLang="zh-CN" dirty="0" err="1" smtClean="0"/>
+              <a:t>newNode</a:t>
+            </a:r>
+            <a:r>
+              <a:rPr lang="en-US" altLang="zh-CN" dirty="0" smtClean="0"/>
+              <a:t>-&gt;</a:t>
             </a:r>
             <a:r>
               <a:rPr lang="en-US" altLang="zh-CN" dirty="0" err="1" smtClean="0"/>
               <a:t>prev</a:t>
             </a:r>
             <a:r>
-              <a:rPr lang="zh-CN" altLang="en-US" dirty="0" smtClean="0"/>
-              <a:t>指针</a:t>
-            </a:r>
-            <a:endParaRPr lang="en-US" altLang="zh-CN" dirty="0" smtClean="0"/>
-          </a:p>
-          <a:p>
-            <a:endParaRPr lang="en-US" altLang="zh-CN" dirty="0"/>
-          </a:p>
-          <a:p>
-            <a:pPr marL="0" indent="0">
-              <a:buNone/>
-            </a:pPr>
-            <a:r>
-              <a:rPr lang="en-US" altLang="zh-CN" dirty="0" err="1" smtClean="0"/>
-              <a:t>struct</a:t>
-            </a:r>
-            <a:r>
               <a:rPr lang="en-US" altLang="zh-CN" dirty="0" smtClean="0"/>
-              <a:t> Node{</a:t>
-            </a:r>
-          </a:p>
-          <a:p>
-            <a:pPr marL="460375" lvl="1" indent="0">
-              <a:buNone/>
-            </a:pPr>
-            <a:r>
-              <a:rPr lang="en-US" altLang="zh-CN" dirty="0" err="1" smtClean="0"/>
-              <a:t>int</a:t>
+              <a:t> = node;</a:t>
+            </a:r>
+          </a:p>
+          <a:p>
+            <a:r>
+              <a:rPr lang="en-US" altLang="zh-CN" dirty="0"/>
+              <a:t>	</a:t>
             </a:r>
             <a:r>
               <a:rPr lang="en-US" altLang="zh-CN" dirty="0" smtClean="0"/>
-              <a:t> data;</a:t>
-            </a:r>
-          </a:p>
-          <a:p>
-            <a:pPr marL="460375" lvl="1" indent="0">
-              <a:buNone/>
-            </a:pPr>
+              <a:t>if(node-&gt;next)</a:t>
+            </a:r>
+          </a:p>
+          <a:p>
+            <a:r>
+              <a:rPr lang="en-US" altLang="zh-CN" dirty="0"/>
+              <a:t>	</a:t>
+            </a:r>
             <a:r>
               <a:rPr lang="en-US" altLang="zh-CN" dirty="0" smtClean="0"/>
-              <a:t>Node *</a:t>
+              <a:t>	node-&gt;next-&gt;</a:t>
             </a:r>
             <a:r>
               <a:rPr lang="en-US" altLang="zh-CN" dirty="0" err="1" smtClean="0"/>
@@ -22030,34 +22112,48 @@
             </a:r>
             <a:r>
               <a:rPr lang="en-US" altLang="zh-CN" dirty="0" smtClean="0"/>
+              <a:t> = </a:t>
+            </a:r>
+            <a:r>
+              <a:rPr lang="en-US" altLang="zh-CN" dirty="0" err="1" smtClean="0"/>
+              <a:t>newNode</a:t>
+            </a:r>
+            <a:r>
+              <a:rPr lang="en-US" altLang="zh-CN" dirty="0" smtClean="0"/>
               <a:t>;</a:t>
             </a:r>
           </a:p>
           <a:p>
-            <a:pPr marL="460375" lvl="1" indent="0">
-              <a:buNone/>
-            </a:pPr>
+            <a:r>
+              <a:rPr lang="en-US" altLang="zh-CN" dirty="0"/>
+              <a:t>	</a:t>
+            </a:r>
             <a:r>
               <a:rPr lang="en-US" altLang="zh-CN" dirty="0" smtClean="0"/>
-              <a:t>Node *next;</a:t>
-            </a:r>
-          </a:p>
-          <a:p>
-            <a:pPr marL="0" indent="0">
-              <a:buNone/>
-            </a:pPr>
+              <a:t>node-&gt;next = </a:t>
+            </a:r>
+            <a:r>
+              <a:rPr lang="en-US" altLang="zh-CN" dirty="0" err="1" smtClean="0"/>
+              <a:t>newNode</a:t>
+            </a:r>
             <a:r>
               <a:rPr lang="en-US" altLang="zh-CN" dirty="0" smtClean="0"/>
-              <a:t>};</a:t>
-            </a:r>
-            <a:endParaRPr lang="zh-CN" altLang="en-US" dirty="0"/>
+              <a:t>;</a:t>
+            </a:r>
+          </a:p>
+          <a:p>
+            <a:r>
+              <a:rPr lang="en-US" altLang="zh-CN" dirty="0" smtClean="0"/>
+              <a:t>}</a:t>
+            </a:r>
+            <a:endParaRPr lang="en-US" altLang="zh-CN" dirty="0"/>
           </a:p>
         </p:txBody>
       </p:sp>
     </p:spTree>
     <p:extLst>
       <p:ext uri="{BB962C8B-B14F-4D97-AF65-F5344CB8AC3E}">
-        <p14:creationId xmlns:p14="http://schemas.microsoft.com/office/powerpoint/2010/main" val="570878593"/>
+        <p14:creationId xmlns:p14="http://schemas.microsoft.com/office/powerpoint/2010/main" val="1711567679"/>
       </p:ext>
     </p:extLst>
   </p:cSld>
@@ -22130,7 +22226,7 @@
         <p:spPr>
           <a:xfrm>
             <a:off x="519248" y="1905000"/>
-            <a:ext cx="11151916" cy="3914918"/>
+            <a:ext cx="11151916" cy="3102388"/>
           </a:xfrm>
         </p:spPr>
         <p:txBody>
@@ -22143,151 +22239,100 @@
             </a:r>
             <a:r>
               <a:rPr lang="zh-CN" altLang="en-US" dirty="0" smtClean="0"/>
-              <a:t>在某一节点后插入节点</a:t>
+              <a:t>删除节点</a:t>
             </a:r>
             <a:endParaRPr lang="en-US" altLang="zh-CN" dirty="0" smtClean="0"/>
           </a:p>
           <a:p>
             <a:r>
               <a:rPr lang="en-US" altLang="zh-CN" dirty="0" smtClean="0"/>
-              <a:t>void </a:t>
+              <a:t>void remove(Node * node){</a:t>
+            </a:r>
+          </a:p>
+          <a:p>
+            <a:r>
+              <a:rPr lang="en-US" altLang="zh-CN" dirty="0"/>
+              <a:t>	</a:t>
+            </a:r>
+            <a:r>
+              <a:rPr lang="en-US" altLang="zh-CN" dirty="0" smtClean="0"/>
+              <a:t>if(node-&gt;</a:t>
             </a:r>
             <a:r>
               <a:rPr lang="en-US" altLang="zh-CN" dirty="0" err="1" smtClean="0"/>
-              <a:t>insertAfter</a:t>
+              <a:t>prev</a:t>
             </a:r>
             <a:r>
               <a:rPr lang="en-US" altLang="zh-CN" dirty="0" smtClean="0"/>
-              <a:t>(Node * node, double x){</a:t>
+              <a:t>)</a:t>
+            </a:r>
+          </a:p>
+          <a:p>
+            <a:r>
+              <a:rPr lang="en-US" altLang="zh-CN" dirty="0"/>
+              <a:t>	</a:t>
+            </a:r>
+            <a:r>
+              <a:rPr lang="en-US" altLang="zh-CN" dirty="0" smtClean="0"/>
+              <a:t>	node-&gt;</a:t>
+            </a:r>
+            <a:r>
+              <a:rPr lang="en-US" altLang="zh-CN" dirty="0" err="1" smtClean="0"/>
+              <a:t>prev</a:t>
+            </a:r>
+            <a:r>
+              <a:rPr lang="en-US" altLang="zh-CN" dirty="0" smtClean="0"/>
+              <a:t>-&gt;next = node-&gt;next;</a:t>
+            </a:r>
+          </a:p>
+          <a:p>
+            <a:r>
+              <a:rPr lang="en-US" altLang="zh-CN" dirty="0"/>
+              <a:t>	</a:t>
+            </a:r>
+            <a:r>
+              <a:rPr lang="en-US" altLang="zh-CN" dirty="0" smtClean="0"/>
+              <a:t>if(node-&gt;next)</a:t>
+            </a:r>
+          </a:p>
+          <a:p>
+            <a:r>
+              <a:rPr lang="en-US" altLang="zh-CN" dirty="0"/>
+              <a:t>	</a:t>
+            </a:r>
+            <a:r>
+              <a:rPr lang="en-US" altLang="zh-CN" dirty="0" smtClean="0"/>
+              <a:t>	node-&gt;next-&gt;</a:t>
+            </a:r>
+            <a:r>
+              <a:rPr lang="en-US" altLang="zh-CN" dirty="0" err="1" smtClean="0"/>
+              <a:t>prev</a:t>
+            </a:r>
+            <a:r>
+              <a:rPr lang="en-US" altLang="zh-CN" dirty="0" smtClean="0"/>
+              <a:t> = node-&gt;</a:t>
+            </a:r>
+            <a:r>
+              <a:rPr lang="en-US" altLang="zh-CN" dirty="0" err="1" smtClean="0"/>
+              <a:t>prev</a:t>
+            </a:r>
+            <a:r>
+              <a:rPr lang="en-US" altLang="zh-CN" dirty="0" smtClean="0"/>
+              <a:t>;</a:t>
+            </a:r>
+          </a:p>
+          <a:p>
+            <a:r>
+              <a:rPr lang="en-US" altLang="zh-CN" dirty="0"/>
+              <a:t>	</a:t>
+            </a:r>
+            <a:r>
+              <a:rPr lang="en-US" altLang="zh-CN" dirty="0" smtClean="0"/>
+              <a:t>delete node;</a:t>
             </a:r>
             <a:br>
               <a:rPr lang="en-US" altLang="zh-CN" dirty="0" smtClean="0"/>
             </a:br>
-            <a:r>
-              <a:rPr lang="en-US" altLang="zh-CN" dirty="0" smtClean="0"/>
-              <a:t>	Node * </a:t>
-            </a:r>
-            <a:r>
-              <a:rPr lang="en-US" altLang="zh-CN" dirty="0" err="1" smtClean="0"/>
-              <a:t>newNode</a:t>
-            </a:r>
-            <a:r>
-              <a:rPr lang="en-US" altLang="zh-CN" dirty="0" smtClean="0"/>
-              <a:t> = new Node;</a:t>
-            </a:r>
-          </a:p>
-          <a:p>
-            <a:r>
-              <a:rPr lang="en-US" altLang="zh-CN" dirty="0"/>
-              <a:t>	</a:t>
-            </a:r>
-            <a:r>
-              <a:rPr lang="en-US" altLang="zh-CN" dirty="0" err="1" smtClean="0"/>
-              <a:t>newNode</a:t>
-            </a:r>
-            <a:r>
-              <a:rPr lang="en-US" altLang="zh-CN" dirty="0" smtClean="0"/>
-              <a:t>-&gt;data = x;</a:t>
-            </a:r>
-          </a:p>
-          <a:p>
-            <a:r>
-              <a:rPr lang="en-US" altLang="zh-CN" dirty="0"/>
-              <a:t>	</a:t>
-            </a:r>
-            <a:r>
-              <a:rPr lang="en-US" altLang="zh-CN" dirty="0" err="1" smtClean="0"/>
-              <a:t>newNode</a:t>
-            </a:r>
-            <a:r>
-              <a:rPr lang="en-US" altLang="zh-CN" dirty="0" smtClean="0"/>
-              <a:t>-&gt;next = node-&gt;next</a:t>
-            </a:r>
-            <a:r>
-              <a:rPr lang="en-US" altLang="zh-CN" dirty="0" smtClean="0"/>
-              <a:t>;</a:t>
-            </a:r>
-          </a:p>
-          <a:p>
-            <a:r>
-              <a:rPr lang="en-US" altLang="zh-CN" dirty="0" smtClean="0"/>
-              <a:t>	</a:t>
-            </a:r>
-            <a:r>
-              <a:rPr lang="en-US" altLang="zh-CN" dirty="0" err="1" smtClean="0"/>
-              <a:t>newNode</a:t>
-            </a:r>
-            <a:r>
-              <a:rPr lang="en-US" altLang="zh-CN" dirty="0" smtClean="0"/>
-              <a:t>-&gt;</a:t>
-            </a:r>
-            <a:r>
-              <a:rPr lang="en-US" altLang="zh-CN" dirty="0" err="1" smtClean="0"/>
-              <a:t>prev</a:t>
-            </a:r>
-            <a:r>
-              <a:rPr lang="en-US" altLang="zh-CN" dirty="0" smtClean="0"/>
-              <a:t> = node;</a:t>
-            </a:r>
-          </a:p>
-          <a:p>
-            <a:r>
-              <a:rPr lang="en-US" altLang="zh-CN" dirty="0"/>
-              <a:t>	</a:t>
-            </a:r>
-            <a:r>
-              <a:rPr lang="en-US" altLang="zh-CN" dirty="0" smtClean="0"/>
-              <a:t>if(node-&gt;next)</a:t>
-            </a:r>
-            <a:endParaRPr lang="en-US" altLang="zh-CN" dirty="0" smtClean="0"/>
-          </a:p>
-          <a:p>
-            <a:r>
-              <a:rPr lang="en-US" altLang="zh-CN" dirty="0"/>
-              <a:t>	</a:t>
-            </a:r>
-            <a:r>
-              <a:rPr lang="en-US" altLang="zh-CN" dirty="0" smtClean="0"/>
-              <a:t>	node-&gt;next-&gt;</a:t>
-            </a:r>
-            <a:r>
-              <a:rPr lang="en-US" altLang="zh-CN" dirty="0" err="1" smtClean="0"/>
-              <a:t>prev</a:t>
-            </a:r>
-            <a:r>
-              <a:rPr lang="en-US" altLang="zh-CN" dirty="0" smtClean="0"/>
-              <a:t> = </a:t>
-            </a:r>
-            <a:r>
-              <a:rPr lang="en-US" altLang="zh-CN" dirty="0" err="1" smtClean="0"/>
-              <a:t>newNode</a:t>
-            </a:r>
-            <a:r>
-              <a:rPr lang="en-US" altLang="zh-CN" dirty="0" smtClean="0"/>
-              <a:t>;</a:t>
-            </a:r>
-            <a:endParaRPr lang="en-US" altLang="zh-CN" dirty="0" smtClean="0"/>
-          </a:p>
-          <a:p>
-            <a:r>
-              <a:rPr lang="en-US" altLang="zh-CN" dirty="0"/>
-              <a:t>	</a:t>
-            </a:r>
-            <a:r>
-              <a:rPr lang="en-US" altLang="zh-CN" dirty="0" smtClean="0"/>
-              <a:t>node-&gt;next = </a:t>
-            </a:r>
-            <a:r>
-              <a:rPr lang="en-US" altLang="zh-CN" dirty="0" err="1" smtClean="0"/>
-              <a:t>newNode</a:t>
-            </a:r>
-            <a:r>
-              <a:rPr lang="en-US" altLang="zh-CN" dirty="0" smtClean="0"/>
-              <a:t>;</a:t>
-            </a:r>
-            <a:endParaRPr lang="en-US" altLang="zh-CN" dirty="0" smtClean="0"/>
-          </a:p>
-          <a:p>
             <a:r>
               <a:rPr lang="en-US" altLang="zh-CN" dirty="0" smtClean="0"/>
               <a:t>}</a:t>
@@ -22299,7 +22344,7 @@
     </p:spTree>
     <p:extLst>
       <p:ext uri="{BB962C8B-B14F-4D97-AF65-F5344CB8AC3E}">
-        <p14:creationId xmlns:p14="http://schemas.microsoft.com/office/powerpoint/2010/main" val="1711567679"/>
+        <p14:creationId xmlns:p14="http://schemas.microsoft.com/office/powerpoint/2010/main" val="3144444440"/>
       </p:ext>
     </p:extLst>
   </p:cSld>
@@ -22338,7 +22383,7 @@
       </p:grpSpPr>
       <p:sp>
         <p:nvSpPr>
-          <p:cNvPr id="4" name="标题 3"/>
+          <p:cNvPr id="2" name="标题 1"/>
           <p:cNvSpPr>
             <a:spLocks noGrp="1"/>
           </p:cNvSpPr>
@@ -22353,7 +22398,7 @@
           <a:p>
             <a:r>
               <a:rPr lang="zh-CN" altLang="en-US" dirty="0" smtClean="0"/>
-              <a:t>双向链表</a:t>
+              <a:t>作业</a:t>
             </a:r>
             <a:endParaRPr lang="zh-CN" altLang="en-US" dirty="0"/>
           </a:p>
@@ -22361,7 +22406,7 @@
       </p:sp>
       <p:sp>
         <p:nvSpPr>
-          <p:cNvPr id="5" name="内容占位符 4"/>
+          <p:cNvPr id="3" name="内容占位符 2"/>
           <p:cNvSpPr>
             <a:spLocks noGrp="1"/>
           </p:cNvSpPr>
@@ -22371,8 +22416,8 @@
         </p:nvSpPr>
         <p:spPr>
           <a:xfrm>
-            <a:off x="519248" y="1905000"/>
-            <a:ext cx="11151916" cy="3102388"/>
+            <a:off x="519248" y="1714500"/>
+            <a:ext cx="11151916" cy="1354217"/>
           </a:xfrm>
         </p:spPr>
         <p:txBody>
@@ -22381,128 +22426,22 @@
           <a:p>
             <a:r>
               <a:rPr lang="en-US" altLang="zh-CN" dirty="0" smtClean="0"/>
-              <a:t>// </a:t>
-            </a:r>
-            <a:r>
-              <a:rPr lang="zh-CN" altLang="en-US" dirty="0" smtClean="0"/>
-              <a:t>删除节点</a:t>
-            </a:r>
-            <a:endParaRPr lang="en-US" altLang="zh-CN" dirty="0" smtClean="0"/>
+              <a:t>A1026</a:t>
+            </a:r>
           </a:p>
           <a:p>
             <a:r>
               <a:rPr lang="en-US" altLang="zh-CN" dirty="0" smtClean="0"/>
-              <a:t>void remove(Node </a:t>
-            </a:r>
-            <a:r>
-              <a:rPr lang="en-US" altLang="zh-CN" dirty="0" smtClean="0"/>
-              <a:t>* </a:t>
-            </a:r>
-            <a:r>
-              <a:rPr lang="en-US" altLang="zh-CN" dirty="0" smtClean="0"/>
-              <a:t>node){</a:t>
-            </a:r>
-          </a:p>
-          <a:p>
-            <a:r>
-              <a:rPr lang="en-US" altLang="zh-CN" dirty="0"/>
-              <a:t>	</a:t>
-            </a:r>
-            <a:r>
-              <a:rPr lang="en-US" altLang="zh-CN" dirty="0" smtClean="0"/>
-              <a:t>if(node-&gt;</a:t>
-            </a:r>
-            <a:r>
-              <a:rPr lang="en-US" altLang="zh-CN" dirty="0" err="1" smtClean="0"/>
-              <a:t>prev</a:t>
-            </a:r>
-            <a:r>
-              <a:rPr lang="en-US" altLang="zh-CN" dirty="0" smtClean="0"/>
-              <a:t>)</a:t>
-            </a:r>
-          </a:p>
-          <a:p>
-            <a:r>
-              <a:rPr lang="en-US" altLang="zh-CN" dirty="0"/>
-              <a:t>	</a:t>
-            </a:r>
-            <a:r>
-              <a:rPr lang="en-US" altLang="zh-CN" dirty="0" smtClean="0"/>
-              <a:t>	node-&gt;</a:t>
-            </a:r>
-            <a:r>
-              <a:rPr lang="en-US" altLang="zh-CN" dirty="0" err="1" smtClean="0"/>
-              <a:t>prev</a:t>
-            </a:r>
-            <a:r>
-              <a:rPr lang="en-US" altLang="zh-CN" dirty="0" smtClean="0"/>
-              <a:t>-&gt;next = node-&gt;next;</a:t>
-            </a:r>
-          </a:p>
-          <a:p>
-            <a:r>
-              <a:rPr lang="en-US" altLang="zh-CN" dirty="0"/>
-              <a:t>	</a:t>
-            </a:r>
-            <a:r>
-              <a:rPr lang="en-US" altLang="zh-CN" dirty="0" smtClean="0"/>
-              <a:t>if(node-&gt;next)</a:t>
-            </a:r>
-          </a:p>
-          <a:p>
-            <a:r>
-              <a:rPr lang="en-US" altLang="zh-CN" dirty="0"/>
-              <a:t>	</a:t>
-            </a:r>
-            <a:r>
-              <a:rPr lang="en-US" altLang="zh-CN" dirty="0" smtClean="0"/>
-              <a:t>	node-&gt;next-&gt;</a:t>
-            </a:r>
-            <a:r>
-              <a:rPr lang="en-US" altLang="zh-CN" dirty="0" err="1" smtClean="0"/>
-              <a:t>prev</a:t>
-            </a:r>
-            <a:r>
-              <a:rPr lang="en-US" altLang="zh-CN" dirty="0" smtClean="0"/>
-              <a:t> = node-&gt;</a:t>
-            </a:r>
-            <a:r>
-              <a:rPr lang="en-US" altLang="zh-CN" dirty="0" err="1" smtClean="0"/>
-              <a:t>prev</a:t>
-            </a:r>
-            <a:r>
-              <a:rPr lang="en-US" altLang="zh-CN" dirty="0" smtClean="0"/>
-              <a:t>;</a:t>
-            </a:r>
-          </a:p>
-          <a:p>
-            <a:r>
-              <a:rPr lang="en-US" altLang="zh-CN" dirty="0"/>
-              <a:t>	</a:t>
-            </a:r>
-            <a:r>
-              <a:rPr lang="en-US" altLang="zh-CN" dirty="0" smtClean="0"/>
-              <a:t>delete node;</a:t>
-            </a:r>
-            <a:r>
-              <a:rPr lang="en-US" altLang="zh-CN" dirty="0" smtClean="0"/>
-              <a:t/>
-            </a:r>
-            <a:br>
-              <a:rPr lang="en-US" altLang="zh-CN" dirty="0" smtClean="0"/>
-            </a:br>
-            <a:r>
-              <a:rPr lang="en-US" altLang="zh-CN" dirty="0" smtClean="0"/>
-              <a:t>}</a:t>
-            </a:r>
-            <a:endParaRPr lang="en-US" altLang="zh-CN" dirty="0"/>
+              <a:t>A1099</a:t>
+            </a:r>
+            <a:endParaRPr lang="zh-CN" altLang="en-US" dirty="0"/>
           </a:p>
         </p:txBody>
       </p:sp>
     </p:spTree>
     <p:extLst>
       <p:ext uri="{BB962C8B-B14F-4D97-AF65-F5344CB8AC3E}">
-        <p14:creationId xmlns:p14="http://schemas.microsoft.com/office/powerpoint/2010/main" val="3144444440"/>
+        <p14:creationId xmlns:p14="http://schemas.microsoft.com/office/powerpoint/2010/main" val="2902183763"/>
       </p:ext>
     </p:extLst>
   </p:cSld>
@@ -22512,13 +22451,6 @@
   <p:transition>
     <p:fade/>
   </p:transition>
-  <p:timing>
-    <p:tnLst>
-      <p:par>
-        <p:cTn id="1" dur="indefinite" restart="never" nodeType="tmRoot"/>
-      </p:par>
-    </p:tnLst>
-  </p:timing>
 </p:sld>
 </file>
 
@@ -22575,7 +22507,7 @@
         <p:spPr>
           <a:xfrm>
             <a:off x="519248" y="1714500"/>
-            <a:ext cx="11151916" cy="1354217"/>
+            <a:ext cx="11151916" cy="5152180"/>
           </a:xfrm>
         </p:spPr>
         <p:txBody>
@@ -22583,23 +22515,115 @@
           <a:lstStyle/>
           <a:p>
             <a:r>
-              <a:rPr lang="en-US" altLang="zh-CN" dirty="0" smtClean="0"/>
-              <a:t>A1026</a:t>
-            </a:r>
-          </a:p>
-          <a:p>
-            <a:r>
-              <a:rPr lang="en-US" altLang="zh-CN" dirty="0" smtClean="0"/>
-              <a:t>A1099</a:t>
-            </a:r>
-            <a:endParaRPr lang="zh-CN" altLang="en-US" dirty="0"/>
+              <a:rPr lang="zh-CN" altLang="en-US" sz="3600" dirty="0" smtClean="0"/>
+              <a:t>实现一个保存浮点数的链表（单链表和双向链表均可）</a:t>
+            </a:r>
+            <a:endParaRPr lang="en-US" altLang="zh-CN" sz="3600" dirty="0" smtClean="0"/>
+          </a:p>
+          <a:p>
+            <a:r>
+              <a:rPr lang="zh-CN" altLang="en-US" sz="3600" dirty="0" smtClean="0"/>
+              <a:t>链表中的元素维持从小到大的顺序</a:t>
+            </a:r>
+            <a:endParaRPr lang="en-US" altLang="zh-CN" sz="3600" dirty="0" smtClean="0"/>
+          </a:p>
+          <a:p>
+            <a:r>
+              <a:rPr lang="zh-CN" altLang="en-US" sz="3600" dirty="0" smtClean="0"/>
+              <a:t>输入有多行，有以下四种：</a:t>
+            </a:r>
+            <a:endParaRPr lang="en-US" altLang="zh-CN" sz="3600" dirty="0" smtClean="0"/>
+          </a:p>
+          <a:p>
+            <a:pPr marL="0" indent="0">
+              <a:buNone/>
+            </a:pPr>
+            <a:r>
+              <a:rPr lang="en-US" altLang="zh-CN" sz="3600" dirty="0"/>
+              <a:t> </a:t>
+            </a:r>
+            <a:r>
+              <a:rPr lang="en-US" altLang="zh-CN" sz="3600" dirty="0" smtClean="0"/>
+              <a:t>   P		</a:t>
+            </a:r>
+            <a:r>
+              <a:rPr lang="zh-CN" altLang="en-US" sz="3600" dirty="0" smtClean="0"/>
+              <a:t>按顺序打印当前链表内容，以空格隔开，随后换行</a:t>
+            </a:r>
+            <a:endParaRPr lang="en-US" altLang="zh-CN" sz="3600" dirty="0" smtClean="0"/>
+          </a:p>
+          <a:p>
+            <a:pPr marL="0" indent="0">
+              <a:buNone/>
+            </a:pPr>
+            <a:r>
+              <a:rPr lang="en-US" altLang="zh-CN" sz="3600" dirty="0"/>
+              <a:t> </a:t>
+            </a:r>
+            <a:r>
+              <a:rPr lang="en-US" altLang="zh-CN" sz="3600" dirty="0" smtClean="0"/>
+              <a:t>   I n		</a:t>
+            </a:r>
+            <a:r>
+              <a:rPr lang="zh-CN" altLang="en-US" sz="3600" dirty="0" smtClean="0"/>
+              <a:t>把一个数</a:t>
+            </a:r>
+            <a:r>
+              <a:rPr lang="en-US" altLang="zh-CN" sz="3600" dirty="0" smtClean="0"/>
+              <a:t>n</a:t>
+            </a:r>
+            <a:r>
+              <a:rPr lang="zh-CN" altLang="en-US" sz="3600" dirty="0" smtClean="0"/>
+              <a:t>插入链表</a:t>
+            </a:r>
+            <a:endParaRPr lang="en-US" altLang="zh-CN" sz="3600" dirty="0" smtClean="0"/>
+          </a:p>
+          <a:p>
+            <a:pPr marL="0" indent="0">
+              <a:buNone/>
+            </a:pPr>
+            <a:r>
+              <a:rPr lang="en-US" altLang="zh-CN" sz="3600" dirty="0"/>
+              <a:t> </a:t>
+            </a:r>
+            <a:r>
+              <a:rPr lang="en-US" altLang="zh-CN" sz="3600" dirty="0" smtClean="0"/>
+              <a:t>   D n		</a:t>
+            </a:r>
+            <a:r>
+              <a:rPr lang="zh-CN" altLang="en-US" sz="3600" dirty="0" smtClean="0"/>
+              <a:t>把一个数</a:t>
+            </a:r>
+            <a:r>
+              <a:rPr lang="en-US" altLang="zh-CN" sz="3600" dirty="0" smtClean="0"/>
+              <a:t>n</a:t>
+            </a:r>
+            <a:r>
+              <a:rPr lang="zh-CN" altLang="en-US" sz="3600" dirty="0" smtClean="0"/>
+              <a:t>从链表中删除</a:t>
+            </a:r>
+            <a:endParaRPr lang="en-US" altLang="zh-CN" sz="3600" dirty="0" smtClean="0"/>
+          </a:p>
+          <a:p>
+            <a:pPr marL="0" indent="0">
+              <a:buNone/>
+            </a:pPr>
+            <a:r>
+              <a:rPr lang="en-US" altLang="zh-CN" sz="3600" dirty="0" smtClean="0"/>
+              <a:t>    #			</a:t>
+            </a:r>
+            <a:r>
+              <a:rPr lang="zh-CN" altLang="en-US" sz="3600" dirty="0" smtClean="0"/>
+              <a:t>结束</a:t>
+            </a:r>
+            <a:endParaRPr lang="zh-CN" altLang="en-US" sz="3600" dirty="0"/>
           </a:p>
         </p:txBody>
       </p:sp>
     </p:spTree>
     <p:extLst>
       <p:ext uri="{BB962C8B-B14F-4D97-AF65-F5344CB8AC3E}">
-        <p14:creationId xmlns:p14="http://schemas.microsoft.com/office/powerpoint/2010/main" val="2902183763"/>
+        <p14:creationId xmlns:p14="http://schemas.microsoft.com/office/powerpoint/2010/main" val="1042049982"/>
       </p:ext>
     </p:extLst>
   </p:cSld>
@@ -22645,10 +22669,9 @@
           <a:lstStyle/>
           <a:p>
             <a:r>
-              <a:rPr lang="zh-CN" altLang="en-US" dirty="0" smtClean="0"/>
+              <a:rPr lang="zh-CN" altLang="en-US" dirty="0"/>
               <a:t>作业</a:t>
             </a:r>
-            <a:endParaRPr lang="zh-CN" altLang="en-US" dirty="0"/>
           </a:p>
         </p:txBody>
       </p:sp>
@@ -22665,7 +22688,7 @@
         <p:spPr>
           <a:xfrm>
             <a:off x="519248" y="1714500"/>
-            <a:ext cx="11151916" cy="5152180"/>
+            <a:ext cx="11151916" cy="1354217"/>
           </a:xfrm>
         </p:spPr>
         <p:txBody>
@@ -22673,115 +22696,24 @@
           <a:lstStyle/>
           <a:p>
             <a:r>
-              <a:rPr lang="zh-CN" altLang="en-US" sz="3600" dirty="0" smtClean="0"/>
-              <a:t>实现一个保存浮点数的链表（单链表和双向链表均可）</a:t>
-            </a:r>
-            <a:endParaRPr lang="en-US" altLang="zh-CN" sz="3600" dirty="0" smtClean="0"/>
-          </a:p>
-          <a:p>
-            <a:r>
-              <a:rPr lang="zh-CN" altLang="en-US" sz="3600" dirty="0" smtClean="0"/>
-              <a:t>链表中的元素维持从小到大的顺序</a:t>
-            </a:r>
-            <a:endParaRPr lang="en-US" altLang="zh-CN" sz="3600" dirty="0" smtClean="0"/>
-          </a:p>
-          <a:p>
-            <a:r>
-              <a:rPr lang="zh-CN" altLang="en-US" sz="3600" dirty="0" smtClean="0"/>
-              <a:t>输入有多行，有以下四种：</a:t>
-            </a:r>
-            <a:endParaRPr lang="en-US" altLang="zh-CN" sz="3600" dirty="0" smtClean="0"/>
-          </a:p>
-          <a:p>
-            <a:pPr marL="0" indent="0">
-              <a:buNone/>
-            </a:pPr>
-            <a:r>
-              <a:rPr lang="en-US" altLang="zh-CN" sz="3600" dirty="0"/>
-              <a:t> </a:t>
-            </a:r>
-            <a:r>
-              <a:rPr lang="en-US" altLang="zh-CN" sz="3600" dirty="0" smtClean="0"/>
-              <a:t>   P		</a:t>
-            </a:r>
-            <a:r>
-              <a:rPr lang="zh-CN" altLang="en-US" sz="3600" dirty="0" smtClean="0"/>
-              <a:t>按顺序打印当前链表内容，以空格隔开，随后换行</a:t>
-            </a:r>
-            <a:endParaRPr lang="en-US" altLang="zh-CN" sz="3600" dirty="0" smtClean="0"/>
-          </a:p>
-          <a:p>
-            <a:pPr marL="0" indent="0">
-              <a:buNone/>
-            </a:pPr>
-            <a:r>
-              <a:rPr lang="en-US" altLang="zh-CN" sz="3600" dirty="0"/>
-              <a:t> </a:t>
-            </a:r>
-            <a:r>
-              <a:rPr lang="en-US" altLang="zh-CN" sz="3600" dirty="0" smtClean="0"/>
-              <a:t>   I n		</a:t>
-            </a:r>
-            <a:r>
-              <a:rPr lang="zh-CN" altLang="en-US" sz="3600" dirty="0" smtClean="0"/>
-              <a:t>把一个数</a:t>
-            </a:r>
-            <a:r>
-              <a:rPr lang="en-US" altLang="zh-CN" sz="3600" dirty="0" smtClean="0"/>
-              <a:t>n</a:t>
-            </a:r>
-            <a:r>
-              <a:rPr lang="zh-CN" altLang="en-US" sz="3600" dirty="0" smtClean="0"/>
-              <a:t>插入链表</a:t>
-            </a:r>
-            <a:endParaRPr lang="en-US" altLang="zh-CN" sz="3600" dirty="0" smtClean="0"/>
-          </a:p>
-          <a:p>
-            <a:pPr marL="0" indent="0">
-              <a:buNone/>
-            </a:pPr>
-            <a:r>
-              <a:rPr lang="en-US" altLang="zh-CN" sz="3600" dirty="0"/>
-              <a:t> </a:t>
-            </a:r>
-            <a:r>
-              <a:rPr lang="en-US" altLang="zh-CN" sz="3600" dirty="0" smtClean="0"/>
-              <a:t>   D n		</a:t>
-            </a:r>
-            <a:r>
-              <a:rPr lang="zh-CN" altLang="en-US" sz="3600" dirty="0" smtClean="0"/>
-              <a:t>把一个数</a:t>
-            </a:r>
-            <a:r>
-              <a:rPr lang="en-US" altLang="zh-CN" sz="3600" dirty="0" smtClean="0"/>
-              <a:t>n</a:t>
-            </a:r>
-            <a:r>
-              <a:rPr lang="zh-CN" altLang="en-US" sz="3600" dirty="0" smtClean="0"/>
-              <a:t>从链表中删除</a:t>
-            </a:r>
-            <a:endParaRPr lang="en-US" altLang="zh-CN" sz="3600" dirty="0" smtClean="0"/>
-          </a:p>
-          <a:p>
-            <a:pPr marL="0" indent="0">
-              <a:buNone/>
-            </a:pPr>
-            <a:r>
-              <a:rPr lang="en-US" altLang="zh-CN" sz="3600" dirty="0" smtClean="0"/>
-              <a:t>    #			</a:t>
-            </a:r>
-            <a:r>
-              <a:rPr lang="zh-CN" altLang="en-US" sz="3600" dirty="0" smtClean="0"/>
-              <a:t>结束</a:t>
-            </a:r>
-            <a:endParaRPr lang="zh-CN" altLang="en-US" sz="3600" dirty="0"/>
+              <a:rPr lang="zh-CN" altLang="en-US" dirty="0" smtClean="0"/>
+              <a:t>删除时，保证删除的都是链表中已有的元素</a:t>
+            </a:r>
+            <a:endParaRPr lang="en-US" altLang="zh-CN" dirty="0" smtClean="0"/>
+          </a:p>
+          <a:p>
+            <a:r>
+              <a:rPr lang="zh-CN" altLang="en-US" dirty="0" smtClean="0"/>
+              <a:t>删除时如有多个重复元素，删除其中一个</a:t>
+            </a:r>
+            <a:endParaRPr lang="en-US" altLang="zh-CN" dirty="0" smtClean="0"/>
           </a:p>
         </p:txBody>
       </p:sp>
     </p:spTree>
     <p:extLst>
       <p:ext uri="{BB962C8B-B14F-4D97-AF65-F5344CB8AC3E}">
-        <p14:creationId xmlns:p14="http://schemas.microsoft.com/office/powerpoint/2010/main" val="1042049982"/>
+        <p14:creationId xmlns:p14="http://schemas.microsoft.com/office/powerpoint/2010/main" val="1242896487"/>
       </p:ext>
     </p:extLst>
   </p:cSld>
@@ -22827,15 +22759,16 @@
           <a:lstStyle/>
           <a:p>
             <a:r>
-              <a:rPr lang="zh-CN" altLang="en-US" dirty="0"/>
-              <a:t>作业</a:t>
-            </a:r>
+              <a:rPr lang="zh-CN" altLang="en-US" dirty="0" smtClean="0"/>
+              <a:t>例子</a:t>
+            </a:r>
+            <a:endParaRPr lang="zh-CN" altLang="en-US" dirty="0"/>
           </a:p>
         </p:txBody>
       </p:sp>
       <p:sp>
         <p:nvSpPr>
-          <p:cNvPr id="3" name="内容占位符 2"/>
+          <p:cNvPr id="4" name="内容占位符 3"/>
           <p:cNvSpPr>
             <a:spLocks noGrp="1"/>
           </p:cNvSpPr>
@@ -22845,8 +22778,8 @@
         </p:nvSpPr>
         <p:spPr>
           <a:xfrm>
-            <a:off x="519248" y="1714500"/>
-            <a:ext cx="11151916" cy="1354217"/>
+            <a:off x="519248" y="1905000"/>
+            <a:ext cx="11151916" cy="4395049"/>
           </a:xfrm>
         </p:spPr>
         <p:txBody>
@@ -22855,23 +22788,77 @@
           <a:p>
             <a:r>
               <a:rPr lang="zh-CN" altLang="en-US" dirty="0" smtClean="0"/>
-              <a:t>删除时，保证删除的都是链表中已有的元素</a:t>
+              <a:t>输入：</a:t>
             </a:r>
             <a:endParaRPr lang="en-US" altLang="zh-CN" dirty="0" smtClean="0"/>
           </a:p>
           <a:p>
             <a:r>
+              <a:rPr lang="en-US" altLang="zh-CN" dirty="0" smtClean="0"/>
+              <a:t>I 5.6</a:t>
+            </a:r>
+          </a:p>
+          <a:p>
+            <a:r>
+              <a:rPr lang="en-US" altLang="zh-CN" dirty="0" smtClean="0"/>
+              <a:t>I 3.77</a:t>
+            </a:r>
+          </a:p>
+          <a:p>
+            <a:r>
+              <a:rPr lang="en-US" altLang="zh-CN" dirty="0" smtClean="0"/>
+              <a:t>I 5.3</a:t>
+            </a:r>
+          </a:p>
+          <a:p>
+            <a:r>
+              <a:rPr lang="en-US" altLang="zh-CN" dirty="0" smtClean="0"/>
+              <a:t>P</a:t>
+            </a:r>
+          </a:p>
+          <a:p>
+            <a:r>
+              <a:rPr lang="en-US" altLang="zh-CN" dirty="0" smtClean="0"/>
+              <a:t>D 5.6</a:t>
+            </a:r>
+          </a:p>
+          <a:p>
+            <a:r>
+              <a:rPr lang="en-US" altLang="zh-CN" dirty="0" smtClean="0"/>
+              <a:t>P</a:t>
+            </a:r>
+          </a:p>
+          <a:p>
+            <a:r>
+              <a:rPr lang="en-US" altLang="zh-CN" dirty="0" smtClean="0"/>
+              <a:t>#</a:t>
+            </a:r>
+          </a:p>
+          <a:p>
+            <a:r>
               <a:rPr lang="zh-CN" altLang="en-US" dirty="0" smtClean="0"/>
-              <a:t>删除时如有多个重复元素，删除其中一个</a:t>
+              <a:t>输出：</a:t>
             </a:r>
             <a:endParaRPr lang="en-US" altLang="zh-CN" dirty="0" smtClean="0"/>
+          </a:p>
+          <a:p>
+            <a:r>
+              <a:rPr lang="en-US" altLang="zh-CN" dirty="0" smtClean="0"/>
+              <a:t>3.77 5.3 5.6</a:t>
+            </a:r>
+          </a:p>
+          <a:p>
+            <a:r>
+              <a:rPr lang="en-US" altLang="zh-CN" dirty="0" smtClean="0"/>
+              <a:t>3.77 5.3</a:t>
+            </a:r>
           </a:p>
         </p:txBody>
       </p:sp>
     </p:spTree>
     <p:extLst>
       <p:ext uri="{BB962C8B-B14F-4D97-AF65-F5344CB8AC3E}">
-        <p14:creationId xmlns:p14="http://schemas.microsoft.com/office/powerpoint/2010/main" val="1242896487"/>
+        <p14:creationId xmlns:p14="http://schemas.microsoft.com/office/powerpoint/2010/main" val="933763601"/>
       </p:ext>
     </p:extLst>
   </p:cSld>
@@ -22903,7 +22890,7 @@
       </p:grpSpPr>
       <p:sp>
         <p:nvSpPr>
-          <p:cNvPr id="2" name="标题 1"/>
+          <p:cNvPr id="4" name="标题 3"/>
           <p:cNvSpPr>
             <a:spLocks noGrp="1"/>
           </p:cNvSpPr>
@@ -22918,7 +22905,7 @@
           <a:p>
             <a:r>
               <a:rPr lang="zh-CN" altLang="en-US" dirty="0" smtClean="0"/>
-              <a:t>例子</a:t>
+              <a:t>课堂演讲</a:t>
             </a:r>
             <a:endParaRPr lang="zh-CN" altLang="en-US" dirty="0"/>
           </a:p>
@@ -22926,7 +22913,7 @@
       </p:sp>
       <p:sp>
         <p:nvSpPr>
-          <p:cNvPr id="4" name="内容占位符 3"/>
+          <p:cNvPr id="5" name="内容占位符 4"/>
           <p:cNvSpPr>
             <a:spLocks noGrp="1"/>
           </p:cNvSpPr>
@@ -22936,8 +22923,8 @@
         </p:nvSpPr>
         <p:spPr>
           <a:xfrm>
-            <a:off x="519248" y="1905000"/>
-            <a:ext cx="11151916" cy="4395049"/>
+            <a:off x="519248" y="1714500"/>
+            <a:ext cx="11151916" cy="609398"/>
           </a:xfrm>
         </p:spPr>
         <p:txBody>
@@ -22946,77 +22933,16 @@
           <a:p>
             <a:r>
               <a:rPr lang="zh-CN" altLang="en-US" dirty="0" smtClean="0"/>
-              <a:t>输入：</a:t>
-            </a:r>
-            <a:endParaRPr lang="en-US" altLang="zh-CN" dirty="0" smtClean="0"/>
-          </a:p>
-          <a:p>
-            <a:r>
-              <a:rPr lang="en-US" altLang="zh-CN" dirty="0" smtClean="0"/>
-              <a:t>I 5.6</a:t>
-            </a:r>
-          </a:p>
-          <a:p>
-            <a:r>
-              <a:rPr lang="en-US" altLang="zh-CN" dirty="0" smtClean="0"/>
-              <a:t>I 3.77</a:t>
-            </a:r>
-          </a:p>
-          <a:p>
-            <a:r>
-              <a:rPr lang="en-US" altLang="zh-CN" dirty="0" smtClean="0"/>
-              <a:t>I 5.3</a:t>
-            </a:r>
-          </a:p>
-          <a:p>
-            <a:r>
-              <a:rPr lang="en-US" altLang="zh-CN" dirty="0" smtClean="0"/>
-              <a:t>P</a:t>
-            </a:r>
-          </a:p>
-          <a:p>
-            <a:r>
-              <a:rPr lang="en-US" altLang="zh-CN" dirty="0" smtClean="0"/>
-              <a:t>D 5.6</a:t>
-            </a:r>
-          </a:p>
-          <a:p>
-            <a:r>
-              <a:rPr lang="en-US" altLang="zh-CN" dirty="0" smtClean="0"/>
-              <a:t>P</a:t>
-            </a:r>
-          </a:p>
-          <a:p>
-            <a:r>
-              <a:rPr lang="en-US" altLang="zh-CN" dirty="0" smtClean="0"/>
-              <a:t>#</a:t>
-            </a:r>
-          </a:p>
-          <a:p>
-            <a:r>
-              <a:rPr lang="zh-CN" altLang="en-US" dirty="0" smtClean="0"/>
-              <a:t>输出：</a:t>
-            </a:r>
-            <a:endParaRPr lang="en-US" altLang="zh-CN" dirty="0" smtClean="0"/>
-          </a:p>
-          <a:p>
-            <a:r>
-              <a:rPr lang="en-US" altLang="zh-CN" dirty="0" smtClean="0"/>
-              <a:t>3.77 5.3 5.6</a:t>
-            </a:r>
-          </a:p>
-          <a:p>
-            <a:r>
-              <a:rPr lang="en-US" altLang="zh-CN" dirty="0" smtClean="0"/>
-              <a:t>3.77 5.3</a:t>
-            </a:r>
+              <a:t>栈与队列</a:t>
+            </a:r>
+            <a:endParaRPr lang="zh-CN" altLang="en-US" dirty="0"/>
           </a:p>
         </p:txBody>
       </p:sp>
     </p:spTree>
     <p:extLst>
       <p:ext uri="{BB962C8B-B14F-4D97-AF65-F5344CB8AC3E}">
-        <p14:creationId xmlns:p14="http://schemas.microsoft.com/office/powerpoint/2010/main" val="933763601"/>
+        <p14:creationId xmlns:p14="http://schemas.microsoft.com/office/powerpoint/2010/main" val="691665680"/>
       </p:ext>
     </p:extLst>
   </p:cSld>
